--- a/Media/Initial Proposal Presentation.pptx
+++ b/Media/Initial Proposal Presentation.pptx
@@ -113,10 +113,6 @@
 </p:presentation>
 </file>
 
-<file path=ppt/revisionInfo.xml><?xml version="1.0" encoding="utf-8"?>
-<p1510:revInfo xmlns:a="http://schemas.openxmlformats.org/drawingml/2006/main" xmlns:r="http://schemas.openxmlformats.org/officeDocument/2006/relationships" xmlns:p1510="http://schemas.microsoft.com/office/powerpoint/2015/10/main"/>
-</file>
-
 <file path=ppt/slideLayouts/slideLayout1.xml><?xml version="1.0" encoding="utf-8"?>
 <p:sldLayout xmlns:a="http://schemas.openxmlformats.org/drawingml/2006/main" xmlns:r="http://schemas.openxmlformats.org/officeDocument/2006/relationships" xmlns:p="http://schemas.openxmlformats.org/presentationml/2006/main" type="title" preserve="1">
   <p:cSld name="Title Slide">
@@ -266,7 +262,7 @@
           <a:p>
             <a:fld id="{E0FD3706-CB59-4481-A9F9-15FE013BFC36}" type="datetimeFigureOut">
               <a:rPr lang="en-GB" smtClean="0"/>
-              <a:t>31/01/2018</a:t>
+              <a:t>10/02/2018</a:t>
             </a:fld>
             <a:endParaRPr lang="en-GB"/>
           </a:p>
@@ -466,7 +462,7 @@
           <a:p>
             <a:fld id="{E0FD3706-CB59-4481-A9F9-15FE013BFC36}" type="datetimeFigureOut">
               <a:rPr lang="en-GB" smtClean="0"/>
-              <a:t>31/01/2018</a:t>
+              <a:t>10/02/2018</a:t>
             </a:fld>
             <a:endParaRPr lang="en-GB"/>
           </a:p>
@@ -676,7 +672,7 @@
           <a:p>
             <a:fld id="{E0FD3706-CB59-4481-A9F9-15FE013BFC36}" type="datetimeFigureOut">
               <a:rPr lang="en-GB" smtClean="0"/>
-              <a:t>31/01/2018</a:t>
+              <a:t>10/02/2018</a:t>
             </a:fld>
             <a:endParaRPr lang="en-GB"/>
           </a:p>
@@ -876,7 +872,7 @@
           <a:p>
             <a:fld id="{E0FD3706-CB59-4481-A9F9-15FE013BFC36}" type="datetimeFigureOut">
               <a:rPr lang="en-GB" smtClean="0"/>
-              <a:t>31/01/2018</a:t>
+              <a:t>10/02/2018</a:t>
             </a:fld>
             <a:endParaRPr lang="en-GB"/>
           </a:p>
@@ -1152,7 +1148,7 @@
           <a:p>
             <a:fld id="{E0FD3706-CB59-4481-A9F9-15FE013BFC36}" type="datetimeFigureOut">
               <a:rPr lang="en-GB" smtClean="0"/>
-              <a:t>31/01/2018</a:t>
+              <a:t>10/02/2018</a:t>
             </a:fld>
             <a:endParaRPr lang="en-GB"/>
           </a:p>
@@ -1420,7 +1416,7 @@
           <a:p>
             <a:fld id="{E0FD3706-CB59-4481-A9F9-15FE013BFC36}" type="datetimeFigureOut">
               <a:rPr lang="en-GB" smtClean="0"/>
-              <a:t>31/01/2018</a:t>
+              <a:t>10/02/2018</a:t>
             </a:fld>
             <a:endParaRPr lang="en-GB"/>
           </a:p>
@@ -1835,7 +1831,7 @@
           <a:p>
             <a:fld id="{E0FD3706-CB59-4481-A9F9-15FE013BFC36}" type="datetimeFigureOut">
               <a:rPr lang="en-GB" smtClean="0"/>
-              <a:t>31/01/2018</a:t>
+              <a:t>10/02/2018</a:t>
             </a:fld>
             <a:endParaRPr lang="en-GB"/>
           </a:p>
@@ -1977,7 +1973,7 @@
           <a:p>
             <a:fld id="{E0FD3706-CB59-4481-A9F9-15FE013BFC36}" type="datetimeFigureOut">
               <a:rPr lang="en-GB" smtClean="0"/>
-              <a:t>31/01/2018</a:t>
+              <a:t>10/02/2018</a:t>
             </a:fld>
             <a:endParaRPr lang="en-GB"/>
           </a:p>
@@ -2090,7 +2086,7 @@
           <a:p>
             <a:fld id="{E0FD3706-CB59-4481-A9F9-15FE013BFC36}" type="datetimeFigureOut">
               <a:rPr lang="en-GB" smtClean="0"/>
-              <a:t>31/01/2018</a:t>
+              <a:t>10/02/2018</a:t>
             </a:fld>
             <a:endParaRPr lang="en-GB"/>
           </a:p>
@@ -2403,7 +2399,7 @@
           <a:p>
             <a:fld id="{E0FD3706-CB59-4481-A9F9-15FE013BFC36}" type="datetimeFigureOut">
               <a:rPr lang="en-GB" smtClean="0"/>
-              <a:t>31/01/2018</a:t>
+              <a:t>10/02/2018</a:t>
             </a:fld>
             <a:endParaRPr lang="en-GB"/>
           </a:p>
@@ -2692,7 +2688,7 @@
           <a:p>
             <a:fld id="{E0FD3706-CB59-4481-A9F9-15FE013BFC36}" type="datetimeFigureOut">
               <a:rPr lang="en-GB" smtClean="0"/>
-              <a:t>31/01/2018</a:t>
+              <a:t>10/02/2018</a:t>
             </a:fld>
             <a:endParaRPr lang="en-GB"/>
           </a:p>
@@ -2935,7 +2931,7 @@
           <a:p>
             <a:fld id="{E0FD3706-CB59-4481-A9F9-15FE013BFC36}" type="datetimeFigureOut">
               <a:rPr lang="en-GB" smtClean="0"/>
-              <a:t>31/01/2018</a:t>
+              <a:t>10/02/2018</a:t>
             </a:fld>
             <a:endParaRPr lang="en-GB"/>
           </a:p>
@@ -3354,15 +3350,15 @@
       </p:grpSpPr>
       <p:pic>
         <p:nvPicPr>
-          <p:cNvPr id="15" name="Picture 14" descr="A close up of a logo&#10;&#10;Description generated with very high confidence">
+          <p:cNvPr id="2052" name="Picture 4" descr="Image result for incubator neonate">
             <a:extLst>
               <a:ext uri="{FF2B5EF4-FFF2-40B4-BE49-F238E27FC236}">
-                <a16:creationId xmlns:a16="http://schemas.microsoft.com/office/drawing/2014/main" id="{AF9835D3-E670-4C60-8EA4-4C0C13A9F389}"/>
+                <a16:creationId xmlns:a16="http://schemas.microsoft.com/office/drawing/2014/main" id="{D9CFE000-B4E9-41A3-B561-E7662D427E37}"/>
               </a:ext>
             </a:extLst>
           </p:cNvPr>
           <p:cNvPicPr>
-            <a:picLocks noChangeAspect="1"/>
+            <a:picLocks noChangeAspect="1" noChangeArrowheads="1"/>
           </p:cNvPicPr>
           <p:nvPr/>
         </p:nvPicPr>
@@ -3374,19 +3370,802 @@
               </a:ext>
             </a:extLst>
           </a:blip>
-          <a:srcRect l="4957" t="38095" r="6915" b="36599"/>
+          <a:srcRect t="7752" b="7794"/>
           <a:stretch/>
         </p:blipFill>
-        <p:spPr>
+        <p:spPr bwMode="auto">
           <a:xfrm>
-            <a:off x="3856653" y="2561252"/>
-            <a:ext cx="4478694" cy="1735495"/>
+            <a:off x="0" y="3429000"/>
+            <a:ext cx="6090362" cy="3429000"/>
           </a:xfrm>
           <a:prstGeom prst="rect">
             <a:avLst/>
           </a:prstGeom>
+          <a:noFill/>
+          <a:extLst>
+            <a:ext uri="{909E8E84-426E-40DD-AFC4-6F175D3DCCD1}">
+              <a14:hiddenFill xmlns:a14="http://schemas.microsoft.com/office/drawing/2010/main">
+                <a:solidFill>
+                  <a:srgbClr val="FFFFFF"/>
+                </a:solidFill>
+              </a14:hiddenFill>
+            </a:ext>
+          </a:extLst>
         </p:spPr>
       </p:pic>
+      <p:pic>
+        <p:nvPicPr>
+          <p:cNvPr id="2050" name="Picture 2" descr="Image result for third world medicine">
+            <a:extLst>
+              <a:ext uri="{FF2B5EF4-FFF2-40B4-BE49-F238E27FC236}">
+                <a16:creationId xmlns:a16="http://schemas.microsoft.com/office/drawing/2014/main" id="{47F62B16-4528-4887-969C-D30D4845EB5A}"/>
+              </a:ext>
+            </a:extLst>
+          </p:cNvPr>
+          <p:cNvPicPr>
+            <a:picLocks noChangeAspect="1" noChangeArrowheads="1"/>
+          </p:cNvPicPr>
+          <p:nvPr/>
+        </p:nvPicPr>
+        <p:blipFill rotWithShape="1">
+          <a:blip r:embed="rId3">
+            <a:extLst>
+              <a:ext uri="{28A0092B-C50C-407E-A947-70E740481C1C}">
+                <a14:useLocalDpi xmlns:a14="http://schemas.microsoft.com/office/drawing/2010/main" val="0"/>
+              </a:ext>
+            </a:extLst>
+          </a:blip>
+          <a:srcRect b="15318"/>
+          <a:stretch/>
+        </p:blipFill>
+        <p:spPr bwMode="auto">
+          <a:xfrm>
+            <a:off x="6090362" y="1"/>
+            <a:ext cx="6101638" cy="3429000"/>
+          </a:xfrm>
+          <a:prstGeom prst="rect">
+            <a:avLst/>
+          </a:prstGeom>
+          <a:noFill/>
+          <a:extLst>
+            <a:ext uri="{909E8E84-426E-40DD-AFC4-6F175D3DCCD1}">
+              <a14:hiddenFill xmlns:a14="http://schemas.microsoft.com/office/drawing/2010/main">
+                <a:solidFill>
+                  <a:srgbClr val="FFFFFF"/>
+                </a:solidFill>
+              </a14:hiddenFill>
+            </a:ext>
+          </a:extLst>
+        </p:spPr>
+      </p:pic>
+      <p:grpSp>
+        <p:nvGrpSpPr>
+          <p:cNvPr id="16" name="Group 15">
+            <a:extLst>
+              <a:ext uri="{FF2B5EF4-FFF2-40B4-BE49-F238E27FC236}">
+                <a16:creationId xmlns:a16="http://schemas.microsoft.com/office/drawing/2014/main" id="{461DC141-5AC4-4C87-9578-133468177878}"/>
+              </a:ext>
+            </a:extLst>
+          </p:cNvPr>
+          <p:cNvGrpSpPr>
+            <a:grpSpLocks noChangeAspect="1"/>
+          </p:cNvGrpSpPr>
+          <p:nvPr/>
+        </p:nvGrpSpPr>
+        <p:grpSpPr>
+          <a:xfrm>
+            <a:off x="4042901" y="2737652"/>
+            <a:ext cx="4094922" cy="1382696"/>
+            <a:chOff x="1827576" y="1459685"/>
+            <a:chExt cx="6444236" cy="2175971"/>
+          </a:xfrm>
+        </p:grpSpPr>
+        <p:sp>
+          <p:nvSpPr>
+            <p:cNvPr id="4" name="Rectangle: Top Corners Rounded 3">
+              <a:extLst>
+                <a:ext uri="{FF2B5EF4-FFF2-40B4-BE49-F238E27FC236}">
+                  <a16:creationId xmlns:a16="http://schemas.microsoft.com/office/drawing/2014/main" id="{7522CB72-D518-4B3A-B36C-A60D909D3BF9}"/>
+                </a:ext>
+              </a:extLst>
+            </p:cNvPr>
+            <p:cNvSpPr/>
+            <p:nvPr/>
+          </p:nvSpPr>
+          <p:spPr>
+            <a:xfrm>
+              <a:off x="1827576" y="1459685"/>
+              <a:ext cx="6131408" cy="2153077"/>
+            </a:xfrm>
+            <a:prstGeom prst="round2SameRect">
+              <a:avLst/>
+            </a:prstGeom>
+            <a:solidFill>
+              <a:schemeClr val="accent6">
+                <a:lumMod val="20000"/>
+                <a:lumOff val="80000"/>
+              </a:schemeClr>
+            </a:solidFill>
+            <a:ln>
+              <a:noFill/>
+            </a:ln>
+          </p:spPr>
+          <p:style>
+            <a:lnRef idx="2">
+              <a:schemeClr val="accent1">
+                <a:shade val="50000"/>
+              </a:schemeClr>
+            </a:lnRef>
+            <a:fillRef idx="1">
+              <a:schemeClr val="accent1"/>
+            </a:fillRef>
+            <a:effectRef idx="0">
+              <a:schemeClr val="accent1"/>
+            </a:effectRef>
+            <a:fontRef idx="minor">
+              <a:schemeClr val="lt1"/>
+            </a:fontRef>
+          </p:style>
+          <p:txBody>
+            <a:bodyPr rtlCol="0" anchor="ctr"/>
+            <a:lstStyle/>
+            <a:p>
+              <a:pPr algn="ctr"/>
+              <a:endParaRPr lang="en-GB"/>
+            </a:p>
+          </p:txBody>
+        </p:sp>
+        <p:sp>
+          <p:nvSpPr>
+            <p:cNvPr id="5" name="TextBox 4">
+              <a:extLst>
+                <a:ext uri="{FF2B5EF4-FFF2-40B4-BE49-F238E27FC236}">
+                  <a16:creationId xmlns:a16="http://schemas.microsoft.com/office/drawing/2014/main" id="{FF05A59F-4884-4C45-9941-E5FC0D73E32E}"/>
+                </a:ext>
+              </a:extLst>
+            </p:cNvPr>
+            <p:cNvSpPr txBox="1">
+              <a:spLocks noChangeAspect="1"/>
+            </p:cNvSpPr>
+            <p:nvPr/>
+          </p:nvSpPr>
+          <p:spPr>
+            <a:xfrm>
+              <a:off x="3459352" y="1552939"/>
+              <a:ext cx="4812460" cy="2082717"/>
+            </a:xfrm>
+            <a:prstGeom prst="rect">
+              <a:avLst/>
+            </a:prstGeom>
+            <a:noFill/>
+          </p:spPr>
+          <p:txBody>
+            <a:bodyPr wrap="square" rtlCol="0">
+              <a:spAutoFit/>
+            </a:bodyPr>
+            <a:lstStyle/>
+            <a:p>
+              <a:r>
+                <a:rPr lang="en-GB" sz="8000" dirty="0"/>
+                <a:t>Incu</a:t>
+              </a:r>
+              <a:r>
+                <a:rPr lang="en-GB" sz="8000" dirty="0">
+                  <a:solidFill>
+                    <a:srgbClr val="00B050"/>
+                  </a:solidFill>
+                </a:rPr>
+                <a:t>Pi</a:t>
+              </a:r>
+            </a:p>
+          </p:txBody>
+        </p:sp>
+        <p:sp>
+          <p:nvSpPr>
+            <p:cNvPr id="6" name="Oval 5">
+              <a:extLst>
+                <a:ext uri="{FF2B5EF4-FFF2-40B4-BE49-F238E27FC236}">
+                  <a16:creationId xmlns:a16="http://schemas.microsoft.com/office/drawing/2014/main" id="{5BBC641C-DE7B-46F3-A0CD-0F59EA7181F3}"/>
+                </a:ext>
+              </a:extLst>
+            </p:cNvPr>
+            <p:cNvSpPr/>
+            <p:nvPr/>
+          </p:nvSpPr>
+          <p:spPr>
+            <a:xfrm>
+              <a:off x="2237709" y="1630549"/>
+              <a:ext cx="909655" cy="898032"/>
+            </a:xfrm>
+            <a:prstGeom prst="ellipse">
+              <a:avLst/>
+            </a:prstGeom>
+            <a:noFill/>
+            <a:ln w="28575">
+              <a:solidFill>
+                <a:schemeClr val="tx1">
+                  <a:lumMod val="65000"/>
+                  <a:lumOff val="35000"/>
+                </a:schemeClr>
+              </a:solidFill>
+            </a:ln>
+          </p:spPr>
+          <p:style>
+            <a:lnRef idx="2">
+              <a:schemeClr val="accent1">
+                <a:shade val="50000"/>
+              </a:schemeClr>
+            </a:lnRef>
+            <a:fillRef idx="1">
+              <a:schemeClr val="accent1"/>
+            </a:fillRef>
+            <a:effectRef idx="0">
+              <a:schemeClr val="accent1"/>
+            </a:effectRef>
+            <a:fontRef idx="minor">
+              <a:schemeClr val="lt1"/>
+            </a:fontRef>
+          </p:style>
+          <p:txBody>
+            <a:bodyPr rtlCol="0" anchor="ctr"/>
+            <a:lstStyle/>
+            <a:p>
+              <a:pPr algn="ctr"/>
+              <a:endParaRPr lang="en-GB"/>
+            </a:p>
+          </p:txBody>
+        </p:sp>
+        <p:sp>
+          <p:nvSpPr>
+            <p:cNvPr id="7" name="Arc 6">
+              <a:extLst>
+                <a:ext uri="{FF2B5EF4-FFF2-40B4-BE49-F238E27FC236}">
+                  <a16:creationId xmlns:a16="http://schemas.microsoft.com/office/drawing/2014/main" id="{5BE18B52-8F43-4191-8D6B-5BA5960C59CB}"/>
+                </a:ext>
+              </a:extLst>
+            </p:cNvPr>
+            <p:cNvSpPr/>
+            <p:nvPr/>
+          </p:nvSpPr>
+          <p:spPr>
+            <a:xfrm rot="7868174">
+              <a:off x="2569611" y="2082215"/>
+              <a:ext cx="230861" cy="271529"/>
+            </a:xfrm>
+            <a:prstGeom prst="arc">
+              <a:avLst/>
+            </a:prstGeom>
+            <a:ln w="28575">
+              <a:solidFill>
+                <a:schemeClr val="tx1">
+                  <a:lumMod val="65000"/>
+                  <a:lumOff val="35000"/>
+                </a:schemeClr>
+              </a:solidFill>
+            </a:ln>
+          </p:spPr>
+          <p:style>
+            <a:lnRef idx="1">
+              <a:schemeClr val="accent1"/>
+            </a:lnRef>
+            <a:fillRef idx="0">
+              <a:schemeClr val="accent1"/>
+            </a:fillRef>
+            <a:effectRef idx="0">
+              <a:schemeClr val="accent1"/>
+            </a:effectRef>
+            <a:fontRef idx="minor">
+              <a:schemeClr val="tx1"/>
+            </a:fontRef>
+          </p:style>
+          <p:txBody>
+            <a:bodyPr rtlCol="0" anchor="ctr"/>
+            <a:lstStyle/>
+            <a:p>
+              <a:pPr algn="ctr"/>
+              <a:endParaRPr lang="en-GB"/>
+            </a:p>
+          </p:txBody>
+        </p:sp>
+        <p:sp>
+          <p:nvSpPr>
+            <p:cNvPr id="8" name="Freeform: Shape 7">
+              <a:extLst>
+                <a:ext uri="{FF2B5EF4-FFF2-40B4-BE49-F238E27FC236}">
+                  <a16:creationId xmlns:a16="http://schemas.microsoft.com/office/drawing/2014/main" id="{632CD3E3-5BEF-43DD-85E3-1E0D9B8AB477}"/>
+                </a:ext>
+              </a:extLst>
+            </p:cNvPr>
+            <p:cNvSpPr/>
+            <p:nvPr/>
+          </p:nvSpPr>
+          <p:spPr>
+            <a:xfrm>
+              <a:off x="2634889" y="1630541"/>
+              <a:ext cx="115292" cy="182374"/>
+            </a:xfrm>
+            <a:custGeom>
+              <a:avLst/>
+              <a:gdLst>
+                <a:gd name="connsiteX0" fmla="*/ 60700 w 86717"/>
+                <a:gd name="connsiteY0" fmla="*/ 0 h 200025"/>
+                <a:gd name="connsiteX1" fmla="*/ 375 w 86717"/>
+                <a:gd name="connsiteY1" fmla="*/ 57150 h 200025"/>
+                <a:gd name="connsiteX2" fmla="*/ 86100 w 86717"/>
+                <a:gd name="connsiteY2" fmla="*/ 136525 h 200025"/>
+                <a:gd name="connsiteX3" fmla="*/ 32125 w 86717"/>
+                <a:gd name="connsiteY3" fmla="*/ 200025 h 200025"/>
+              </a:gdLst>
+              <a:ahLst/>
+              <a:cxnLst>
+                <a:cxn ang="0">
+                  <a:pos x="connsiteX0" y="connsiteY0"/>
+                </a:cxn>
+                <a:cxn ang="0">
+                  <a:pos x="connsiteX1" y="connsiteY1"/>
+                </a:cxn>
+                <a:cxn ang="0">
+                  <a:pos x="connsiteX2" y="connsiteY2"/>
+                </a:cxn>
+                <a:cxn ang="0">
+                  <a:pos x="connsiteX3" y="connsiteY3"/>
+                </a:cxn>
+              </a:cxnLst>
+              <a:rect l="l" t="t" r="r" b="b"/>
+              <a:pathLst>
+                <a:path w="86717" h="200025">
+                  <a:moveTo>
+                    <a:pt x="60700" y="0"/>
+                  </a:moveTo>
+                  <a:cubicBezTo>
+                    <a:pt x="28421" y="17198"/>
+                    <a:pt x="-3858" y="34396"/>
+                    <a:pt x="375" y="57150"/>
+                  </a:cubicBezTo>
+                  <a:cubicBezTo>
+                    <a:pt x="4608" y="79904"/>
+                    <a:pt x="80808" y="112712"/>
+                    <a:pt x="86100" y="136525"/>
+                  </a:cubicBezTo>
+                  <a:cubicBezTo>
+                    <a:pt x="91392" y="160338"/>
+                    <a:pt x="61758" y="180181"/>
+                    <a:pt x="32125" y="200025"/>
+                  </a:cubicBezTo>
+                </a:path>
+              </a:pathLst>
+            </a:custGeom>
+            <a:noFill/>
+            <a:ln w="28575">
+              <a:solidFill>
+                <a:schemeClr val="tx1">
+                  <a:lumMod val="65000"/>
+                  <a:lumOff val="35000"/>
+                </a:schemeClr>
+              </a:solidFill>
+            </a:ln>
+          </p:spPr>
+          <p:style>
+            <a:lnRef idx="2">
+              <a:schemeClr val="accent1">
+                <a:shade val="50000"/>
+              </a:schemeClr>
+            </a:lnRef>
+            <a:fillRef idx="1">
+              <a:schemeClr val="accent1"/>
+            </a:fillRef>
+            <a:effectRef idx="0">
+              <a:schemeClr val="accent1"/>
+            </a:effectRef>
+            <a:fontRef idx="minor">
+              <a:schemeClr val="lt1"/>
+            </a:fontRef>
+          </p:style>
+          <p:txBody>
+            <a:bodyPr rtlCol="0" anchor="ctr"/>
+            <a:lstStyle/>
+            <a:p>
+              <a:pPr algn="ctr"/>
+              <a:endParaRPr lang="en-GB"/>
+            </a:p>
+          </p:txBody>
+        </p:sp>
+        <p:sp>
+          <p:nvSpPr>
+            <p:cNvPr id="9" name="Flowchart: Stored Data 8">
+              <a:extLst>
+                <a:ext uri="{FF2B5EF4-FFF2-40B4-BE49-F238E27FC236}">
+                  <a16:creationId xmlns:a16="http://schemas.microsoft.com/office/drawing/2014/main" id="{22CADCE4-1848-41F4-9451-C78F730825EB}"/>
+                </a:ext>
+              </a:extLst>
+            </p:cNvPr>
+            <p:cNvSpPr/>
+            <p:nvPr/>
+          </p:nvSpPr>
+          <p:spPr>
+            <a:xfrm rot="16200000">
+              <a:off x="2080659" y="2377032"/>
+              <a:ext cx="1221922" cy="907823"/>
+            </a:xfrm>
+            <a:prstGeom prst="flowChartOnlineStorage">
+              <a:avLst/>
+            </a:prstGeom>
+            <a:solidFill>
+              <a:schemeClr val="accent6">
+                <a:lumMod val="60000"/>
+                <a:lumOff val="40000"/>
+              </a:schemeClr>
+            </a:solidFill>
+            <a:ln w="28575">
+              <a:solidFill>
+                <a:schemeClr val="tx1">
+                  <a:lumMod val="65000"/>
+                  <a:lumOff val="35000"/>
+                </a:schemeClr>
+              </a:solidFill>
+            </a:ln>
+          </p:spPr>
+          <p:style>
+            <a:lnRef idx="2">
+              <a:schemeClr val="accent1">
+                <a:shade val="50000"/>
+              </a:schemeClr>
+            </a:lnRef>
+            <a:fillRef idx="1">
+              <a:schemeClr val="accent1"/>
+            </a:fillRef>
+            <a:effectRef idx="0">
+              <a:schemeClr val="accent1"/>
+            </a:effectRef>
+            <a:fontRef idx="minor">
+              <a:schemeClr val="lt1"/>
+            </a:fontRef>
+          </p:style>
+          <p:txBody>
+            <a:bodyPr rtlCol="0" anchor="ctr"/>
+            <a:lstStyle/>
+            <a:p>
+              <a:pPr algn="ctr"/>
+              <a:endParaRPr lang="en-GB" dirty="0"/>
+            </a:p>
+          </p:txBody>
+        </p:sp>
+        <p:sp>
+          <p:nvSpPr>
+            <p:cNvPr id="10" name="Freeform: Shape 9">
+              <a:extLst>
+                <a:ext uri="{FF2B5EF4-FFF2-40B4-BE49-F238E27FC236}">
+                  <a16:creationId xmlns:a16="http://schemas.microsoft.com/office/drawing/2014/main" id="{BA3BD90C-4E88-45D2-9442-97F103AF55C3}"/>
+                </a:ext>
+              </a:extLst>
+            </p:cNvPr>
+            <p:cNvSpPr/>
+            <p:nvPr/>
+          </p:nvSpPr>
+          <p:spPr>
+            <a:xfrm rot="8762289">
+              <a:off x="2597862" y="2818151"/>
+              <a:ext cx="722140" cy="539301"/>
+            </a:xfrm>
+            <a:custGeom>
+              <a:avLst/>
+              <a:gdLst>
+                <a:gd name="connsiteX0" fmla="*/ 329155 w 627002"/>
+                <a:gd name="connsiteY0" fmla="*/ 0 h 411255"/>
+                <a:gd name="connsiteX1" fmla="*/ 624430 w 627002"/>
+                <a:gd name="connsiteY1" fmla="*/ 266700 h 411255"/>
+                <a:gd name="connsiteX2" fmla="*/ 448217 w 627002"/>
+                <a:gd name="connsiteY2" fmla="*/ 407194 h 411255"/>
+                <a:gd name="connsiteX3" fmla="*/ 38642 w 627002"/>
+                <a:gd name="connsiteY3" fmla="*/ 376238 h 411255"/>
+                <a:gd name="connsiteX4" fmla="*/ 41023 w 627002"/>
+                <a:gd name="connsiteY4" fmla="*/ 373857 h 411255"/>
+              </a:gdLst>
+              <a:ahLst/>
+              <a:cxnLst>
+                <a:cxn ang="0">
+                  <a:pos x="connsiteX0" y="connsiteY0"/>
+                </a:cxn>
+                <a:cxn ang="0">
+                  <a:pos x="connsiteX1" y="connsiteY1"/>
+                </a:cxn>
+                <a:cxn ang="0">
+                  <a:pos x="connsiteX2" y="connsiteY2"/>
+                </a:cxn>
+                <a:cxn ang="0">
+                  <a:pos x="connsiteX3" y="connsiteY3"/>
+                </a:cxn>
+                <a:cxn ang="0">
+                  <a:pos x="connsiteX4" y="connsiteY4"/>
+                </a:cxn>
+              </a:cxnLst>
+              <a:rect l="l" t="t" r="r" b="b"/>
+              <a:pathLst>
+                <a:path w="627002" h="411255">
+                  <a:moveTo>
+                    <a:pt x="329155" y="0"/>
+                  </a:moveTo>
+                  <a:cubicBezTo>
+                    <a:pt x="466870" y="99417"/>
+                    <a:pt x="604586" y="198834"/>
+                    <a:pt x="624430" y="266700"/>
+                  </a:cubicBezTo>
+                  <a:cubicBezTo>
+                    <a:pt x="644274" y="334566"/>
+                    <a:pt x="545848" y="388938"/>
+                    <a:pt x="448217" y="407194"/>
+                  </a:cubicBezTo>
+                  <a:cubicBezTo>
+                    <a:pt x="350586" y="425450"/>
+                    <a:pt x="38642" y="376238"/>
+                    <a:pt x="38642" y="376238"/>
+                  </a:cubicBezTo>
+                  <a:cubicBezTo>
+                    <a:pt x="-29224" y="370682"/>
+                    <a:pt x="5899" y="372269"/>
+                    <a:pt x="41023" y="373857"/>
+                  </a:cubicBezTo>
+                </a:path>
+              </a:pathLst>
+            </a:custGeom>
+            <a:noFill/>
+            <a:ln w="28575">
+              <a:solidFill>
+                <a:schemeClr val="tx1">
+                  <a:lumMod val="65000"/>
+                  <a:lumOff val="35000"/>
+                </a:schemeClr>
+              </a:solidFill>
+            </a:ln>
+          </p:spPr>
+          <p:style>
+            <a:lnRef idx="2">
+              <a:schemeClr val="accent1">
+                <a:shade val="50000"/>
+              </a:schemeClr>
+            </a:lnRef>
+            <a:fillRef idx="1">
+              <a:schemeClr val="accent1"/>
+            </a:fillRef>
+            <a:effectRef idx="0">
+              <a:schemeClr val="accent1"/>
+            </a:effectRef>
+            <a:fontRef idx="minor">
+              <a:schemeClr val="lt1"/>
+            </a:fontRef>
+          </p:style>
+          <p:txBody>
+            <a:bodyPr rtlCol="0" anchor="ctr"/>
+            <a:lstStyle/>
+            <a:p>
+              <a:pPr algn="ctr"/>
+              <a:endParaRPr lang="en-GB"/>
+            </a:p>
+          </p:txBody>
+        </p:sp>
+        <p:sp>
+          <p:nvSpPr>
+            <p:cNvPr id="11" name="Freeform: Shape 10">
+              <a:extLst>
+                <a:ext uri="{FF2B5EF4-FFF2-40B4-BE49-F238E27FC236}">
+                  <a16:creationId xmlns:a16="http://schemas.microsoft.com/office/drawing/2014/main" id="{78589C25-F410-45A7-B0E5-CD1A1DC3D3F4}"/>
+                </a:ext>
+              </a:extLst>
+            </p:cNvPr>
+            <p:cNvSpPr/>
+            <p:nvPr/>
+          </p:nvSpPr>
+          <p:spPr>
+            <a:xfrm>
+              <a:off x="2241153" y="2436427"/>
+              <a:ext cx="722140" cy="539301"/>
+            </a:xfrm>
+            <a:custGeom>
+              <a:avLst/>
+              <a:gdLst>
+                <a:gd name="connsiteX0" fmla="*/ 329155 w 627002"/>
+                <a:gd name="connsiteY0" fmla="*/ 0 h 411255"/>
+                <a:gd name="connsiteX1" fmla="*/ 624430 w 627002"/>
+                <a:gd name="connsiteY1" fmla="*/ 266700 h 411255"/>
+                <a:gd name="connsiteX2" fmla="*/ 448217 w 627002"/>
+                <a:gd name="connsiteY2" fmla="*/ 407194 h 411255"/>
+                <a:gd name="connsiteX3" fmla="*/ 38642 w 627002"/>
+                <a:gd name="connsiteY3" fmla="*/ 376238 h 411255"/>
+                <a:gd name="connsiteX4" fmla="*/ 41023 w 627002"/>
+                <a:gd name="connsiteY4" fmla="*/ 373857 h 411255"/>
+              </a:gdLst>
+              <a:ahLst/>
+              <a:cxnLst>
+                <a:cxn ang="0">
+                  <a:pos x="connsiteX0" y="connsiteY0"/>
+                </a:cxn>
+                <a:cxn ang="0">
+                  <a:pos x="connsiteX1" y="connsiteY1"/>
+                </a:cxn>
+                <a:cxn ang="0">
+                  <a:pos x="connsiteX2" y="connsiteY2"/>
+                </a:cxn>
+                <a:cxn ang="0">
+                  <a:pos x="connsiteX3" y="connsiteY3"/>
+                </a:cxn>
+                <a:cxn ang="0">
+                  <a:pos x="connsiteX4" y="connsiteY4"/>
+                </a:cxn>
+              </a:cxnLst>
+              <a:rect l="l" t="t" r="r" b="b"/>
+              <a:pathLst>
+                <a:path w="627002" h="411255">
+                  <a:moveTo>
+                    <a:pt x="329155" y="0"/>
+                  </a:moveTo>
+                  <a:cubicBezTo>
+                    <a:pt x="466870" y="99417"/>
+                    <a:pt x="604586" y="198834"/>
+                    <a:pt x="624430" y="266700"/>
+                  </a:cubicBezTo>
+                  <a:cubicBezTo>
+                    <a:pt x="644274" y="334566"/>
+                    <a:pt x="545848" y="388938"/>
+                    <a:pt x="448217" y="407194"/>
+                  </a:cubicBezTo>
+                  <a:cubicBezTo>
+                    <a:pt x="350586" y="425450"/>
+                    <a:pt x="38642" y="376238"/>
+                    <a:pt x="38642" y="376238"/>
+                  </a:cubicBezTo>
+                  <a:cubicBezTo>
+                    <a:pt x="-29224" y="370682"/>
+                    <a:pt x="5899" y="372269"/>
+                    <a:pt x="41023" y="373857"/>
+                  </a:cubicBezTo>
+                </a:path>
+              </a:pathLst>
+            </a:custGeom>
+            <a:solidFill>
+              <a:schemeClr val="accent6">
+                <a:lumMod val="60000"/>
+                <a:lumOff val="40000"/>
+              </a:schemeClr>
+            </a:solidFill>
+            <a:ln w="28575">
+              <a:solidFill>
+                <a:schemeClr val="tx1">
+                  <a:lumMod val="65000"/>
+                  <a:lumOff val="35000"/>
+                </a:schemeClr>
+              </a:solidFill>
+            </a:ln>
+          </p:spPr>
+          <p:style>
+            <a:lnRef idx="2">
+              <a:schemeClr val="accent1">
+                <a:shade val="50000"/>
+              </a:schemeClr>
+            </a:lnRef>
+            <a:fillRef idx="1">
+              <a:schemeClr val="accent1"/>
+            </a:fillRef>
+            <a:effectRef idx="0">
+              <a:schemeClr val="accent1"/>
+            </a:effectRef>
+            <a:fontRef idx="minor">
+              <a:schemeClr val="lt1"/>
+            </a:fontRef>
+          </p:style>
+          <p:txBody>
+            <a:bodyPr rtlCol="0" anchor="ctr"/>
+            <a:lstStyle/>
+            <a:p>
+              <a:pPr algn="ctr"/>
+              <a:endParaRPr lang="en-GB"/>
+            </a:p>
+          </p:txBody>
+        </p:sp>
+        <p:sp>
+          <p:nvSpPr>
+            <p:cNvPr id="12" name="Arc 11">
+              <a:extLst>
+                <a:ext uri="{FF2B5EF4-FFF2-40B4-BE49-F238E27FC236}">
+                  <a16:creationId xmlns:a16="http://schemas.microsoft.com/office/drawing/2014/main" id="{F8A02CC0-9BF9-4950-A182-123E79DDCEFE}"/>
+                </a:ext>
+              </a:extLst>
+            </p:cNvPr>
+            <p:cNvSpPr/>
+            <p:nvPr/>
+          </p:nvSpPr>
+          <p:spPr>
+            <a:xfrm rot="8208340">
+              <a:off x="2451012" y="1972592"/>
+              <a:ext cx="169720" cy="157710"/>
+            </a:xfrm>
+            <a:prstGeom prst="arc">
+              <a:avLst/>
+            </a:prstGeom>
+            <a:ln w="28575">
+              <a:solidFill>
+                <a:schemeClr val="tx1">
+                  <a:lumMod val="65000"/>
+                  <a:lumOff val="35000"/>
+                </a:schemeClr>
+              </a:solidFill>
+            </a:ln>
+          </p:spPr>
+          <p:style>
+            <a:lnRef idx="1">
+              <a:schemeClr val="accent1"/>
+            </a:lnRef>
+            <a:fillRef idx="0">
+              <a:schemeClr val="accent1"/>
+            </a:fillRef>
+            <a:effectRef idx="0">
+              <a:schemeClr val="accent1"/>
+            </a:effectRef>
+            <a:fontRef idx="minor">
+              <a:schemeClr val="tx1"/>
+            </a:fontRef>
+          </p:style>
+          <p:txBody>
+            <a:bodyPr rtlCol="0" anchor="ctr"/>
+            <a:lstStyle/>
+            <a:p>
+              <a:pPr algn="ctr"/>
+              <a:endParaRPr lang="en-GB"/>
+            </a:p>
+          </p:txBody>
+        </p:sp>
+        <p:sp>
+          <p:nvSpPr>
+            <p:cNvPr id="13" name="Arc 12">
+              <a:extLst>
+                <a:ext uri="{FF2B5EF4-FFF2-40B4-BE49-F238E27FC236}">
+                  <a16:creationId xmlns:a16="http://schemas.microsoft.com/office/drawing/2014/main" id="{1B6C5FDF-5BC7-439A-89C0-4B8490DD8066}"/>
+                </a:ext>
+              </a:extLst>
+            </p:cNvPr>
+            <p:cNvSpPr/>
+            <p:nvPr/>
+          </p:nvSpPr>
+          <p:spPr>
+            <a:xfrm rot="8208340">
+              <a:off x="2766851" y="1969080"/>
+              <a:ext cx="169720" cy="157710"/>
+            </a:xfrm>
+            <a:prstGeom prst="arc">
+              <a:avLst/>
+            </a:prstGeom>
+            <a:ln w="28575">
+              <a:solidFill>
+                <a:schemeClr val="tx1">
+                  <a:lumMod val="65000"/>
+                  <a:lumOff val="35000"/>
+                </a:schemeClr>
+              </a:solidFill>
+            </a:ln>
+          </p:spPr>
+          <p:style>
+            <a:lnRef idx="1">
+              <a:schemeClr val="accent1"/>
+            </a:lnRef>
+            <a:fillRef idx="0">
+              <a:schemeClr val="accent1"/>
+            </a:fillRef>
+            <a:effectRef idx="0">
+              <a:schemeClr val="accent1"/>
+            </a:effectRef>
+            <a:fontRef idx="minor">
+              <a:schemeClr val="tx1"/>
+            </a:fontRef>
+          </p:style>
+          <p:txBody>
+            <a:bodyPr rtlCol="0" anchor="ctr"/>
+            <a:lstStyle/>
+            <a:p>
+              <a:pPr algn="ctr"/>
+              <a:endParaRPr lang="en-GB"/>
+            </a:p>
+          </p:txBody>
+        </p:sp>
+      </p:grpSp>
     </p:spTree>
     <p:extLst>
       <p:ext uri="{BB962C8B-B14F-4D97-AF65-F5344CB8AC3E}">
@@ -3419,81 +4198,26 @@
       </p:grpSpPr>
       <p:grpSp>
         <p:nvGrpSpPr>
-          <p:cNvPr id="7" name="Group 6">
+          <p:cNvPr id="34" name="Group 33">
             <a:extLst>
               <a:ext uri="{FF2B5EF4-FFF2-40B4-BE49-F238E27FC236}">
-                <a16:creationId xmlns:a16="http://schemas.microsoft.com/office/drawing/2014/main" id="{ED401BE1-9A3E-4A40-AC99-D65789D16AFA}"/>
+                <a16:creationId xmlns:a16="http://schemas.microsoft.com/office/drawing/2014/main" id="{64907FC0-20B6-4B67-8EEB-B96B78710BA8}"/>
               </a:ext>
             </a:extLst>
           </p:cNvPr>
-          <p:cNvGrpSpPr/>
+          <p:cNvGrpSpPr>
+            <a:grpSpLocks noChangeAspect="1"/>
+          </p:cNvGrpSpPr>
           <p:nvPr/>
         </p:nvGrpSpPr>
         <p:grpSpPr>
           <a:xfrm>
-            <a:off x="2849898" y="1575000"/>
-            <a:ext cx="6492204" cy="3708000"/>
-            <a:chOff x="259081" y="411147"/>
-            <a:chExt cx="6492204" cy="3708000"/>
+            <a:off x="2247851" y="1515513"/>
+            <a:ext cx="8132422" cy="3826974"/>
+            <a:chOff x="3137831" y="1836801"/>
+            <a:chExt cx="6373119" cy="2999077"/>
           </a:xfrm>
         </p:grpSpPr>
-        <p:sp>
-          <p:nvSpPr>
-            <p:cNvPr id="29" name="Rectangle 28">
-              <a:extLst>
-                <a:ext uri="{FF2B5EF4-FFF2-40B4-BE49-F238E27FC236}">
-                  <a16:creationId xmlns:a16="http://schemas.microsoft.com/office/drawing/2014/main" id="{B1F9BFC0-F4E8-4518-9D8C-CBD00B364F69}"/>
-                </a:ext>
-              </a:extLst>
-            </p:cNvPr>
-            <p:cNvSpPr/>
-            <p:nvPr/>
-          </p:nvSpPr>
-          <p:spPr>
-            <a:xfrm>
-              <a:off x="259081" y="411147"/>
-              <a:ext cx="6492204" cy="3708000"/>
-            </a:xfrm>
-            <a:prstGeom prst="rect">
-              <a:avLst/>
-            </a:prstGeom>
-            <a:solidFill>
-              <a:schemeClr val="accent1">
-                <a:lumMod val="20000"/>
-                <a:lumOff val="80000"/>
-              </a:schemeClr>
-            </a:solidFill>
-            <a:ln w="38100">
-              <a:solidFill>
-                <a:schemeClr val="tx1"/>
-              </a:solidFill>
-            </a:ln>
-          </p:spPr>
-          <p:style>
-            <a:lnRef idx="2">
-              <a:schemeClr val="accent1">
-                <a:shade val="50000"/>
-              </a:schemeClr>
-            </a:lnRef>
-            <a:fillRef idx="1">
-              <a:schemeClr val="accent1"/>
-            </a:fillRef>
-            <a:effectRef idx="0">
-              <a:schemeClr val="accent1"/>
-            </a:effectRef>
-            <a:fontRef idx="minor">
-              <a:schemeClr val="lt1"/>
-            </a:fontRef>
-          </p:style>
-          <p:txBody>
-            <a:bodyPr rtlCol="0" anchor="ctr"/>
-            <a:lstStyle/>
-            <a:p>
-              <a:pPr algn="ctr"/>
-              <a:endParaRPr lang="en-GB" dirty="0"/>
-            </a:p>
-          </p:txBody>
-        </p:sp>
         <p:sp>
           <p:nvSpPr>
             <p:cNvPr id="3" name="Flowchart: Alternate Process 2">
@@ -3508,16 +4232,16 @@
           </p:nvSpPr>
           <p:spPr>
             <a:xfrm>
-              <a:off x="573414" y="1444792"/>
+              <a:off x="3137831" y="2575532"/>
               <a:ext cx="1138831" cy="604858"/>
             </a:xfrm>
             <a:prstGeom prst="flowChartAlternateProcess">
               <a:avLst/>
             </a:prstGeom>
             <a:solidFill>
-              <a:schemeClr val="accent1">
-                <a:lumMod val="40000"/>
-                <a:lumOff val="60000"/>
+              <a:schemeClr val="accent6">
+                <a:lumMod val="20000"/>
+                <a:lumOff val="80000"/>
               </a:schemeClr>
             </a:solidFill>
             <a:ln w="19050">
@@ -3553,521 +4277,498 @@
             </a:p>
           </p:txBody>
         </p:sp>
-        <p:grpSp>
-          <p:nvGrpSpPr>
-            <p:cNvPr id="2" name="Group 1">
+        <p:sp>
+          <p:nvSpPr>
+            <p:cNvPr id="80" name="Oval 79">
               <a:extLst>
                 <a:ext uri="{FF2B5EF4-FFF2-40B4-BE49-F238E27FC236}">
-                  <a16:creationId xmlns:a16="http://schemas.microsoft.com/office/drawing/2014/main" id="{93C89007-41E2-4F6D-A39F-BF42D1A203DB}"/>
+                  <a16:creationId xmlns:a16="http://schemas.microsoft.com/office/drawing/2014/main" id="{E019B77E-56D0-41BC-8432-C68E70356D66}"/>
                 </a:ext>
               </a:extLst>
             </p:cNvPr>
-            <p:cNvGrpSpPr>
-              <a:grpSpLocks noChangeAspect="1"/>
-            </p:cNvGrpSpPr>
+            <p:cNvSpPr/>
             <p:nvPr/>
-          </p:nvGrpSpPr>
-          <p:grpSpPr>
+          </p:nvSpPr>
+          <p:spPr>
             <a:xfrm>
-              <a:off x="707988" y="2459352"/>
-              <a:ext cx="568174" cy="1240218"/>
-              <a:chOff x="770278" y="2208176"/>
-              <a:chExt cx="1567295" cy="3421110"/>
+              <a:off x="3490519" y="3590098"/>
+              <a:ext cx="568174" cy="614871"/>
             </a:xfrm>
-          </p:grpSpPr>
-          <p:sp>
-            <p:nvSpPr>
-              <p:cNvPr id="80" name="Oval 79">
-                <a:extLst>
-                  <a:ext uri="{FF2B5EF4-FFF2-40B4-BE49-F238E27FC236}">
-                    <a16:creationId xmlns:a16="http://schemas.microsoft.com/office/drawing/2014/main" id="{E019B77E-56D0-41BC-8432-C68E70356D66}"/>
-                  </a:ext>
-                </a:extLst>
-              </p:cNvPr>
-              <p:cNvSpPr/>
-              <p:nvPr/>
-            </p:nvSpPr>
-            <p:spPr>
-              <a:xfrm>
-                <a:off x="770278" y="2208192"/>
-                <a:ext cx="1567295" cy="1696106"/>
-              </a:xfrm>
-              <a:prstGeom prst="ellipse">
-                <a:avLst/>
-              </a:prstGeom>
-              <a:noFill/>
-              <a:ln w="28575">
-                <a:solidFill>
-                  <a:schemeClr val="tx1">
-                    <a:lumMod val="65000"/>
-                    <a:lumOff val="35000"/>
-                  </a:schemeClr>
-                </a:solidFill>
-              </a:ln>
-            </p:spPr>
-            <p:style>
-              <a:lnRef idx="2">
-                <a:schemeClr val="accent1">
-                  <a:shade val="50000"/>
-                </a:schemeClr>
-              </a:lnRef>
-              <a:fillRef idx="1">
-                <a:schemeClr val="accent1"/>
-              </a:fillRef>
-              <a:effectRef idx="0">
-                <a:schemeClr val="accent1"/>
-              </a:effectRef>
-              <a:fontRef idx="minor">
-                <a:schemeClr val="lt1"/>
-              </a:fontRef>
-            </p:style>
-            <p:txBody>
-              <a:bodyPr rtlCol="0" anchor="ctr"/>
-              <a:lstStyle/>
-              <a:p>
-                <a:pPr algn="ctr"/>
-                <a:endParaRPr lang="en-GB"/>
-              </a:p>
-            </p:txBody>
-          </p:sp>
-          <p:sp>
-            <p:nvSpPr>
-              <p:cNvPr id="82" name="Arc 81">
-                <a:extLst>
-                  <a:ext uri="{FF2B5EF4-FFF2-40B4-BE49-F238E27FC236}">
-                    <a16:creationId xmlns:a16="http://schemas.microsoft.com/office/drawing/2014/main" id="{591CEE8C-E8AA-48C9-A446-E00341DF6C00}"/>
-                  </a:ext>
-                </a:extLst>
-              </p:cNvPr>
-              <p:cNvSpPr/>
-              <p:nvPr/>
-            </p:nvSpPr>
-            <p:spPr>
-              <a:xfrm rot="7868174">
-                <a:off x="1322999" y="3083752"/>
-                <a:ext cx="436025" cy="467831"/>
-              </a:xfrm>
-              <a:prstGeom prst="arc">
-                <a:avLst/>
-              </a:prstGeom>
-              <a:ln w="28575">
-                <a:solidFill>
-                  <a:schemeClr val="tx1">
-                    <a:lumMod val="65000"/>
-                    <a:lumOff val="35000"/>
-                  </a:schemeClr>
-                </a:solidFill>
-              </a:ln>
-            </p:spPr>
-            <p:style>
-              <a:lnRef idx="1">
-                <a:schemeClr val="accent1"/>
-              </a:lnRef>
-              <a:fillRef idx="0">
-                <a:schemeClr val="accent1"/>
-              </a:fillRef>
-              <a:effectRef idx="0">
-                <a:schemeClr val="accent1"/>
-              </a:effectRef>
-              <a:fontRef idx="minor">
-                <a:schemeClr val="tx1"/>
-              </a:fontRef>
-            </p:style>
-            <p:txBody>
-              <a:bodyPr rtlCol="0" anchor="ctr"/>
-              <a:lstStyle/>
-              <a:p>
-                <a:pPr algn="ctr"/>
-                <a:endParaRPr lang="en-GB"/>
-              </a:p>
-            </p:txBody>
-          </p:sp>
-          <p:sp>
-            <p:nvSpPr>
-              <p:cNvPr id="83" name="Freeform: Shape 82">
-                <a:extLst>
-                  <a:ext uri="{FF2B5EF4-FFF2-40B4-BE49-F238E27FC236}">
-                    <a16:creationId xmlns:a16="http://schemas.microsoft.com/office/drawing/2014/main" id="{30864D2A-AC1E-4E84-8A28-7A796EBFB117}"/>
-                  </a:ext>
-                </a:extLst>
-              </p:cNvPr>
-              <p:cNvSpPr/>
-              <p:nvPr/>
-            </p:nvSpPr>
-            <p:spPr>
-              <a:xfrm>
-                <a:off x="1454603" y="2208176"/>
-                <a:ext cx="198643" cy="344448"/>
-              </a:xfrm>
-              <a:custGeom>
-                <a:avLst/>
-                <a:gdLst>
-                  <a:gd name="connsiteX0" fmla="*/ 60700 w 86717"/>
-                  <a:gd name="connsiteY0" fmla="*/ 0 h 200025"/>
-                  <a:gd name="connsiteX1" fmla="*/ 375 w 86717"/>
-                  <a:gd name="connsiteY1" fmla="*/ 57150 h 200025"/>
-                  <a:gd name="connsiteX2" fmla="*/ 86100 w 86717"/>
-                  <a:gd name="connsiteY2" fmla="*/ 136525 h 200025"/>
-                  <a:gd name="connsiteX3" fmla="*/ 32125 w 86717"/>
-                  <a:gd name="connsiteY3" fmla="*/ 200025 h 200025"/>
-                </a:gdLst>
-                <a:ahLst/>
-                <a:cxnLst>
-                  <a:cxn ang="0">
-                    <a:pos x="connsiteX0" y="connsiteY0"/>
-                  </a:cxn>
-                  <a:cxn ang="0">
-                    <a:pos x="connsiteX1" y="connsiteY1"/>
-                  </a:cxn>
-                  <a:cxn ang="0">
-                    <a:pos x="connsiteX2" y="connsiteY2"/>
-                  </a:cxn>
-                  <a:cxn ang="0">
-                    <a:pos x="connsiteX3" y="connsiteY3"/>
-                  </a:cxn>
-                </a:cxnLst>
-                <a:rect l="l" t="t" r="r" b="b"/>
-                <a:pathLst>
-                  <a:path w="86717" h="200025">
-                    <a:moveTo>
-                      <a:pt x="60700" y="0"/>
-                    </a:moveTo>
-                    <a:cubicBezTo>
-                      <a:pt x="28421" y="17198"/>
-                      <a:pt x="-3858" y="34396"/>
-                      <a:pt x="375" y="57150"/>
-                    </a:cubicBezTo>
-                    <a:cubicBezTo>
-                      <a:pt x="4608" y="79904"/>
-                      <a:pt x="80808" y="112712"/>
-                      <a:pt x="86100" y="136525"/>
-                    </a:cubicBezTo>
-                    <a:cubicBezTo>
-                      <a:pt x="91392" y="160338"/>
-                      <a:pt x="61758" y="180181"/>
-                      <a:pt x="32125" y="200025"/>
-                    </a:cubicBezTo>
-                  </a:path>
-                </a:pathLst>
-              </a:custGeom>
-              <a:noFill/>
-              <a:ln w="28575">
-                <a:solidFill>
-                  <a:schemeClr val="tx1">
-                    <a:lumMod val="65000"/>
-                    <a:lumOff val="35000"/>
-                  </a:schemeClr>
-                </a:solidFill>
-              </a:ln>
-            </p:spPr>
-            <p:style>
-              <a:lnRef idx="2">
-                <a:schemeClr val="accent1">
-                  <a:shade val="50000"/>
-                </a:schemeClr>
-              </a:lnRef>
-              <a:fillRef idx="1">
-                <a:schemeClr val="accent1"/>
-              </a:fillRef>
-              <a:effectRef idx="0">
-                <a:schemeClr val="accent1"/>
-              </a:effectRef>
-              <a:fontRef idx="minor">
-                <a:schemeClr val="lt1"/>
-              </a:fontRef>
-            </p:style>
-            <p:txBody>
-              <a:bodyPr rtlCol="0" anchor="ctr"/>
-              <a:lstStyle/>
-              <a:p>
-                <a:pPr algn="ctr"/>
-                <a:endParaRPr lang="en-GB"/>
-              </a:p>
-            </p:txBody>
-          </p:sp>
-          <p:sp>
-            <p:nvSpPr>
-              <p:cNvPr id="84" name="Flowchart: Stored Data 83">
-                <a:extLst>
-                  <a:ext uri="{FF2B5EF4-FFF2-40B4-BE49-F238E27FC236}">
-                    <a16:creationId xmlns:a16="http://schemas.microsoft.com/office/drawing/2014/main" id="{3A032E62-01F0-4326-B1C8-58D1073ACC73}"/>
-                  </a:ext>
-                </a:extLst>
-              </p:cNvPr>
-              <p:cNvSpPr/>
-              <p:nvPr/>
-            </p:nvSpPr>
-            <p:spPr>
-              <a:xfrm rot="16200000">
-                <a:off x="398429" y="3693300"/>
-                <a:ext cx="2307835" cy="1564137"/>
-              </a:xfrm>
-              <a:prstGeom prst="flowChartOnlineStorage">
-                <a:avLst/>
-              </a:prstGeom>
+            <a:prstGeom prst="ellipse">
+              <a:avLst/>
+            </a:prstGeom>
+            <a:noFill/>
+            <a:ln w="28575">
               <a:solidFill>
-                <a:schemeClr val="accent1">
-                  <a:lumMod val="40000"/>
-                  <a:lumOff val="60000"/>
+                <a:schemeClr val="tx1">
+                  <a:lumMod val="65000"/>
+                  <a:lumOff val="35000"/>
                 </a:schemeClr>
               </a:solidFill>
-              <a:ln w="28575">
-                <a:solidFill>
-                  <a:schemeClr val="tx1">
-                    <a:lumMod val="65000"/>
-                    <a:lumOff val="35000"/>
-                  </a:schemeClr>
-                </a:solidFill>
-              </a:ln>
-            </p:spPr>
-            <p:style>
-              <a:lnRef idx="2">
-                <a:schemeClr val="accent1">
-                  <a:shade val="50000"/>
-                </a:schemeClr>
-              </a:lnRef>
-              <a:fillRef idx="1">
-                <a:schemeClr val="accent1"/>
-              </a:fillRef>
-              <a:effectRef idx="0">
-                <a:schemeClr val="accent1"/>
-              </a:effectRef>
-              <a:fontRef idx="minor">
-                <a:schemeClr val="lt1"/>
-              </a:fontRef>
-            </p:style>
-            <p:txBody>
-              <a:bodyPr rtlCol="0" anchor="ctr"/>
-              <a:lstStyle/>
-              <a:p>
-                <a:pPr algn="ctr"/>
-                <a:endParaRPr lang="en-GB" dirty="0"/>
-              </a:p>
-            </p:txBody>
-          </p:sp>
-          <p:sp>
-            <p:nvSpPr>
-              <p:cNvPr id="85" name="Freeform: Shape 84">
-                <a:extLst>
-                  <a:ext uri="{FF2B5EF4-FFF2-40B4-BE49-F238E27FC236}">
-                    <a16:creationId xmlns:a16="http://schemas.microsoft.com/office/drawing/2014/main" id="{A5DF7CC6-1FFE-4423-865D-7351FDA00250}"/>
-                  </a:ext>
-                </a:extLst>
-              </p:cNvPr>
-              <p:cNvSpPr/>
-              <p:nvPr/>
-            </p:nvSpPr>
-            <p:spPr>
-              <a:xfrm>
-                <a:off x="776213" y="3730248"/>
-                <a:ext cx="1244215" cy="1018574"/>
-              </a:xfrm>
-              <a:custGeom>
-                <a:avLst/>
-                <a:gdLst>
-                  <a:gd name="connsiteX0" fmla="*/ 329155 w 627002"/>
-                  <a:gd name="connsiteY0" fmla="*/ 0 h 411255"/>
-                  <a:gd name="connsiteX1" fmla="*/ 624430 w 627002"/>
-                  <a:gd name="connsiteY1" fmla="*/ 266700 h 411255"/>
-                  <a:gd name="connsiteX2" fmla="*/ 448217 w 627002"/>
-                  <a:gd name="connsiteY2" fmla="*/ 407194 h 411255"/>
-                  <a:gd name="connsiteX3" fmla="*/ 38642 w 627002"/>
-                  <a:gd name="connsiteY3" fmla="*/ 376238 h 411255"/>
-                  <a:gd name="connsiteX4" fmla="*/ 41023 w 627002"/>
-                  <a:gd name="connsiteY4" fmla="*/ 373857 h 411255"/>
-                </a:gdLst>
-                <a:ahLst/>
-                <a:cxnLst>
-                  <a:cxn ang="0">
-                    <a:pos x="connsiteX0" y="connsiteY0"/>
-                  </a:cxn>
-                  <a:cxn ang="0">
-                    <a:pos x="connsiteX1" y="connsiteY1"/>
-                  </a:cxn>
-                  <a:cxn ang="0">
-                    <a:pos x="connsiteX2" y="connsiteY2"/>
-                  </a:cxn>
-                  <a:cxn ang="0">
-                    <a:pos x="connsiteX3" y="connsiteY3"/>
-                  </a:cxn>
-                  <a:cxn ang="0">
-                    <a:pos x="connsiteX4" y="connsiteY4"/>
-                  </a:cxn>
-                </a:cxnLst>
-                <a:rect l="l" t="t" r="r" b="b"/>
-                <a:pathLst>
-                  <a:path w="627002" h="411255">
-                    <a:moveTo>
-                      <a:pt x="329155" y="0"/>
-                    </a:moveTo>
-                    <a:cubicBezTo>
-                      <a:pt x="466870" y="99417"/>
-                      <a:pt x="604586" y="198834"/>
-                      <a:pt x="624430" y="266700"/>
-                    </a:cubicBezTo>
-                    <a:cubicBezTo>
-                      <a:pt x="644274" y="334566"/>
-                      <a:pt x="545848" y="388938"/>
-                      <a:pt x="448217" y="407194"/>
-                    </a:cubicBezTo>
-                    <a:cubicBezTo>
-                      <a:pt x="350586" y="425450"/>
-                      <a:pt x="38642" y="376238"/>
-                      <a:pt x="38642" y="376238"/>
-                    </a:cubicBezTo>
-                    <a:cubicBezTo>
-                      <a:pt x="-29224" y="370682"/>
-                      <a:pt x="5899" y="372269"/>
-                      <a:pt x="41023" y="373857"/>
-                    </a:cubicBezTo>
-                  </a:path>
-                </a:pathLst>
-              </a:custGeom>
+            </a:ln>
+          </p:spPr>
+          <p:style>
+            <a:lnRef idx="2">
+              <a:schemeClr val="accent1">
+                <a:shade val="50000"/>
+              </a:schemeClr>
+            </a:lnRef>
+            <a:fillRef idx="1">
+              <a:schemeClr val="accent1"/>
+            </a:fillRef>
+            <a:effectRef idx="0">
+              <a:schemeClr val="accent1"/>
+            </a:effectRef>
+            <a:fontRef idx="minor">
+              <a:schemeClr val="lt1"/>
+            </a:fontRef>
+          </p:style>
+          <p:txBody>
+            <a:bodyPr rtlCol="0" anchor="ctr"/>
+            <a:lstStyle/>
+            <a:p>
+              <a:pPr algn="ctr"/>
+              <a:endParaRPr lang="en-GB"/>
+            </a:p>
+          </p:txBody>
+        </p:sp>
+        <p:sp>
+          <p:nvSpPr>
+            <p:cNvPr id="82" name="Arc 81">
+              <a:extLst>
+                <a:ext uri="{FF2B5EF4-FFF2-40B4-BE49-F238E27FC236}">
+                  <a16:creationId xmlns:a16="http://schemas.microsoft.com/office/drawing/2014/main" id="{591CEE8C-E8AA-48C9-A446-E00341DF6C00}"/>
+                </a:ext>
+              </a:extLst>
+            </p:cNvPr>
+            <p:cNvSpPr/>
+            <p:nvPr/>
+          </p:nvSpPr>
+          <p:spPr>
+            <a:xfrm rot="7868174">
+              <a:off x="3690891" y="3907505"/>
+              <a:ext cx="158067" cy="169598"/>
+            </a:xfrm>
+            <a:prstGeom prst="arc">
+              <a:avLst/>
+            </a:prstGeom>
+            <a:ln w="28575">
               <a:solidFill>
-                <a:schemeClr val="accent1">
-                  <a:lumMod val="40000"/>
-                  <a:lumOff val="60000"/>
+                <a:schemeClr val="tx1">
+                  <a:lumMod val="65000"/>
+                  <a:lumOff val="35000"/>
                 </a:schemeClr>
               </a:solidFill>
-              <a:ln w="28575">
-                <a:solidFill>
-                  <a:schemeClr val="tx1">
-                    <a:lumMod val="65000"/>
-                    <a:lumOff val="35000"/>
-                  </a:schemeClr>
-                </a:solidFill>
-              </a:ln>
-            </p:spPr>
-            <p:style>
-              <a:lnRef idx="2">
-                <a:schemeClr val="accent1">
-                  <a:shade val="50000"/>
+            </a:ln>
+          </p:spPr>
+          <p:style>
+            <a:lnRef idx="1">
+              <a:schemeClr val="accent1"/>
+            </a:lnRef>
+            <a:fillRef idx="0">
+              <a:schemeClr val="accent1"/>
+            </a:fillRef>
+            <a:effectRef idx="0">
+              <a:schemeClr val="accent1"/>
+            </a:effectRef>
+            <a:fontRef idx="minor">
+              <a:schemeClr val="tx1"/>
+            </a:fontRef>
+          </p:style>
+          <p:txBody>
+            <a:bodyPr rtlCol="0" anchor="ctr"/>
+            <a:lstStyle/>
+            <a:p>
+              <a:pPr algn="ctr"/>
+              <a:endParaRPr lang="en-GB"/>
+            </a:p>
+          </p:txBody>
+        </p:sp>
+        <p:sp>
+          <p:nvSpPr>
+            <p:cNvPr id="83" name="Freeform: Shape 82">
+              <a:extLst>
+                <a:ext uri="{FF2B5EF4-FFF2-40B4-BE49-F238E27FC236}">
+                  <a16:creationId xmlns:a16="http://schemas.microsoft.com/office/drawing/2014/main" id="{30864D2A-AC1E-4E84-8A28-7A796EBFB117}"/>
+                </a:ext>
+              </a:extLst>
+            </p:cNvPr>
+            <p:cNvSpPr/>
+            <p:nvPr/>
+          </p:nvSpPr>
+          <p:spPr>
+            <a:xfrm>
+              <a:off x="3738600" y="3590092"/>
+              <a:ext cx="72012" cy="124869"/>
+            </a:xfrm>
+            <a:custGeom>
+              <a:avLst/>
+              <a:gdLst>
+                <a:gd name="connsiteX0" fmla="*/ 60700 w 86717"/>
+                <a:gd name="connsiteY0" fmla="*/ 0 h 200025"/>
+                <a:gd name="connsiteX1" fmla="*/ 375 w 86717"/>
+                <a:gd name="connsiteY1" fmla="*/ 57150 h 200025"/>
+                <a:gd name="connsiteX2" fmla="*/ 86100 w 86717"/>
+                <a:gd name="connsiteY2" fmla="*/ 136525 h 200025"/>
+                <a:gd name="connsiteX3" fmla="*/ 32125 w 86717"/>
+                <a:gd name="connsiteY3" fmla="*/ 200025 h 200025"/>
+              </a:gdLst>
+              <a:ahLst/>
+              <a:cxnLst>
+                <a:cxn ang="0">
+                  <a:pos x="connsiteX0" y="connsiteY0"/>
+                </a:cxn>
+                <a:cxn ang="0">
+                  <a:pos x="connsiteX1" y="connsiteY1"/>
+                </a:cxn>
+                <a:cxn ang="0">
+                  <a:pos x="connsiteX2" y="connsiteY2"/>
+                </a:cxn>
+                <a:cxn ang="0">
+                  <a:pos x="connsiteX3" y="connsiteY3"/>
+                </a:cxn>
+              </a:cxnLst>
+              <a:rect l="l" t="t" r="r" b="b"/>
+              <a:pathLst>
+                <a:path w="86717" h="200025">
+                  <a:moveTo>
+                    <a:pt x="60700" y="0"/>
+                  </a:moveTo>
+                  <a:cubicBezTo>
+                    <a:pt x="28421" y="17198"/>
+                    <a:pt x="-3858" y="34396"/>
+                    <a:pt x="375" y="57150"/>
+                  </a:cubicBezTo>
+                  <a:cubicBezTo>
+                    <a:pt x="4608" y="79904"/>
+                    <a:pt x="80808" y="112712"/>
+                    <a:pt x="86100" y="136525"/>
+                  </a:cubicBezTo>
+                  <a:cubicBezTo>
+                    <a:pt x="91392" y="160338"/>
+                    <a:pt x="61758" y="180181"/>
+                    <a:pt x="32125" y="200025"/>
+                  </a:cubicBezTo>
+                </a:path>
+              </a:pathLst>
+            </a:custGeom>
+            <a:noFill/>
+            <a:ln w="28575">
+              <a:solidFill>
+                <a:schemeClr val="tx1">
+                  <a:lumMod val="65000"/>
+                  <a:lumOff val="35000"/>
                 </a:schemeClr>
-              </a:lnRef>
-              <a:fillRef idx="1">
-                <a:schemeClr val="accent1"/>
-              </a:fillRef>
-              <a:effectRef idx="0">
-                <a:schemeClr val="accent1"/>
-              </a:effectRef>
-              <a:fontRef idx="minor">
-                <a:schemeClr val="lt1"/>
-              </a:fontRef>
-            </p:style>
-            <p:txBody>
-              <a:bodyPr rtlCol="0" anchor="ctr"/>
-              <a:lstStyle/>
-              <a:p>
-                <a:pPr algn="ctr"/>
-                <a:endParaRPr lang="en-GB"/>
-              </a:p>
-            </p:txBody>
-          </p:sp>
-          <p:sp>
-            <p:nvSpPr>
-              <p:cNvPr id="86" name="Arc 85">
-                <a:extLst>
-                  <a:ext uri="{FF2B5EF4-FFF2-40B4-BE49-F238E27FC236}">
-                    <a16:creationId xmlns:a16="http://schemas.microsoft.com/office/drawing/2014/main" id="{5AA7BE11-216B-421D-85F2-12AA308A181B}"/>
-                  </a:ext>
-                </a:extLst>
-              </p:cNvPr>
-              <p:cNvSpPr/>
-              <p:nvPr/>
-            </p:nvSpPr>
-            <p:spPr>
-              <a:xfrm rot="8208340">
-                <a:off x="1137790" y="2854205"/>
-                <a:ext cx="292420" cy="297865"/>
-              </a:xfrm>
-              <a:prstGeom prst="arc">
-                <a:avLst/>
-              </a:prstGeom>
-              <a:ln w="28575">
-                <a:solidFill>
-                  <a:schemeClr val="tx1">
-                    <a:lumMod val="65000"/>
-                    <a:lumOff val="35000"/>
-                  </a:schemeClr>
-                </a:solidFill>
-              </a:ln>
-            </p:spPr>
-            <p:style>
-              <a:lnRef idx="1">
-                <a:schemeClr val="accent1"/>
-              </a:lnRef>
-              <a:fillRef idx="0">
-                <a:schemeClr val="accent1"/>
-              </a:fillRef>
-              <a:effectRef idx="0">
-                <a:schemeClr val="accent1"/>
-              </a:effectRef>
-              <a:fontRef idx="minor">
-                <a:schemeClr val="tx1"/>
-              </a:fontRef>
-            </p:style>
-            <p:txBody>
-              <a:bodyPr rtlCol="0" anchor="ctr"/>
-              <a:lstStyle/>
-              <a:p>
-                <a:pPr algn="ctr"/>
-                <a:endParaRPr lang="en-GB"/>
-              </a:p>
-            </p:txBody>
-          </p:sp>
-          <p:sp>
-            <p:nvSpPr>
-              <p:cNvPr id="87" name="Arc 86">
-                <a:extLst>
-                  <a:ext uri="{FF2B5EF4-FFF2-40B4-BE49-F238E27FC236}">
-                    <a16:creationId xmlns:a16="http://schemas.microsoft.com/office/drawing/2014/main" id="{1884692F-5E1F-4A03-8DB6-9B3B44220432}"/>
-                  </a:ext>
-                </a:extLst>
-              </p:cNvPr>
-              <p:cNvSpPr/>
-              <p:nvPr/>
-            </p:nvSpPr>
-            <p:spPr>
-              <a:xfrm rot="8208340">
-                <a:off x="1681965" y="2847573"/>
-                <a:ext cx="292420" cy="297865"/>
-              </a:xfrm>
-              <a:prstGeom prst="arc">
-                <a:avLst/>
-              </a:prstGeom>
-              <a:ln w="28575">
-                <a:solidFill>
-                  <a:schemeClr val="tx1">
-                    <a:lumMod val="65000"/>
-                    <a:lumOff val="35000"/>
-                  </a:schemeClr>
-                </a:solidFill>
-              </a:ln>
-            </p:spPr>
-            <p:style>
-              <a:lnRef idx="1">
-                <a:schemeClr val="accent1"/>
-              </a:lnRef>
-              <a:fillRef idx="0">
-                <a:schemeClr val="accent1"/>
-              </a:fillRef>
-              <a:effectRef idx="0">
-                <a:schemeClr val="accent1"/>
-              </a:effectRef>
-              <a:fontRef idx="minor">
-                <a:schemeClr val="tx1"/>
-              </a:fontRef>
-            </p:style>
-            <p:txBody>
-              <a:bodyPr rtlCol="0" anchor="ctr"/>
-              <a:lstStyle/>
-              <a:p>
-                <a:pPr algn="ctr"/>
-                <a:endParaRPr lang="en-GB"/>
-              </a:p>
-            </p:txBody>
-          </p:sp>
-        </p:grpSp>
+              </a:solidFill>
+            </a:ln>
+          </p:spPr>
+          <p:style>
+            <a:lnRef idx="2">
+              <a:schemeClr val="accent1">
+                <a:shade val="50000"/>
+              </a:schemeClr>
+            </a:lnRef>
+            <a:fillRef idx="1">
+              <a:schemeClr val="accent1"/>
+            </a:fillRef>
+            <a:effectRef idx="0">
+              <a:schemeClr val="accent1"/>
+            </a:effectRef>
+            <a:fontRef idx="minor">
+              <a:schemeClr val="lt1"/>
+            </a:fontRef>
+          </p:style>
+          <p:txBody>
+            <a:bodyPr rtlCol="0" anchor="ctr"/>
+            <a:lstStyle/>
+            <a:p>
+              <a:pPr algn="ctr"/>
+              <a:endParaRPr lang="en-GB"/>
+            </a:p>
+          </p:txBody>
+        </p:sp>
+        <p:sp>
+          <p:nvSpPr>
+            <p:cNvPr id="84" name="Flowchart: Stored Data 83">
+              <a:extLst>
+                <a:ext uri="{FF2B5EF4-FFF2-40B4-BE49-F238E27FC236}">
+                  <a16:creationId xmlns:a16="http://schemas.microsoft.com/office/drawing/2014/main" id="{3A032E62-01F0-4326-B1C8-58D1073ACC73}"/>
+                </a:ext>
+              </a:extLst>
+            </p:cNvPr>
+            <p:cNvSpPr/>
+            <p:nvPr/>
+          </p:nvSpPr>
+          <p:spPr>
+            <a:xfrm rot="16200000">
+              <a:off x="3355716" y="4128478"/>
+              <a:ext cx="836634" cy="567029"/>
+            </a:xfrm>
+            <a:prstGeom prst="flowChartOnlineStorage">
+              <a:avLst/>
+            </a:prstGeom>
+            <a:solidFill>
+              <a:schemeClr val="accent6">
+                <a:lumMod val="20000"/>
+                <a:lumOff val="80000"/>
+              </a:schemeClr>
+            </a:solidFill>
+            <a:ln w="28575">
+              <a:solidFill>
+                <a:schemeClr val="tx1">
+                  <a:lumMod val="65000"/>
+                  <a:lumOff val="35000"/>
+                </a:schemeClr>
+              </a:solidFill>
+            </a:ln>
+          </p:spPr>
+          <p:style>
+            <a:lnRef idx="2">
+              <a:schemeClr val="accent1">
+                <a:shade val="50000"/>
+              </a:schemeClr>
+            </a:lnRef>
+            <a:fillRef idx="1">
+              <a:schemeClr val="accent1"/>
+            </a:fillRef>
+            <a:effectRef idx="0">
+              <a:schemeClr val="accent1"/>
+            </a:effectRef>
+            <a:fontRef idx="minor">
+              <a:schemeClr val="lt1"/>
+            </a:fontRef>
+          </p:style>
+          <p:txBody>
+            <a:bodyPr rtlCol="0" anchor="ctr"/>
+            <a:lstStyle/>
+            <a:p>
+              <a:pPr algn="ctr"/>
+              <a:endParaRPr lang="en-GB" dirty="0"/>
+            </a:p>
+          </p:txBody>
+        </p:sp>
+        <p:sp>
+          <p:nvSpPr>
+            <p:cNvPr id="85" name="Freeform: Shape 84">
+              <a:extLst>
+                <a:ext uri="{FF2B5EF4-FFF2-40B4-BE49-F238E27FC236}">
+                  <a16:creationId xmlns:a16="http://schemas.microsoft.com/office/drawing/2014/main" id="{A5DF7CC6-1FFE-4423-865D-7351FDA00250}"/>
+                </a:ext>
+              </a:extLst>
+            </p:cNvPr>
+            <p:cNvSpPr/>
+            <p:nvPr/>
+          </p:nvSpPr>
+          <p:spPr>
+            <a:xfrm>
+              <a:off x="3492671" y="4141872"/>
+              <a:ext cx="451051" cy="369253"/>
+            </a:xfrm>
+            <a:custGeom>
+              <a:avLst/>
+              <a:gdLst>
+                <a:gd name="connsiteX0" fmla="*/ 329155 w 627002"/>
+                <a:gd name="connsiteY0" fmla="*/ 0 h 411255"/>
+                <a:gd name="connsiteX1" fmla="*/ 624430 w 627002"/>
+                <a:gd name="connsiteY1" fmla="*/ 266700 h 411255"/>
+                <a:gd name="connsiteX2" fmla="*/ 448217 w 627002"/>
+                <a:gd name="connsiteY2" fmla="*/ 407194 h 411255"/>
+                <a:gd name="connsiteX3" fmla="*/ 38642 w 627002"/>
+                <a:gd name="connsiteY3" fmla="*/ 376238 h 411255"/>
+                <a:gd name="connsiteX4" fmla="*/ 41023 w 627002"/>
+                <a:gd name="connsiteY4" fmla="*/ 373857 h 411255"/>
+              </a:gdLst>
+              <a:ahLst/>
+              <a:cxnLst>
+                <a:cxn ang="0">
+                  <a:pos x="connsiteX0" y="connsiteY0"/>
+                </a:cxn>
+                <a:cxn ang="0">
+                  <a:pos x="connsiteX1" y="connsiteY1"/>
+                </a:cxn>
+                <a:cxn ang="0">
+                  <a:pos x="connsiteX2" y="connsiteY2"/>
+                </a:cxn>
+                <a:cxn ang="0">
+                  <a:pos x="connsiteX3" y="connsiteY3"/>
+                </a:cxn>
+                <a:cxn ang="0">
+                  <a:pos x="connsiteX4" y="connsiteY4"/>
+                </a:cxn>
+              </a:cxnLst>
+              <a:rect l="l" t="t" r="r" b="b"/>
+              <a:pathLst>
+                <a:path w="627002" h="411255">
+                  <a:moveTo>
+                    <a:pt x="329155" y="0"/>
+                  </a:moveTo>
+                  <a:cubicBezTo>
+                    <a:pt x="466870" y="99417"/>
+                    <a:pt x="604586" y="198834"/>
+                    <a:pt x="624430" y="266700"/>
+                  </a:cubicBezTo>
+                  <a:cubicBezTo>
+                    <a:pt x="644274" y="334566"/>
+                    <a:pt x="545848" y="388938"/>
+                    <a:pt x="448217" y="407194"/>
+                  </a:cubicBezTo>
+                  <a:cubicBezTo>
+                    <a:pt x="350586" y="425450"/>
+                    <a:pt x="38642" y="376238"/>
+                    <a:pt x="38642" y="376238"/>
+                  </a:cubicBezTo>
+                  <a:cubicBezTo>
+                    <a:pt x="-29224" y="370682"/>
+                    <a:pt x="5899" y="372269"/>
+                    <a:pt x="41023" y="373857"/>
+                  </a:cubicBezTo>
+                </a:path>
+              </a:pathLst>
+            </a:custGeom>
+            <a:solidFill>
+              <a:schemeClr val="accent6">
+                <a:lumMod val="20000"/>
+                <a:lumOff val="80000"/>
+              </a:schemeClr>
+            </a:solidFill>
+            <a:ln w="28575">
+              <a:solidFill>
+                <a:schemeClr val="tx1">
+                  <a:lumMod val="65000"/>
+                  <a:lumOff val="35000"/>
+                </a:schemeClr>
+              </a:solidFill>
+            </a:ln>
+          </p:spPr>
+          <p:style>
+            <a:lnRef idx="2">
+              <a:schemeClr val="accent1">
+                <a:shade val="50000"/>
+              </a:schemeClr>
+            </a:lnRef>
+            <a:fillRef idx="1">
+              <a:schemeClr val="accent1"/>
+            </a:fillRef>
+            <a:effectRef idx="0">
+              <a:schemeClr val="accent1"/>
+            </a:effectRef>
+            <a:fontRef idx="minor">
+              <a:schemeClr val="lt1"/>
+            </a:fontRef>
+          </p:style>
+          <p:txBody>
+            <a:bodyPr rtlCol="0" anchor="ctr"/>
+            <a:lstStyle/>
+            <a:p>
+              <a:pPr algn="ctr"/>
+              <a:endParaRPr lang="en-GB"/>
+            </a:p>
+          </p:txBody>
+        </p:sp>
+        <p:sp>
+          <p:nvSpPr>
+            <p:cNvPr id="86" name="Arc 85">
+              <a:extLst>
+                <a:ext uri="{FF2B5EF4-FFF2-40B4-BE49-F238E27FC236}">
+                  <a16:creationId xmlns:a16="http://schemas.microsoft.com/office/drawing/2014/main" id="{5AA7BE11-216B-421D-85F2-12AA308A181B}"/>
+                </a:ext>
+              </a:extLst>
+            </p:cNvPr>
+            <p:cNvSpPr/>
+            <p:nvPr/>
+          </p:nvSpPr>
+          <p:spPr>
+            <a:xfrm rot="8208340">
+              <a:off x="3623749" y="3824290"/>
+              <a:ext cx="106008" cy="107982"/>
+            </a:xfrm>
+            <a:prstGeom prst="arc">
+              <a:avLst/>
+            </a:prstGeom>
+            <a:ln w="28575">
+              <a:solidFill>
+                <a:schemeClr val="tx1">
+                  <a:lumMod val="65000"/>
+                  <a:lumOff val="35000"/>
+                </a:schemeClr>
+              </a:solidFill>
+            </a:ln>
+          </p:spPr>
+          <p:style>
+            <a:lnRef idx="1">
+              <a:schemeClr val="accent1"/>
+            </a:lnRef>
+            <a:fillRef idx="0">
+              <a:schemeClr val="accent1"/>
+            </a:fillRef>
+            <a:effectRef idx="0">
+              <a:schemeClr val="accent1"/>
+            </a:effectRef>
+            <a:fontRef idx="minor">
+              <a:schemeClr val="tx1"/>
+            </a:fontRef>
+          </p:style>
+          <p:txBody>
+            <a:bodyPr rtlCol="0" anchor="ctr"/>
+            <a:lstStyle/>
+            <a:p>
+              <a:pPr algn="ctr"/>
+              <a:endParaRPr lang="en-GB"/>
+            </a:p>
+          </p:txBody>
+        </p:sp>
+        <p:sp>
+          <p:nvSpPr>
+            <p:cNvPr id="87" name="Arc 86">
+              <a:extLst>
+                <a:ext uri="{FF2B5EF4-FFF2-40B4-BE49-F238E27FC236}">
+                  <a16:creationId xmlns:a16="http://schemas.microsoft.com/office/drawing/2014/main" id="{1884692F-5E1F-4A03-8DB6-9B3B44220432}"/>
+                </a:ext>
+              </a:extLst>
+            </p:cNvPr>
+            <p:cNvSpPr/>
+            <p:nvPr/>
+          </p:nvSpPr>
+          <p:spPr>
+            <a:xfrm rot="8208340">
+              <a:off x="3821023" y="3821886"/>
+              <a:ext cx="106008" cy="107982"/>
+            </a:xfrm>
+            <a:prstGeom prst="arc">
+              <a:avLst/>
+            </a:prstGeom>
+            <a:ln w="28575">
+              <a:solidFill>
+                <a:schemeClr val="tx1">
+                  <a:lumMod val="65000"/>
+                  <a:lumOff val="35000"/>
+                </a:schemeClr>
+              </a:solidFill>
+            </a:ln>
+          </p:spPr>
+          <p:style>
+            <a:lnRef idx="1">
+              <a:schemeClr val="accent1"/>
+            </a:lnRef>
+            <a:fillRef idx="0">
+              <a:schemeClr val="accent1"/>
+            </a:fillRef>
+            <a:effectRef idx="0">
+              <a:schemeClr val="accent1"/>
+            </a:effectRef>
+            <a:fontRef idx="minor">
+              <a:schemeClr val="tx1"/>
+            </a:fontRef>
+          </p:style>
+          <p:txBody>
+            <a:bodyPr rtlCol="0" anchor="ctr"/>
+            <a:lstStyle/>
+            <a:p>
+              <a:pPr algn="ctr"/>
+              <a:endParaRPr lang="en-GB"/>
+            </a:p>
+          </p:txBody>
+        </p:sp>
         <p:pic>
           <p:nvPicPr>
             <p:cNvPr id="1032" name="Picture 8" descr="raspberry-pi-logo.png (511×642)">
@@ -4097,8 +4798,2028 @@
           </p:blipFill>
           <p:spPr bwMode="auto">
             <a:xfrm>
-              <a:off x="2857182" y="1488169"/>
+              <a:off x="5488724" y="2618909"/>
               <a:ext cx="1325958" cy="1665878"/>
+            </a:xfrm>
+            <a:prstGeom prst="rect">
+              <a:avLst/>
+            </a:prstGeom>
+            <a:noFill/>
+            <a:extLst>
+              <a:ext uri="{909E8E84-426E-40DD-AFC4-6F175D3DCCD1}">
+                <a14:hiddenFill xmlns:a14="http://schemas.microsoft.com/office/drawing/2010/main">
+                  <a:solidFill>
+                    <a:srgbClr val="FFFFFF"/>
+                  </a:solidFill>
+                </a14:hiddenFill>
+              </a:ext>
+            </a:extLst>
+          </p:spPr>
+        </p:pic>
+        <p:sp>
+          <p:nvSpPr>
+            <p:cNvPr id="4" name="Rectangle 3">
+              <a:extLst>
+                <a:ext uri="{FF2B5EF4-FFF2-40B4-BE49-F238E27FC236}">
+                  <a16:creationId xmlns:a16="http://schemas.microsoft.com/office/drawing/2014/main" id="{9D34CC54-906C-4F1F-BC4E-0F1A88ADE73A}"/>
+                </a:ext>
+              </a:extLst>
+            </p:cNvPr>
+            <p:cNvSpPr/>
+            <p:nvPr/>
+          </p:nvSpPr>
+          <p:spPr>
+            <a:xfrm>
+              <a:off x="7766214" y="2027689"/>
+              <a:ext cx="1152702" cy="1152701"/>
+            </a:xfrm>
+            <a:prstGeom prst="rect">
+              <a:avLst/>
+            </a:prstGeom>
+            <a:solidFill>
+              <a:srgbClr val="63A96B"/>
+            </a:solidFill>
+            <a:ln>
+              <a:solidFill>
+                <a:srgbClr val="63A96B"/>
+              </a:solidFill>
+            </a:ln>
+          </p:spPr>
+          <p:style>
+            <a:lnRef idx="2">
+              <a:schemeClr val="accent1">
+                <a:shade val="50000"/>
+              </a:schemeClr>
+            </a:lnRef>
+            <a:fillRef idx="1">
+              <a:schemeClr val="accent1"/>
+            </a:fillRef>
+            <a:effectRef idx="0">
+              <a:schemeClr val="accent1"/>
+            </a:effectRef>
+            <a:fontRef idx="minor">
+              <a:schemeClr val="lt1"/>
+            </a:fontRef>
+          </p:style>
+          <p:txBody>
+            <a:bodyPr rtlCol="0" anchor="ctr"/>
+            <a:lstStyle/>
+            <a:p>
+              <a:pPr algn="ctr"/>
+              <a:endParaRPr lang="en-GB"/>
+            </a:p>
+          </p:txBody>
+        </p:sp>
+        <p:sp>
+          <p:nvSpPr>
+            <p:cNvPr id="5" name="Oval 4">
+              <a:extLst>
+                <a:ext uri="{FF2B5EF4-FFF2-40B4-BE49-F238E27FC236}">
+                  <a16:creationId xmlns:a16="http://schemas.microsoft.com/office/drawing/2014/main" id="{CCE2D353-91CE-477F-8DD3-D53C4A73D706}"/>
+                </a:ext>
+              </a:extLst>
+            </p:cNvPr>
+            <p:cNvSpPr/>
+            <p:nvPr/>
+          </p:nvSpPr>
+          <p:spPr>
+            <a:xfrm>
+              <a:off x="7810549" y="2072024"/>
+              <a:ext cx="1064032" cy="1064031"/>
+            </a:xfrm>
+            <a:prstGeom prst="ellipse">
+              <a:avLst/>
+            </a:prstGeom>
+            <a:solidFill>
+              <a:schemeClr val="bg2">
+                <a:lumMod val="75000"/>
+              </a:schemeClr>
+            </a:solidFill>
+            <a:ln>
+              <a:noFill/>
+            </a:ln>
+          </p:spPr>
+          <p:style>
+            <a:lnRef idx="2">
+              <a:schemeClr val="accent1">
+                <a:shade val="50000"/>
+              </a:schemeClr>
+            </a:lnRef>
+            <a:fillRef idx="1">
+              <a:schemeClr val="accent1"/>
+            </a:fillRef>
+            <a:effectRef idx="0">
+              <a:schemeClr val="accent1"/>
+            </a:effectRef>
+            <a:fontRef idx="minor">
+              <a:schemeClr val="lt1"/>
+            </a:fontRef>
+          </p:style>
+          <p:txBody>
+            <a:bodyPr rtlCol="0" anchor="ctr"/>
+            <a:lstStyle/>
+            <a:p>
+              <a:pPr algn="ctr"/>
+              <a:endParaRPr lang="en-GB"/>
+            </a:p>
+          </p:txBody>
+        </p:sp>
+        <p:sp>
+          <p:nvSpPr>
+            <p:cNvPr id="6" name="Freeform: Shape 5">
+              <a:extLst>
+                <a:ext uri="{FF2B5EF4-FFF2-40B4-BE49-F238E27FC236}">
+                  <a16:creationId xmlns:a16="http://schemas.microsoft.com/office/drawing/2014/main" id="{0A630551-DB5A-4486-81A0-EB07DEB3D67F}"/>
+                </a:ext>
+              </a:extLst>
+            </p:cNvPr>
+            <p:cNvSpPr/>
+            <p:nvPr/>
+          </p:nvSpPr>
+          <p:spPr>
+            <a:xfrm>
+              <a:off x="8367701" y="2147749"/>
+              <a:ext cx="318089" cy="409020"/>
+            </a:xfrm>
+            <a:custGeom>
+              <a:avLst/>
+              <a:gdLst>
+                <a:gd name="connsiteX0" fmla="*/ 12875 w 1099774"/>
+                <a:gd name="connsiteY0" fmla="*/ 864848 h 970151"/>
+                <a:gd name="connsiteX1" fmla="*/ 289100 w 1099774"/>
+                <a:gd name="connsiteY1" fmla="*/ 45698 h 970151"/>
+                <a:gd name="connsiteX2" fmla="*/ 870125 w 1099774"/>
+                <a:gd name="connsiteY2" fmla="*/ 136185 h 970151"/>
+                <a:gd name="connsiteX3" fmla="*/ 1060625 w 1099774"/>
+                <a:gd name="connsiteY3" fmla="*/ 402885 h 970151"/>
+                <a:gd name="connsiteX4" fmla="*/ 150988 w 1099774"/>
+                <a:gd name="connsiteY4" fmla="*/ 912473 h 970151"/>
+                <a:gd name="connsiteX5" fmla="*/ 12875 w 1099774"/>
+                <a:gd name="connsiteY5" fmla="*/ 864848 h 970151"/>
+              </a:gdLst>
+              <a:ahLst/>
+              <a:cxnLst>
+                <a:cxn ang="0">
+                  <a:pos x="connsiteX0" y="connsiteY0"/>
+                </a:cxn>
+                <a:cxn ang="0">
+                  <a:pos x="connsiteX1" y="connsiteY1"/>
+                </a:cxn>
+                <a:cxn ang="0">
+                  <a:pos x="connsiteX2" y="connsiteY2"/>
+                </a:cxn>
+                <a:cxn ang="0">
+                  <a:pos x="connsiteX3" y="connsiteY3"/>
+                </a:cxn>
+                <a:cxn ang="0">
+                  <a:pos x="connsiteX4" y="connsiteY4"/>
+                </a:cxn>
+                <a:cxn ang="0">
+                  <a:pos x="connsiteX5" y="connsiteY5"/>
+                </a:cxn>
+              </a:cxnLst>
+              <a:rect l="l" t="t" r="r" b="b"/>
+              <a:pathLst>
+                <a:path w="1099774" h="970151">
+                  <a:moveTo>
+                    <a:pt x="12875" y="864848"/>
+                  </a:moveTo>
+                  <a:cubicBezTo>
+                    <a:pt x="35894" y="720386"/>
+                    <a:pt x="146225" y="167142"/>
+                    <a:pt x="289100" y="45698"/>
+                  </a:cubicBezTo>
+                  <a:cubicBezTo>
+                    <a:pt x="431975" y="-75746"/>
+                    <a:pt x="741538" y="76654"/>
+                    <a:pt x="870125" y="136185"/>
+                  </a:cubicBezTo>
+                  <a:cubicBezTo>
+                    <a:pt x="998712" y="195716"/>
+                    <a:pt x="1180481" y="273504"/>
+                    <a:pt x="1060625" y="402885"/>
+                  </a:cubicBezTo>
+                  <a:cubicBezTo>
+                    <a:pt x="940769" y="532266"/>
+                    <a:pt x="323232" y="840242"/>
+                    <a:pt x="150988" y="912473"/>
+                  </a:cubicBezTo>
+                  <a:cubicBezTo>
+                    <a:pt x="-21256" y="984704"/>
+                    <a:pt x="-10144" y="1009310"/>
+                    <a:pt x="12875" y="864848"/>
+                  </a:cubicBezTo>
+                  <a:close/>
+                </a:path>
+              </a:pathLst>
+            </a:custGeom>
+            <a:solidFill>
+              <a:srgbClr val="63A96B"/>
+            </a:solidFill>
+            <a:ln>
+              <a:solidFill>
+                <a:srgbClr val="63A96B"/>
+              </a:solidFill>
+            </a:ln>
+          </p:spPr>
+          <p:style>
+            <a:lnRef idx="2">
+              <a:schemeClr val="accent1">
+                <a:shade val="50000"/>
+              </a:schemeClr>
+            </a:lnRef>
+            <a:fillRef idx="1">
+              <a:schemeClr val="accent1"/>
+            </a:fillRef>
+            <a:effectRef idx="0">
+              <a:schemeClr val="accent1"/>
+            </a:effectRef>
+            <a:fontRef idx="minor">
+              <a:schemeClr val="lt1"/>
+            </a:fontRef>
+          </p:style>
+          <p:txBody>
+            <a:bodyPr rtlCol="0" anchor="ctr"/>
+            <a:lstStyle/>
+            <a:p>
+              <a:pPr algn="ctr"/>
+              <a:endParaRPr lang="en-GB"/>
+            </a:p>
+          </p:txBody>
+        </p:sp>
+        <p:sp>
+          <p:nvSpPr>
+            <p:cNvPr id="12" name="Freeform: Shape 11">
+              <a:extLst>
+                <a:ext uri="{FF2B5EF4-FFF2-40B4-BE49-F238E27FC236}">
+                  <a16:creationId xmlns:a16="http://schemas.microsoft.com/office/drawing/2014/main" id="{57D1A95A-B9FF-4220-AC27-BDFFE5B9010D}"/>
+                </a:ext>
+              </a:extLst>
+            </p:cNvPr>
+            <p:cNvSpPr/>
+            <p:nvPr/>
+          </p:nvSpPr>
+          <p:spPr>
+            <a:xfrm rot="6128668">
+              <a:off x="8377159" y="2626615"/>
+              <a:ext cx="318088" cy="409020"/>
+            </a:xfrm>
+            <a:custGeom>
+              <a:avLst/>
+              <a:gdLst>
+                <a:gd name="connsiteX0" fmla="*/ 12875 w 1099774"/>
+                <a:gd name="connsiteY0" fmla="*/ 864848 h 970151"/>
+                <a:gd name="connsiteX1" fmla="*/ 289100 w 1099774"/>
+                <a:gd name="connsiteY1" fmla="*/ 45698 h 970151"/>
+                <a:gd name="connsiteX2" fmla="*/ 870125 w 1099774"/>
+                <a:gd name="connsiteY2" fmla="*/ 136185 h 970151"/>
+                <a:gd name="connsiteX3" fmla="*/ 1060625 w 1099774"/>
+                <a:gd name="connsiteY3" fmla="*/ 402885 h 970151"/>
+                <a:gd name="connsiteX4" fmla="*/ 150988 w 1099774"/>
+                <a:gd name="connsiteY4" fmla="*/ 912473 h 970151"/>
+                <a:gd name="connsiteX5" fmla="*/ 12875 w 1099774"/>
+                <a:gd name="connsiteY5" fmla="*/ 864848 h 970151"/>
+              </a:gdLst>
+              <a:ahLst/>
+              <a:cxnLst>
+                <a:cxn ang="0">
+                  <a:pos x="connsiteX0" y="connsiteY0"/>
+                </a:cxn>
+                <a:cxn ang="0">
+                  <a:pos x="connsiteX1" y="connsiteY1"/>
+                </a:cxn>
+                <a:cxn ang="0">
+                  <a:pos x="connsiteX2" y="connsiteY2"/>
+                </a:cxn>
+                <a:cxn ang="0">
+                  <a:pos x="connsiteX3" y="connsiteY3"/>
+                </a:cxn>
+                <a:cxn ang="0">
+                  <a:pos x="connsiteX4" y="connsiteY4"/>
+                </a:cxn>
+                <a:cxn ang="0">
+                  <a:pos x="connsiteX5" y="connsiteY5"/>
+                </a:cxn>
+              </a:cxnLst>
+              <a:rect l="l" t="t" r="r" b="b"/>
+              <a:pathLst>
+                <a:path w="1099774" h="970151">
+                  <a:moveTo>
+                    <a:pt x="12875" y="864848"/>
+                  </a:moveTo>
+                  <a:cubicBezTo>
+                    <a:pt x="35894" y="720386"/>
+                    <a:pt x="146225" y="167142"/>
+                    <a:pt x="289100" y="45698"/>
+                  </a:cubicBezTo>
+                  <a:cubicBezTo>
+                    <a:pt x="431975" y="-75746"/>
+                    <a:pt x="741538" y="76654"/>
+                    <a:pt x="870125" y="136185"/>
+                  </a:cubicBezTo>
+                  <a:cubicBezTo>
+                    <a:pt x="998712" y="195716"/>
+                    <a:pt x="1180481" y="273504"/>
+                    <a:pt x="1060625" y="402885"/>
+                  </a:cubicBezTo>
+                  <a:cubicBezTo>
+                    <a:pt x="940769" y="532266"/>
+                    <a:pt x="323232" y="840242"/>
+                    <a:pt x="150988" y="912473"/>
+                  </a:cubicBezTo>
+                  <a:cubicBezTo>
+                    <a:pt x="-21256" y="984704"/>
+                    <a:pt x="-10144" y="1009310"/>
+                    <a:pt x="12875" y="864848"/>
+                  </a:cubicBezTo>
+                  <a:close/>
+                </a:path>
+              </a:pathLst>
+            </a:custGeom>
+            <a:solidFill>
+              <a:srgbClr val="63A96B"/>
+            </a:solidFill>
+            <a:ln>
+              <a:solidFill>
+                <a:srgbClr val="63A96B"/>
+              </a:solidFill>
+            </a:ln>
+          </p:spPr>
+          <p:style>
+            <a:lnRef idx="2">
+              <a:schemeClr val="accent1">
+                <a:shade val="50000"/>
+              </a:schemeClr>
+            </a:lnRef>
+            <a:fillRef idx="1">
+              <a:schemeClr val="accent1"/>
+            </a:fillRef>
+            <a:effectRef idx="0">
+              <a:schemeClr val="accent1"/>
+            </a:effectRef>
+            <a:fontRef idx="minor">
+              <a:schemeClr val="lt1"/>
+            </a:fontRef>
+          </p:style>
+          <p:txBody>
+            <a:bodyPr rtlCol="0" anchor="ctr"/>
+            <a:lstStyle/>
+            <a:p>
+              <a:pPr algn="ctr"/>
+              <a:endParaRPr lang="en-GB"/>
+            </a:p>
+          </p:txBody>
+        </p:sp>
+        <p:sp>
+          <p:nvSpPr>
+            <p:cNvPr id="13" name="Freeform: Shape 12">
+              <a:extLst>
+                <a:ext uri="{FF2B5EF4-FFF2-40B4-BE49-F238E27FC236}">
+                  <a16:creationId xmlns:a16="http://schemas.microsoft.com/office/drawing/2014/main" id="{0699604E-00F3-483B-A51B-04A0AA99DCD0}"/>
+                </a:ext>
+              </a:extLst>
+            </p:cNvPr>
+            <p:cNvSpPr/>
+            <p:nvPr/>
+          </p:nvSpPr>
+          <p:spPr>
+            <a:xfrm rot="3009767">
+              <a:off x="8499262" y="2374903"/>
+              <a:ext cx="318088" cy="409020"/>
+            </a:xfrm>
+            <a:custGeom>
+              <a:avLst/>
+              <a:gdLst>
+                <a:gd name="connsiteX0" fmla="*/ 12875 w 1099774"/>
+                <a:gd name="connsiteY0" fmla="*/ 864848 h 970151"/>
+                <a:gd name="connsiteX1" fmla="*/ 289100 w 1099774"/>
+                <a:gd name="connsiteY1" fmla="*/ 45698 h 970151"/>
+                <a:gd name="connsiteX2" fmla="*/ 870125 w 1099774"/>
+                <a:gd name="connsiteY2" fmla="*/ 136185 h 970151"/>
+                <a:gd name="connsiteX3" fmla="*/ 1060625 w 1099774"/>
+                <a:gd name="connsiteY3" fmla="*/ 402885 h 970151"/>
+                <a:gd name="connsiteX4" fmla="*/ 150988 w 1099774"/>
+                <a:gd name="connsiteY4" fmla="*/ 912473 h 970151"/>
+                <a:gd name="connsiteX5" fmla="*/ 12875 w 1099774"/>
+                <a:gd name="connsiteY5" fmla="*/ 864848 h 970151"/>
+              </a:gdLst>
+              <a:ahLst/>
+              <a:cxnLst>
+                <a:cxn ang="0">
+                  <a:pos x="connsiteX0" y="connsiteY0"/>
+                </a:cxn>
+                <a:cxn ang="0">
+                  <a:pos x="connsiteX1" y="connsiteY1"/>
+                </a:cxn>
+                <a:cxn ang="0">
+                  <a:pos x="connsiteX2" y="connsiteY2"/>
+                </a:cxn>
+                <a:cxn ang="0">
+                  <a:pos x="connsiteX3" y="connsiteY3"/>
+                </a:cxn>
+                <a:cxn ang="0">
+                  <a:pos x="connsiteX4" y="connsiteY4"/>
+                </a:cxn>
+                <a:cxn ang="0">
+                  <a:pos x="connsiteX5" y="connsiteY5"/>
+                </a:cxn>
+              </a:cxnLst>
+              <a:rect l="l" t="t" r="r" b="b"/>
+              <a:pathLst>
+                <a:path w="1099774" h="970151">
+                  <a:moveTo>
+                    <a:pt x="12875" y="864848"/>
+                  </a:moveTo>
+                  <a:cubicBezTo>
+                    <a:pt x="35894" y="720386"/>
+                    <a:pt x="146225" y="167142"/>
+                    <a:pt x="289100" y="45698"/>
+                  </a:cubicBezTo>
+                  <a:cubicBezTo>
+                    <a:pt x="431975" y="-75746"/>
+                    <a:pt x="741538" y="76654"/>
+                    <a:pt x="870125" y="136185"/>
+                  </a:cubicBezTo>
+                  <a:cubicBezTo>
+                    <a:pt x="998712" y="195716"/>
+                    <a:pt x="1180481" y="273504"/>
+                    <a:pt x="1060625" y="402885"/>
+                  </a:cubicBezTo>
+                  <a:cubicBezTo>
+                    <a:pt x="940769" y="532266"/>
+                    <a:pt x="323232" y="840242"/>
+                    <a:pt x="150988" y="912473"/>
+                  </a:cubicBezTo>
+                  <a:cubicBezTo>
+                    <a:pt x="-21256" y="984704"/>
+                    <a:pt x="-10144" y="1009310"/>
+                    <a:pt x="12875" y="864848"/>
+                  </a:cubicBezTo>
+                  <a:close/>
+                </a:path>
+              </a:pathLst>
+            </a:custGeom>
+            <a:solidFill>
+              <a:srgbClr val="63A96B"/>
+            </a:solidFill>
+            <a:ln>
+              <a:solidFill>
+                <a:srgbClr val="63A96B"/>
+              </a:solidFill>
+            </a:ln>
+          </p:spPr>
+          <p:style>
+            <a:lnRef idx="2">
+              <a:schemeClr val="accent1">
+                <a:shade val="50000"/>
+              </a:schemeClr>
+            </a:lnRef>
+            <a:fillRef idx="1">
+              <a:schemeClr val="accent1"/>
+            </a:fillRef>
+            <a:effectRef idx="0">
+              <a:schemeClr val="accent1"/>
+            </a:effectRef>
+            <a:fontRef idx="minor">
+              <a:schemeClr val="lt1"/>
+            </a:fontRef>
+          </p:style>
+          <p:txBody>
+            <a:bodyPr rtlCol="0" anchor="ctr"/>
+            <a:lstStyle/>
+            <a:p>
+              <a:pPr algn="ctr"/>
+              <a:endParaRPr lang="en-GB"/>
+            </a:p>
+          </p:txBody>
+        </p:sp>
+        <p:sp>
+          <p:nvSpPr>
+            <p:cNvPr id="14" name="Freeform: Shape 13">
+              <a:extLst>
+                <a:ext uri="{FF2B5EF4-FFF2-40B4-BE49-F238E27FC236}">
+                  <a16:creationId xmlns:a16="http://schemas.microsoft.com/office/drawing/2014/main" id="{8BA31EA9-BB17-4854-9629-119BD63E744D}"/>
+                </a:ext>
+              </a:extLst>
+            </p:cNvPr>
+            <p:cNvSpPr/>
+            <p:nvPr/>
+          </p:nvSpPr>
+          <p:spPr>
+            <a:xfrm rot="9139227">
+              <a:off x="8119848" y="2695540"/>
+              <a:ext cx="318089" cy="409020"/>
+            </a:xfrm>
+            <a:custGeom>
+              <a:avLst/>
+              <a:gdLst>
+                <a:gd name="connsiteX0" fmla="*/ 12875 w 1099774"/>
+                <a:gd name="connsiteY0" fmla="*/ 864848 h 970151"/>
+                <a:gd name="connsiteX1" fmla="*/ 289100 w 1099774"/>
+                <a:gd name="connsiteY1" fmla="*/ 45698 h 970151"/>
+                <a:gd name="connsiteX2" fmla="*/ 870125 w 1099774"/>
+                <a:gd name="connsiteY2" fmla="*/ 136185 h 970151"/>
+                <a:gd name="connsiteX3" fmla="*/ 1060625 w 1099774"/>
+                <a:gd name="connsiteY3" fmla="*/ 402885 h 970151"/>
+                <a:gd name="connsiteX4" fmla="*/ 150988 w 1099774"/>
+                <a:gd name="connsiteY4" fmla="*/ 912473 h 970151"/>
+                <a:gd name="connsiteX5" fmla="*/ 12875 w 1099774"/>
+                <a:gd name="connsiteY5" fmla="*/ 864848 h 970151"/>
+              </a:gdLst>
+              <a:ahLst/>
+              <a:cxnLst>
+                <a:cxn ang="0">
+                  <a:pos x="connsiteX0" y="connsiteY0"/>
+                </a:cxn>
+                <a:cxn ang="0">
+                  <a:pos x="connsiteX1" y="connsiteY1"/>
+                </a:cxn>
+                <a:cxn ang="0">
+                  <a:pos x="connsiteX2" y="connsiteY2"/>
+                </a:cxn>
+                <a:cxn ang="0">
+                  <a:pos x="connsiteX3" y="connsiteY3"/>
+                </a:cxn>
+                <a:cxn ang="0">
+                  <a:pos x="connsiteX4" y="connsiteY4"/>
+                </a:cxn>
+                <a:cxn ang="0">
+                  <a:pos x="connsiteX5" y="connsiteY5"/>
+                </a:cxn>
+              </a:cxnLst>
+              <a:rect l="l" t="t" r="r" b="b"/>
+              <a:pathLst>
+                <a:path w="1099774" h="970151">
+                  <a:moveTo>
+                    <a:pt x="12875" y="864848"/>
+                  </a:moveTo>
+                  <a:cubicBezTo>
+                    <a:pt x="35894" y="720386"/>
+                    <a:pt x="146225" y="167142"/>
+                    <a:pt x="289100" y="45698"/>
+                  </a:cubicBezTo>
+                  <a:cubicBezTo>
+                    <a:pt x="431975" y="-75746"/>
+                    <a:pt x="741538" y="76654"/>
+                    <a:pt x="870125" y="136185"/>
+                  </a:cubicBezTo>
+                  <a:cubicBezTo>
+                    <a:pt x="998712" y="195716"/>
+                    <a:pt x="1180481" y="273504"/>
+                    <a:pt x="1060625" y="402885"/>
+                  </a:cubicBezTo>
+                  <a:cubicBezTo>
+                    <a:pt x="940769" y="532266"/>
+                    <a:pt x="323232" y="840242"/>
+                    <a:pt x="150988" y="912473"/>
+                  </a:cubicBezTo>
+                  <a:cubicBezTo>
+                    <a:pt x="-21256" y="984704"/>
+                    <a:pt x="-10144" y="1009310"/>
+                    <a:pt x="12875" y="864848"/>
+                  </a:cubicBezTo>
+                  <a:close/>
+                </a:path>
+              </a:pathLst>
+            </a:custGeom>
+            <a:solidFill>
+              <a:srgbClr val="63A96B"/>
+            </a:solidFill>
+            <a:ln>
+              <a:noFill/>
+            </a:ln>
+          </p:spPr>
+          <p:style>
+            <a:lnRef idx="2">
+              <a:schemeClr val="accent1">
+                <a:shade val="50000"/>
+              </a:schemeClr>
+            </a:lnRef>
+            <a:fillRef idx="1">
+              <a:schemeClr val="accent1"/>
+            </a:fillRef>
+            <a:effectRef idx="0">
+              <a:schemeClr val="accent1"/>
+            </a:effectRef>
+            <a:fontRef idx="minor">
+              <a:schemeClr val="lt1"/>
+            </a:fontRef>
+          </p:style>
+          <p:txBody>
+            <a:bodyPr rtlCol="0" anchor="ctr"/>
+            <a:lstStyle/>
+            <a:p>
+              <a:pPr algn="ctr"/>
+              <a:endParaRPr lang="en-GB"/>
+            </a:p>
+          </p:txBody>
+        </p:sp>
+        <p:sp>
+          <p:nvSpPr>
+            <p:cNvPr id="15" name="Freeform: Shape 14">
+              <a:extLst>
+                <a:ext uri="{FF2B5EF4-FFF2-40B4-BE49-F238E27FC236}">
+                  <a16:creationId xmlns:a16="http://schemas.microsoft.com/office/drawing/2014/main" id="{E398F5A6-8392-45F1-8AA2-9ED6D3B14C08}"/>
+                </a:ext>
+              </a:extLst>
+            </p:cNvPr>
+            <p:cNvSpPr/>
+            <p:nvPr/>
+          </p:nvSpPr>
+          <p:spPr>
+            <a:xfrm rot="18398267">
+              <a:off x="8107842" y="2106520"/>
+              <a:ext cx="318088" cy="409020"/>
+            </a:xfrm>
+            <a:custGeom>
+              <a:avLst/>
+              <a:gdLst>
+                <a:gd name="connsiteX0" fmla="*/ 12875 w 1099774"/>
+                <a:gd name="connsiteY0" fmla="*/ 864848 h 970151"/>
+                <a:gd name="connsiteX1" fmla="*/ 289100 w 1099774"/>
+                <a:gd name="connsiteY1" fmla="*/ 45698 h 970151"/>
+                <a:gd name="connsiteX2" fmla="*/ 870125 w 1099774"/>
+                <a:gd name="connsiteY2" fmla="*/ 136185 h 970151"/>
+                <a:gd name="connsiteX3" fmla="*/ 1060625 w 1099774"/>
+                <a:gd name="connsiteY3" fmla="*/ 402885 h 970151"/>
+                <a:gd name="connsiteX4" fmla="*/ 150988 w 1099774"/>
+                <a:gd name="connsiteY4" fmla="*/ 912473 h 970151"/>
+                <a:gd name="connsiteX5" fmla="*/ 12875 w 1099774"/>
+                <a:gd name="connsiteY5" fmla="*/ 864848 h 970151"/>
+              </a:gdLst>
+              <a:ahLst/>
+              <a:cxnLst>
+                <a:cxn ang="0">
+                  <a:pos x="connsiteX0" y="connsiteY0"/>
+                </a:cxn>
+                <a:cxn ang="0">
+                  <a:pos x="connsiteX1" y="connsiteY1"/>
+                </a:cxn>
+                <a:cxn ang="0">
+                  <a:pos x="connsiteX2" y="connsiteY2"/>
+                </a:cxn>
+                <a:cxn ang="0">
+                  <a:pos x="connsiteX3" y="connsiteY3"/>
+                </a:cxn>
+                <a:cxn ang="0">
+                  <a:pos x="connsiteX4" y="connsiteY4"/>
+                </a:cxn>
+                <a:cxn ang="0">
+                  <a:pos x="connsiteX5" y="connsiteY5"/>
+                </a:cxn>
+              </a:cxnLst>
+              <a:rect l="l" t="t" r="r" b="b"/>
+              <a:pathLst>
+                <a:path w="1099774" h="970151">
+                  <a:moveTo>
+                    <a:pt x="12875" y="864848"/>
+                  </a:moveTo>
+                  <a:cubicBezTo>
+                    <a:pt x="35894" y="720386"/>
+                    <a:pt x="146225" y="167142"/>
+                    <a:pt x="289100" y="45698"/>
+                  </a:cubicBezTo>
+                  <a:cubicBezTo>
+                    <a:pt x="431975" y="-75746"/>
+                    <a:pt x="741538" y="76654"/>
+                    <a:pt x="870125" y="136185"/>
+                  </a:cubicBezTo>
+                  <a:cubicBezTo>
+                    <a:pt x="998712" y="195716"/>
+                    <a:pt x="1180481" y="273504"/>
+                    <a:pt x="1060625" y="402885"/>
+                  </a:cubicBezTo>
+                  <a:cubicBezTo>
+                    <a:pt x="940769" y="532266"/>
+                    <a:pt x="323232" y="840242"/>
+                    <a:pt x="150988" y="912473"/>
+                  </a:cubicBezTo>
+                  <a:cubicBezTo>
+                    <a:pt x="-21256" y="984704"/>
+                    <a:pt x="-10144" y="1009310"/>
+                    <a:pt x="12875" y="864848"/>
+                  </a:cubicBezTo>
+                  <a:close/>
+                </a:path>
+              </a:pathLst>
+            </a:custGeom>
+            <a:solidFill>
+              <a:srgbClr val="63A96B"/>
+            </a:solidFill>
+            <a:ln>
+              <a:solidFill>
+                <a:srgbClr val="63A96B"/>
+              </a:solidFill>
+            </a:ln>
+          </p:spPr>
+          <p:style>
+            <a:lnRef idx="2">
+              <a:schemeClr val="accent1">
+                <a:shade val="50000"/>
+              </a:schemeClr>
+            </a:lnRef>
+            <a:fillRef idx="1">
+              <a:schemeClr val="accent1"/>
+            </a:fillRef>
+            <a:effectRef idx="0">
+              <a:schemeClr val="accent1"/>
+            </a:effectRef>
+            <a:fontRef idx="minor">
+              <a:schemeClr val="lt1"/>
+            </a:fontRef>
+          </p:style>
+          <p:txBody>
+            <a:bodyPr rtlCol="0" anchor="ctr"/>
+            <a:lstStyle/>
+            <a:p>
+              <a:pPr algn="ctr"/>
+              <a:endParaRPr lang="en-GB"/>
+            </a:p>
+          </p:txBody>
+        </p:sp>
+        <p:sp>
+          <p:nvSpPr>
+            <p:cNvPr id="16" name="Freeform: Shape 15">
+              <a:extLst>
+                <a:ext uri="{FF2B5EF4-FFF2-40B4-BE49-F238E27FC236}">
+                  <a16:creationId xmlns:a16="http://schemas.microsoft.com/office/drawing/2014/main" id="{F4CEB1E4-4F2A-476B-AB5D-01C8522C61DC}"/>
+                </a:ext>
+              </a:extLst>
+            </p:cNvPr>
+            <p:cNvSpPr/>
+            <p:nvPr/>
+          </p:nvSpPr>
+          <p:spPr>
+            <a:xfrm rot="12352910">
+              <a:off x="7909798" y="2519947"/>
+              <a:ext cx="318089" cy="409020"/>
+            </a:xfrm>
+            <a:custGeom>
+              <a:avLst/>
+              <a:gdLst>
+                <a:gd name="connsiteX0" fmla="*/ 12875 w 1099774"/>
+                <a:gd name="connsiteY0" fmla="*/ 864848 h 970151"/>
+                <a:gd name="connsiteX1" fmla="*/ 289100 w 1099774"/>
+                <a:gd name="connsiteY1" fmla="*/ 45698 h 970151"/>
+                <a:gd name="connsiteX2" fmla="*/ 870125 w 1099774"/>
+                <a:gd name="connsiteY2" fmla="*/ 136185 h 970151"/>
+                <a:gd name="connsiteX3" fmla="*/ 1060625 w 1099774"/>
+                <a:gd name="connsiteY3" fmla="*/ 402885 h 970151"/>
+                <a:gd name="connsiteX4" fmla="*/ 150988 w 1099774"/>
+                <a:gd name="connsiteY4" fmla="*/ 912473 h 970151"/>
+                <a:gd name="connsiteX5" fmla="*/ 12875 w 1099774"/>
+                <a:gd name="connsiteY5" fmla="*/ 864848 h 970151"/>
+              </a:gdLst>
+              <a:ahLst/>
+              <a:cxnLst>
+                <a:cxn ang="0">
+                  <a:pos x="connsiteX0" y="connsiteY0"/>
+                </a:cxn>
+                <a:cxn ang="0">
+                  <a:pos x="connsiteX1" y="connsiteY1"/>
+                </a:cxn>
+                <a:cxn ang="0">
+                  <a:pos x="connsiteX2" y="connsiteY2"/>
+                </a:cxn>
+                <a:cxn ang="0">
+                  <a:pos x="connsiteX3" y="connsiteY3"/>
+                </a:cxn>
+                <a:cxn ang="0">
+                  <a:pos x="connsiteX4" y="connsiteY4"/>
+                </a:cxn>
+                <a:cxn ang="0">
+                  <a:pos x="connsiteX5" y="connsiteY5"/>
+                </a:cxn>
+              </a:cxnLst>
+              <a:rect l="l" t="t" r="r" b="b"/>
+              <a:pathLst>
+                <a:path w="1099774" h="970151">
+                  <a:moveTo>
+                    <a:pt x="12875" y="864848"/>
+                  </a:moveTo>
+                  <a:cubicBezTo>
+                    <a:pt x="35894" y="720386"/>
+                    <a:pt x="146225" y="167142"/>
+                    <a:pt x="289100" y="45698"/>
+                  </a:cubicBezTo>
+                  <a:cubicBezTo>
+                    <a:pt x="431975" y="-75746"/>
+                    <a:pt x="741538" y="76654"/>
+                    <a:pt x="870125" y="136185"/>
+                  </a:cubicBezTo>
+                  <a:cubicBezTo>
+                    <a:pt x="998712" y="195716"/>
+                    <a:pt x="1180481" y="273504"/>
+                    <a:pt x="1060625" y="402885"/>
+                  </a:cubicBezTo>
+                  <a:cubicBezTo>
+                    <a:pt x="940769" y="532266"/>
+                    <a:pt x="323232" y="840242"/>
+                    <a:pt x="150988" y="912473"/>
+                  </a:cubicBezTo>
+                  <a:cubicBezTo>
+                    <a:pt x="-21256" y="984704"/>
+                    <a:pt x="-10144" y="1009310"/>
+                    <a:pt x="12875" y="864848"/>
+                  </a:cubicBezTo>
+                  <a:close/>
+                </a:path>
+              </a:pathLst>
+            </a:custGeom>
+            <a:solidFill>
+              <a:srgbClr val="63A96B"/>
+            </a:solidFill>
+            <a:ln>
+              <a:solidFill>
+                <a:srgbClr val="63A96B"/>
+              </a:solidFill>
+            </a:ln>
+          </p:spPr>
+          <p:style>
+            <a:lnRef idx="2">
+              <a:schemeClr val="accent1">
+                <a:shade val="50000"/>
+              </a:schemeClr>
+            </a:lnRef>
+            <a:fillRef idx="1">
+              <a:schemeClr val="accent1"/>
+            </a:fillRef>
+            <a:effectRef idx="0">
+              <a:schemeClr val="accent1"/>
+            </a:effectRef>
+            <a:fontRef idx="minor">
+              <a:schemeClr val="lt1"/>
+            </a:fontRef>
+          </p:style>
+          <p:txBody>
+            <a:bodyPr rtlCol="0" anchor="ctr"/>
+            <a:lstStyle/>
+            <a:p>
+              <a:pPr algn="ctr"/>
+              <a:endParaRPr lang="en-GB"/>
+            </a:p>
+          </p:txBody>
+        </p:sp>
+        <p:sp>
+          <p:nvSpPr>
+            <p:cNvPr id="17" name="Freeform: Shape 16">
+              <a:extLst>
+                <a:ext uri="{FF2B5EF4-FFF2-40B4-BE49-F238E27FC236}">
+                  <a16:creationId xmlns:a16="http://schemas.microsoft.com/office/drawing/2014/main" id="{856EDF26-AB88-4745-908F-BD8742D584F6}"/>
+                </a:ext>
+              </a:extLst>
+            </p:cNvPr>
+            <p:cNvSpPr/>
+            <p:nvPr/>
+          </p:nvSpPr>
+          <p:spPr>
+            <a:xfrm rot="15304341">
+              <a:off x="7903500" y="2270243"/>
+              <a:ext cx="318088" cy="409020"/>
+            </a:xfrm>
+            <a:custGeom>
+              <a:avLst/>
+              <a:gdLst>
+                <a:gd name="connsiteX0" fmla="*/ 12875 w 1099774"/>
+                <a:gd name="connsiteY0" fmla="*/ 864848 h 970151"/>
+                <a:gd name="connsiteX1" fmla="*/ 289100 w 1099774"/>
+                <a:gd name="connsiteY1" fmla="*/ 45698 h 970151"/>
+                <a:gd name="connsiteX2" fmla="*/ 870125 w 1099774"/>
+                <a:gd name="connsiteY2" fmla="*/ 136185 h 970151"/>
+                <a:gd name="connsiteX3" fmla="*/ 1060625 w 1099774"/>
+                <a:gd name="connsiteY3" fmla="*/ 402885 h 970151"/>
+                <a:gd name="connsiteX4" fmla="*/ 150988 w 1099774"/>
+                <a:gd name="connsiteY4" fmla="*/ 912473 h 970151"/>
+                <a:gd name="connsiteX5" fmla="*/ 12875 w 1099774"/>
+                <a:gd name="connsiteY5" fmla="*/ 864848 h 970151"/>
+              </a:gdLst>
+              <a:ahLst/>
+              <a:cxnLst>
+                <a:cxn ang="0">
+                  <a:pos x="connsiteX0" y="connsiteY0"/>
+                </a:cxn>
+                <a:cxn ang="0">
+                  <a:pos x="connsiteX1" y="connsiteY1"/>
+                </a:cxn>
+                <a:cxn ang="0">
+                  <a:pos x="connsiteX2" y="connsiteY2"/>
+                </a:cxn>
+                <a:cxn ang="0">
+                  <a:pos x="connsiteX3" y="connsiteY3"/>
+                </a:cxn>
+                <a:cxn ang="0">
+                  <a:pos x="connsiteX4" y="connsiteY4"/>
+                </a:cxn>
+                <a:cxn ang="0">
+                  <a:pos x="connsiteX5" y="connsiteY5"/>
+                </a:cxn>
+              </a:cxnLst>
+              <a:rect l="l" t="t" r="r" b="b"/>
+              <a:pathLst>
+                <a:path w="1099774" h="970151">
+                  <a:moveTo>
+                    <a:pt x="12875" y="864848"/>
+                  </a:moveTo>
+                  <a:cubicBezTo>
+                    <a:pt x="35894" y="720386"/>
+                    <a:pt x="146225" y="167142"/>
+                    <a:pt x="289100" y="45698"/>
+                  </a:cubicBezTo>
+                  <a:cubicBezTo>
+                    <a:pt x="431975" y="-75746"/>
+                    <a:pt x="741538" y="76654"/>
+                    <a:pt x="870125" y="136185"/>
+                  </a:cubicBezTo>
+                  <a:cubicBezTo>
+                    <a:pt x="998712" y="195716"/>
+                    <a:pt x="1180481" y="273504"/>
+                    <a:pt x="1060625" y="402885"/>
+                  </a:cubicBezTo>
+                  <a:cubicBezTo>
+                    <a:pt x="940769" y="532266"/>
+                    <a:pt x="323232" y="840242"/>
+                    <a:pt x="150988" y="912473"/>
+                  </a:cubicBezTo>
+                  <a:cubicBezTo>
+                    <a:pt x="-21256" y="984704"/>
+                    <a:pt x="-10144" y="1009310"/>
+                    <a:pt x="12875" y="864848"/>
+                  </a:cubicBezTo>
+                  <a:close/>
+                </a:path>
+              </a:pathLst>
+            </a:custGeom>
+            <a:solidFill>
+              <a:srgbClr val="63A96B"/>
+            </a:solidFill>
+            <a:ln>
+              <a:solidFill>
+                <a:srgbClr val="63A96B"/>
+              </a:solidFill>
+            </a:ln>
+          </p:spPr>
+          <p:style>
+            <a:lnRef idx="2">
+              <a:schemeClr val="accent1">
+                <a:shade val="50000"/>
+              </a:schemeClr>
+            </a:lnRef>
+            <a:fillRef idx="1">
+              <a:schemeClr val="accent1"/>
+            </a:fillRef>
+            <a:effectRef idx="0">
+              <a:schemeClr val="accent1"/>
+            </a:effectRef>
+            <a:fontRef idx="minor">
+              <a:schemeClr val="lt1"/>
+            </a:fontRef>
+          </p:style>
+          <p:txBody>
+            <a:bodyPr rtlCol="0" anchor="ctr"/>
+            <a:lstStyle/>
+            <a:p>
+              <a:pPr algn="ctr"/>
+              <a:endParaRPr lang="en-GB"/>
+            </a:p>
+          </p:txBody>
+        </p:sp>
+        <p:sp>
+          <p:nvSpPr>
+            <p:cNvPr id="10" name="Oval 9">
+              <a:extLst>
+                <a:ext uri="{FF2B5EF4-FFF2-40B4-BE49-F238E27FC236}">
+                  <a16:creationId xmlns:a16="http://schemas.microsoft.com/office/drawing/2014/main" id="{57158B9D-DDAE-4364-B52A-E66C7BCA2C1D}"/>
+                </a:ext>
+              </a:extLst>
+            </p:cNvPr>
+            <p:cNvSpPr/>
+            <p:nvPr/>
+          </p:nvSpPr>
+          <p:spPr>
+            <a:xfrm>
+              <a:off x="8209561" y="2471036"/>
+              <a:ext cx="266008" cy="266008"/>
+            </a:xfrm>
+            <a:prstGeom prst="ellipse">
+              <a:avLst/>
+            </a:prstGeom>
+            <a:solidFill>
+              <a:srgbClr val="63A96B"/>
+            </a:solidFill>
+            <a:ln>
+              <a:noFill/>
+            </a:ln>
+          </p:spPr>
+          <p:style>
+            <a:lnRef idx="2">
+              <a:schemeClr val="accent1">
+                <a:shade val="50000"/>
+              </a:schemeClr>
+            </a:lnRef>
+            <a:fillRef idx="1">
+              <a:schemeClr val="accent1"/>
+            </a:fillRef>
+            <a:effectRef idx="0">
+              <a:schemeClr val="accent1"/>
+            </a:effectRef>
+            <a:fontRef idx="minor">
+              <a:schemeClr val="lt1"/>
+            </a:fontRef>
+          </p:style>
+          <p:txBody>
+            <a:bodyPr rtlCol="0" anchor="ctr"/>
+            <a:lstStyle/>
+            <a:p>
+              <a:pPr algn="ctr"/>
+              <a:endParaRPr lang="en-GB" dirty="0"/>
+            </a:p>
+          </p:txBody>
+        </p:sp>
+        <p:sp>
+          <p:nvSpPr>
+            <p:cNvPr id="20" name="Flowchart: Alternate Process 19">
+              <a:extLst>
+                <a:ext uri="{FF2B5EF4-FFF2-40B4-BE49-F238E27FC236}">
+                  <a16:creationId xmlns:a16="http://schemas.microsoft.com/office/drawing/2014/main" id="{F532A59D-CD33-46D0-BAD0-1AA15CCDF501}"/>
+                </a:ext>
+              </a:extLst>
+            </p:cNvPr>
+            <p:cNvSpPr/>
+            <p:nvPr/>
+          </p:nvSpPr>
+          <p:spPr>
+            <a:xfrm>
+              <a:off x="7891507" y="4182795"/>
+              <a:ext cx="952232" cy="166748"/>
+            </a:xfrm>
+            <a:prstGeom prst="flowChartAlternateProcess">
+              <a:avLst/>
+            </a:prstGeom>
+            <a:solidFill>
+              <a:srgbClr val="63A96B"/>
+            </a:solidFill>
+            <a:ln>
+              <a:solidFill>
+                <a:schemeClr val="accent6">
+                  <a:lumMod val="40000"/>
+                  <a:lumOff val="60000"/>
+                </a:schemeClr>
+              </a:solidFill>
+            </a:ln>
+          </p:spPr>
+          <p:style>
+            <a:lnRef idx="2">
+              <a:schemeClr val="accent1">
+                <a:shade val="50000"/>
+              </a:schemeClr>
+            </a:lnRef>
+            <a:fillRef idx="1">
+              <a:schemeClr val="accent1"/>
+            </a:fillRef>
+            <a:effectRef idx="0">
+              <a:schemeClr val="accent1"/>
+            </a:effectRef>
+            <a:fontRef idx="minor">
+              <a:schemeClr val="lt1"/>
+            </a:fontRef>
+          </p:style>
+          <p:txBody>
+            <a:bodyPr rtlCol="0" anchor="ctr"/>
+            <a:lstStyle/>
+            <a:p>
+              <a:pPr algn="ctr"/>
+              <a:endParaRPr lang="en-GB"/>
+            </a:p>
+          </p:txBody>
+        </p:sp>
+        <p:sp>
+          <p:nvSpPr>
+            <p:cNvPr id="21" name="Flowchart: Alternate Process 20">
+              <a:extLst>
+                <a:ext uri="{FF2B5EF4-FFF2-40B4-BE49-F238E27FC236}">
+                  <a16:creationId xmlns:a16="http://schemas.microsoft.com/office/drawing/2014/main" id="{220739E6-04CD-42C2-A4F3-77075DE49083}"/>
+                </a:ext>
+              </a:extLst>
+            </p:cNvPr>
+            <p:cNvSpPr/>
+            <p:nvPr/>
+          </p:nvSpPr>
+          <p:spPr>
+            <a:xfrm>
+              <a:off x="7816331" y="4257918"/>
+              <a:ext cx="1102585" cy="166748"/>
+            </a:xfrm>
+            <a:prstGeom prst="flowChartAlternateProcess">
+              <a:avLst/>
+            </a:prstGeom>
+            <a:solidFill>
+              <a:srgbClr val="63A96B"/>
+            </a:solidFill>
+            <a:ln>
+              <a:solidFill>
+                <a:schemeClr val="accent6">
+                  <a:lumMod val="40000"/>
+                  <a:lumOff val="60000"/>
+                </a:schemeClr>
+              </a:solidFill>
+            </a:ln>
+          </p:spPr>
+          <p:style>
+            <a:lnRef idx="2">
+              <a:schemeClr val="accent1">
+                <a:shade val="50000"/>
+              </a:schemeClr>
+            </a:lnRef>
+            <a:fillRef idx="1">
+              <a:schemeClr val="accent1"/>
+            </a:fillRef>
+            <a:effectRef idx="0">
+              <a:schemeClr val="accent1"/>
+            </a:effectRef>
+            <a:fontRef idx="minor">
+              <a:schemeClr val="lt1"/>
+            </a:fontRef>
+          </p:style>
+          <p:txBody>
+            <a:bodyPr rtlCol="0" anchor="ctr"/>
+            <a:lstStyle/>
+            <a:p>
+              <a:pPr algn="ctr"/>
+              <a:endParaRPr lang="en-GB"/>
+            </a:p>
+          </p:txBody>
+        </p:sp>
+        <p:sp>
+          <p:nvSpPr>
+            <p:cNvPr id="8" name="Flowchart: Alternate Process 7">
+              <a:extLst>
+                <a:ext uri="{FF2B5EF4-FFF2-40B4-BE49-F238E27FC236}">
+                  <a16:creationId xmlns:a16="http://schemas.microsoft.com/office/drawing/2014/main" id="{AD386DC8-DBCF-4AE4-A846-141B43CA6C56}"/>
+                </a:ext>
+              </a:extLst>
+            </p:cNvPr>
+            <p:cNvSpPr/>
+            <p:nvPr/>
+          </p:nvSpPr>
+          <p:spPr>
+            <a:xfrm>
+              <a:off x="7748204" y="4371956"/>
+              <a:ext cx="1238839" cy="166748"/>
+            </a:xfrm>
+            <a:prstGeom prst="flowChartAlternateProcess">
+              <a:avLst/>
+            </a:prstGeom>
+            <a:solidFill>
+              <a:srgbClr val="63A96B"/>
+            </a:solidFill>
+            <a:ln>
+              <a:solidFill>
+                <a:schemeClr val="accent6">
+                  <a:lumMod val="40000"/>
+                  <a:lumOff val="60000"/>
+                </a:schemeClr>
+              </a:solidFill>
+            </a:ln>
+          </p:spPr>
+          <p:style>
+            <a:lnRef idx="2">
+              <a:schemeClr val="accent1">
+                <a:shade val="50000"/>
+              </a:schemeClr>
+            </a:lnRef>
+            <a:fillRef idx="1">
+              <a:schemeClr val="accent1"/>
+            </a:fillRef>
+            <a:effectRef idx="0">
+              <a:schemeClr val="accent1"/>
+            </a:effectRef>
+            <a:fontRef idx="minor">
+              <a:schemeClr val="lt1"/>
+            </a:fontRef>
+          </p:style>
+          <p:txBody>
+            <a:bodyPr rtlCol="0" anchor="ctr"/>
+            <a:lstStyle/>
+            <a:p>
+              <a:pPr algn="ctr"/>
+              <a:endParaRPr lang="en-GB"/>
+            </a:p>
+          </p:txBody>
+        </p:sp>
+        <p:sp>
+          <p:nvSpPr>
+            <p:cNvPr id="9" name="Freeform: Shape 8">
+              <a:extLst>
+                <a:ext uri="{FF2B5EF4-FFF2-40B4-BE49-F238E27FC236}">
+                  <a16:creationId xmlns:a16="http://schemas.microsoft.com/office/drawing/2014/main" id="{89D96E77-C4A4-4271-896A-12B658AB2596}"/>
+                </a:ext>
+              </a:extLst>
+            </p:cNvPr>
+            <p:cNvSpPr/>
+            <p:nvPr/>
+          </p:nvSpPr>
+          <p:spPr>
+            <a:xfrm>
+              <a:off x="8021024" y="3715226"/>
+              <a:ext cx="31824" cy="389291"/>
+            </a:xfrm>
+            <a:custGeom>
+              <a:avLst/>
+              <a:gdLst>
+                <a:gd name="connsiteX0" fmla="*/ 89346 w 357121"/>
+                <a:gd name="connsiteY0" fmla="*/ 2921000 h 2921000"/>
+                <a:gd name="connsiteX1" fmla="*/ 356046 w 357121"/>
+                <a:gd name="connsiteY1" fmla="*/ 2197100 h 2921000"/>
+                <a:gd name="connsiteX2" fmla="*/ 446 w 357121"/>
+                <a:gd name="connsiteY2" fmla="*/ 1308100 h 2921000"/>
+                <a:gd name="connsiteX3" fmla="*/ 279846 w 357121"/>
+                <a:gd name="connsiteY3" fmla="*/ 546100 h 2921000"/>
+                <a:gd name="connsiteX4" fmla="*/ 178246 w 357121"/>
+                <a:gd name="connsiteY4" fmla="*/ 0 h 2921000"/>
+              </a:gdLst>
+              <a:ahLst/>
+              <a:cxnLst>
+                <a:cxn ang="0">
+                  <a:pos x="connsiteX0" y="connsiteY0"/>
+                </a:cxn>
+                <a:cxn ang="0">
+                  <a:pos x="connsiteX1" y="connsiteY1"/>
+                </a:cxn>
+                <a:cxn ang="0">
+                  <a:pos x="connsiteX2" y="connsiteY2"/>
+                </a:cxn>
+                <a:cxn ang="0">
+                  <a:pos x="connsiteX3" y="connsiteY3"/>
+                </a:cxn>
+                <a:cxn ang="0">
+                  <a:pos x="connsiteX4" y="connsiteY4"/>
+                </a:cxn>
+              </a:cxnLst>
+              <a:rect l="l" t="t" r="r" b="b"/>
+              <a:pathLst>
+                <a:path w="357121" h="2921000">
+                  <a:moveTo>
+                    <a:pt x="89346" y="2921000"/>
+                  </a:moveTo>
+                  <a:cubicBezTo>
+                    <a:pt x="230104" y="2693458"/>
+                    <a:pt x="370863" y="2465917"/>
+                    <a:pt x="356046" y="2197100"/>
+                  </a:cubicBezTo>
+                  <a:cubicBezTo>
+                    <a:pt x="341229" y="1928283"/>
+                    <a:pt x="13146" y="1583267"/>
+                    <a:pt x="446" y="1308100"/>
+                  </a:cubicBezTo>
+                  <a:cubicBezTo>
+                    <a:pt x="-12254" y="1032933"/>
+                    <a:pt x="250213" y="764117"/>
+                    <a:pt x="279846" y="546100"/>
+                  </a:cubicBezTo>
+                  <a:cubicBezTo>
+                    <a:pt x="309479" y="328083"/>
+                    <a:pt x="243862" y="164041"/>
+                    <a:pt x="178246" y="0"/>
+                  </a:cubicBezTo>
+                </a:path>
+              </a:pathLst>
+            </a:custGeom>
+            <a:solidFill>
+              <a:srgbClr val="FF0000"/>
+            </a:solidFill>
+            <a:ln>
+              <a:solidFill>
+                <a:srgbClr val="FF0000"/>
+              </a:solidFill>
+            </a:ln>
+          </p:spPr>
+          <p:style>
+            <a:lnRef idx="2">
+              <a:schemeClr val="accent1">
+                <a:shade val="50000"/>
+              </a:schemeClr>
+            </a:lnRef>
+            <a:fillRef idx="1">
+              <a:schemeClr val="accent1"/>
+            </a:fillRef>
+            <a:effectRef idx="0">
+              <a:schemeClr val="accent1"/>
+            </a:effectRef>
+            <a:fontRef idx="minor">
+              <a:schemeClr val="lt1"/>
+            </a:fontRef>
+          </p:style>
+          <p:txBody>
+            <a:bodyPr rtlCol="0" anchor="ctr"/>
+            <a:lstStyle/>
+            <a:p>
+              <a:pPr algn="ctr"/>
+              <a:endParaRPr lang="en-GB"/>
+            </a:p>
+          </p:txBody>
+        </p:sp>
+        <p:sp>
+          <p:nvSpPr>
+            <p:cNvPr id="23" name="Freeform: Shape 22">
+              <a:extLst>
+                <a:ext uri="{FF2B5EF4-FFF2-40B4-BE49-F238E27FC236}">
+                  <a16:creationId xmlns:a16="http://schemas.microsoft.com/office/drawing/2014/main" id="{B3A10F57-91AA-4825-B8B1-8D5CFC763005}"/>
+                </a:ext>
+              </a:extLst>
+            </p:cNvPr>
+            <p:cNvSpPr/>
+            <p:nvPr/>
+          </p:nvSpPr>
+          <p:spPr>
+            <a:xfrm>
+              <a:off x="8384384" y="3725011"/>
+              <a:ext cx="31824" cy="389291"/>
+            </a:xfrm>
+            <a:custGeom>
+              <a:avLst/>
+              <a:gdLst>
+                <a:gd name="connsiteX0" fmla="*/ 89346 w 357121"/>
+                <a:gd name="connsiteY0" fmla="*/ 2921000 h 2921000"/>
+                <a:gd name="connsiteX1" fmla="*/ 356046 w 357121"/>
+                <a:gd name="connsiteY1" fmla="*/ 2197100 h 2921000"/>
+                <a:gd name="connsiteX2" fmla="*/ 446 w 357121"/>
+                <a:gd name="connsiteY2" fmla="*/ 1308100 h 2921000"/>
+                <a:gd name="connsiteX3" fmla="*/ 279846 w 357121"/>
+                <a:gd name="connsiteY3" fmla="*/ 546100 h 2921000"/>
+                <a:gd name="connsiteX4" fmla="*/ 178246 w 357121"/>
+                <a:gd name="connsiteY4" fmla="*/ 0 h 2921000"/>
+              </a:gdLst>
+              <a:ahLst/>
+              <a:cxnLst>
+                <a:cxn ang="0">
+                  <a:pos x="connsiteX0" y="connsiteY0"/>
+                </a:cxn>
+                <a:cxn ang="0">
+                  <a:pos x="connsiteX1" y="connsiteY1"/>
+                </a:cxn>
+                <a:cxn ang="0">
+                  <a:pos x="connsiteX2" y="connsiteY2"/>
+                </a:cxn>
+                <a:cxn ang="0">
+                  <a:pos x="connsiteX3" y="connsiteY3"/>
+                </a:cxn>
+                <a:cxn ang="0">
+                  <a:pos x="connsiteX4" y="connsiteY4"/>
+                </a:cxn>
+              </a:cxnLst>
+              <a:rect l="l" t="t" r="r" b="b"/>
+              <a:pathLst>
+                <a:path w="357121" h="2921000">
+                  <a:moveTo>
+                    <a:pt x="89346" y="2921000"/>
+                  </a:moveTo>
+                  <a:cubicBezTo>
+                    <a:pt x="230104" y="2693458"/>
+                    <a:pt x="370863" y="2465917"/>
+                    <a:pt x="356046" y="2197100"/>
+                  </a:cubicBezTo>
+                  <a:cubicBezTo>
+                    <a:pt x="341229" y="1928283"/>
+                    <a:pt x="13146" y="1583267"/>
+                    <a:pt x="446" y="1308100"/>
+                  </a:cubicBezTo>
+                  <a:cubicBezTo>
+                    <a:pt x="-12254" y="1032933"/>
+                    <a:pt x="250213" y="764117"/>
+                    <a:pt x="279846" y="546100"/>
+                  </a:cubicBezTo>
+                  <a:cubicBezTo>
+                    <a:pt x="309479" y="328083"/>
+                    <a:pt x="243862" y="164041"/>
+                    <a:pt x="178246" y="0"/>
+                  </a:cubicBezTo>
+                </a:path>
+              </a:pathLst>
+            </a:custGeom>
+            <a:solidFill>
+              <a:srgbClr val="FF0000"/>
+            </a:solidFill>
+            <a:ln>
+              <a:solidFill>
+                <a:srgbClr val="FF0000"/>
+              </a:solidFill>
+            </a:ln>
+          </p:spPr>
+          <p:style>
+            <a:lnRef idx="2">
+              <a:schemeClr val="accent1">
+                <a:shade val="50000"/>
+              </a:schemeClr>
+            </a:lnRef>
+            <a:fillRef idx="1">
+              <a:schemeClr val="accent1"/>
+            </a:fillRef>
+            <a:effectRef idx="0">
+              <a:schemeClr val="accent1"/>
+            </a:effectRef>
+            <a:fontRef idx="minor">
+              <a:schemeClr val="lt1"/>
+            </a:fontRef>
+          </p:style>
+          <p:txBody>
+            <a:bodyPr rtlCol="0" anchor="ctr"/>
+            <a:lstStyle/>
+            <a:p>
+              <a:pPr algn="ctr"/>
+              <a:endParaRPr lang="en-GB"/>
+            </a:p>
+          </p:txBody>
+        </p:sp>
+        <p:sp>
+          <p:nvSpPr>
+            <p:cNvPr id="24" name="Freeform: Shape 23">
+              <a:extLst>
+                <a:ext uri="{FF2B5EF4-FFF2-40B4-BE49-F238E27FC236}">
+                  <a16:creationId xmlns:a16="http://schemas.microsoft.com/office/drawing/2014/main" id="{B9093827-570D-4F5E-BB88-D3E393A5C510}"/>
+                </a:ext>
+              </a:extLst>
+            </p:cNvPr>
+            <p:cNvSpPr/>
+            <p:nvPr/>
+          </p:nvSpPr>
+          <p:spPr>
+            <a:xfrm>
+              <a:off x="8214191" y="3551071"/>
+              <a:ext cx="31824" cy="389291"/>
+            </a:xfrm>
+            <a:custGeom>
+              <a:avLst/>
+              <a:gdLst>
+                <a:gd name="connsiteX0" fmla="*/ 89346 w 357121"/>
+                <a:gd name="connsiteY0" fmla="*/ 2921000 h 2921000"/>
+                <a:gd name="connsiteX1" fmla="*/ 356046 w 357121"/>
+                <a:gd name="connsiteY1" fmla="*/ 2197100 h 2921000"/>
+                <a:gd name="connsiteX2" fmla="*/ 446 w 357121"/>
+                <a:gd name="connsiteY2" fmla="*/ 1308100 h 2921000"/>
+                <a:gd name="connsiteX3" fmla="*/ 279846 w 357121"/>
+                <a:gd name="connsiteY3" fmla="*/ 546100 h 2921000"/>
+                <a:gd name="connsiteX4" fmla="*/ 178246 w 357121"/>
+                <a:gd name="connsiteY4" fmla="*/ 0 h 2921000"/>
+              </a:gdLst>
+              <a:ahLst/>
+              <a:cxnLst>
+                <a:cxn ang="0">
+                  <a:pos x="connsiteX0" y="connsiteY0"/>
+                </a:cxn>
+                <a:cxn ang="0">
+                  <a:pos x="connsiteX1" y="connsiteY1"/>
+                </a:cxn>
+                <a:cxn ang="0">
+                  <a:pos x="connsiteX2" y="connsiteY2"/>
+                </a:cxn>
+                <a:cxn ang="0">
+                  <a:pos x="connsiteX3" y="connsiteY3"/>
+                </a:cxn>
+                <a:cxn ang="0">
+                  <a:pos x="connsiteX4" y="connsiteY4"/>
+                </a:cxn>
+              </a:cxnLst>
+              <a:rect l="l" t="t" r="r" b="b"/>
+              <a:pathLst>
+                <a:path w="357121" h="2921000">
+                  <a:moveTo>
+                    <a:pt x="89346" y="2921000"/>
+                  </a:moveTo>
+                  <a:cubicBezTo>
+                    <a:pt x="230104" y="2693458"/>
+                    <a:pt x="370863" y="2465917"/>
+                    <a:pt x="356046" y="2197100"/>
+                  </a:cubicBezTo>
+                  <a:cubicBezTo>
+                    <a:pt x="341229" y="1928283"/>
+                    <a:pt x="13146" y="1583267"/>
+                    <a:pt x="446" y="1308100"/>
+                  </a:cubicBezTo>
+                  <a:cubicBezTo>
+                    <a:pt x="-12254" y="1032933"/>
+                    <a:pt x="250213" y="764117"/>
+                    <a:pt x="279846" y="546100"/>
+                  </a:cubicBezTo>
+                  <a:cubicBezTo>
+                    <a:pt x="309479" y="328083"/>
+                    <a:pt x="243862" y="164041"/>
+                    <a:pt x="178246" y="0"/>
+                  </a:cubicBezTo>
+                </a:path>
+              </a:pathLst>
+            </a:custGeom>
+            <a:solidFill>
+              <a:srgbClr val="FF0000"/>
+            </a:solidFill>
+            <a:ln>
+              <a:solidFill>
+                <a:srgbClr val="FF0000"/>
+              </a:solidFill>
+            </a:ln>
+          </p:spPr>
+          <p:style>
+            <a:lnRef idx="2">
+              <a:schemeClr val="accent1">
+                <a:shade val="50000"/>
+              </a:schemeClr>
+            </a:lnRef>
+            <a:fillRef idx="1">
+              <a:schemeClr val="accent1"/>
+            </a:fillRef>
+            <a:effectRef idx="0">
+              <a:schemeClr val="accent1"/>
+            </a:effectRef>
+            <a:fontRef idx="minor">
+              <a:schemeClr val="lt1"/>
+            </a:fontRef>
+          </p:style>
+          <p:txBody>
+            <a:bodyPr rtlCol="0" anchor="ctr"/>
+            <a:lstStyle/>
+            <a:p>
+              <a:pPr algn="ctr"/>
+              <a:endParaRPr lang="en-GB"/>
+            </a:p>
+          </p:txBody>
+        </p:sp>
+        <p:sp>
+          <p:nvSpPr>
+            <p:cNvPr id="25" name="Freeform: Shape 24">
+              <a:extLst>
+                <a:ext uri="{FF2B5EF4-FFF2-40B4-BE49-F238E27FC236}">
+                  <a16:creationId xmlns:a16="http://schemas.microsoft.com/office/drawing/2014/main" id="{D71939AB-C4EB-428E-82EC-01641732A88A}"/>
+                </a:ext>
+              </a:extLst>
+            </p:cNvPr>
+            <p:cNvSpPr/>
+            <p:nvPr/>
+          </p:nvSpPr>
+          <p:spPr>
+            <a:xfrm>
+              <a:off x="8561947" y="3520580"/>
+              <a:ext cx="31824" cy="389291"/>
+            </a:xfrm>
+            <a:custGeom>
+              <a:avLst/>
+              <a:gdLst>
+                <a:gd name="connsiteX0" fmla="*/ 89346 w 357121"/>
+                <a:gd name="connsiteY0" fmla="*/ 2921000 h 2921000"/>
+                <a:gd name="connsiteX1" fmla="*/ 356046 w 357121"/>
+                <a:gd name="connsiteY1" fmla="*/ 2197100 h 2921000"/>
+                <a:gd name="connsiteX2" fmla="*/ 446 w 357121"/>
+                <a:gd name="connsiteY2" fmla="*/ 1308100 h 2921000"/>
+                <a:gd name="connsiteX3" fmla="*/ 279846 w 357121"/>
+                <a:gd name="connsiteY3" fmla="*/ 546100 h 2921000"/>
+                <a:gd name="connsiteX4" fmla="*/ 178246 w 357121"/>
+                <a:gd name="connsiteY4" fmla="*/ 0 h 2921000"/>
+              </a:gdLst>
+              <a:ahLst/>
+              <a:cxnLst>
+                <a:cxn ang="0">
+                  <a:pos x="connsiteX0" y="connsiteY0"/>
+                </a:cxn>
+                <a:cxn ang="0">
+                  <a:pos x="connsiteX1" y="connsiteY1"/>
+                </a:cxn>
+                <a:cxn ang="0">
+                  <a:pos x="connsiteX2" y="connsiteY2"/>
+                </a:cxn>
+                <a:cxn ang="0">
+                  <a:pos x="connsiteX3" y="connsiteY3"/>
+                </a:cxn>
+                <a:cxn ang="0">
+                  <a:pos x="connsiteX4" y="connsiteY4"/>
+                </a:cxn>
+              </a:cxnLst>
+              <a:rect l="l" t="t" r="r" b="b"/>
+              <a:pathLst>
+                <a:path w="357121" h="2921000">
+                  <a:moveTo>
+                    <a:pt x="89346" y="2921000"/>
+                  </a:moveTo>
+                  <a:cubicBezTo>
+                    <a:pt x="230104" y="2693458"/>
+                    <a:pt x="370863" y="2465917"/>
+                    <a:pt x="356046" y="2197100"/>
+                  </a:cubicBezTo>
+                  <a:cubicBezTo>
+                    <a:pt x="341229" y="1928283"/>
+                    <a:pt x="13146" y="1583267"/>
+                    <a:pt x="446" y="1308100"/>
+                  </a:cubicBezTo>
+                  <a:cubicBezTo>
+                    <a:pt x="-12254" y="1032933"/>
+                    <a:pt x="250213" y="764117"/>
+                    <a:pt x="279846" y="546100"/>
+                  </a:cubicBezTo>
+                  <a:cubicBezTo>
+                    <a:pt x="309479" y="328083"/>
+                    <a:pt x="243862" y="164041"/>
+                    <a:pt x="178246" y="0"/>
+                  </a:cubicBezTo>
+                </a:path>
+              </a:pathLst>
+            </a:custGeom>
+            <a:solidFill>
+              <a:srgbClr val="FF0000"/>
+            </a:solidFill>
+            <a:ln>
+              <a:solidFill>
+                <a:srgbClr val="FF0000"/>
+              </a:solidFill>
+            </a:ln>
+          </p:spPr>
+          <p:style>
+            <a:lnRef idx="2">
+              <a:schemeClr val="accent1">
+                <a:shade val="50000"/>
+              </a:schemeClr>
+            </a:lnRef>
+            <a:fillRef idx="1">
+              <a:schemeClr val="accent1"/>
+            </a:fillRef>
+            <a:effectRef idx="0">
+              <a:schemeClr val="accent1"/>
+            </a:effectRef>
+            <a:fontRef idx="minor">
+              <a:schemeClr val="lt1"/>
+            </a:fontRef>
+          </p:style>
+          <p:txBody>
+            <a:bodyPr rtlCol="0" anchor="ctr"/>
+            <a:lstStyle/>
+            <a:p>
+              <a:pPr algn="ctr"/>
+              <a:endParaRPr lang="en-GB"/>
+            </a:p>
+          </p:txBody>
+        </p:sp>
+        <p:sp>
+          <p:nvSpPr>
+            <p:cNvPr id="26" name="Freeform: Shape 25">
+              <a:extLst>
+                <a:ext uri="{FF2B5EF4-FFF2-40B4-BE49-F238E27FC236}">
+                  <a16:creationId xmlns:a16="http://schemas.microsoft.com/office/drawing/2014/main" id="{A70754AD-E39E-4257-8250-DEAF345BF927}"/>
+                </a:ext>
+              </a:extLst>
+            </p:cNvPr>
+            <p:cNvSpPr/>
+            <p:nvPr/>
+          </p:nvSpPr>
+          <p:spPr>
+            <a:xfrm>
+              <a:off x="8747743" y="3715226"/>
+              <a:ext cx="31824" cy="389291"/>
+            </a:xfrm>
+            <a:custGeom>
+              <a:avLst/>
+              <a:gdLst>
+                <a:gd name="connsiteX0" fmla="*/ 89346 w 357121"/>
+                <a:gd name="connsiteY0" fmla="*/ 2921000 h 2921000"/>
+                <a:gd name="connsiteX1" fmla="*/ 356046 w 357121"/>
+                <a:gd name="connsiteY1" fmla="*/ 2197100 h 2921000"/>
+                <a:gd name="connsiteX2" fmla="*/ 446 w 357121"/>
+                <a:gd name="connsiteY2" fmla="*/ 1308100 h 2921000"/>
+                <a:gd name="connsiteX3" fmla="*/ 279846 w 357121"/>
+                <a:gd name="connsiteY3" fmla="*/ 546100 h 2921000"/>
+                <a:gd name="connsiteX4" fmla="*/ 178246 w 357121"/>
+                <a:gd name="connsiteY4" fmla="*/ 0 h 2921000"/>
+              </a:gdLst>
+              <a:ahLst/>
+              <a:cxnLst>
+                <a:cxn ang="0">
+                  <a:pos x="connsiteX0" y="connsiteY0"/>
+                </a:cxn>
+                <a:cxn ang="0">
+                  <a:pos x="connsiteX1" y="connsiteY1"/>
+                </a:cxn>
+                <a:cxn ang="0">
+                  <a:pos x="connsiteX2" y="connsiteY2"/>
+                </a:cxn>
+                <a:cxn ang="0">
+                  <a:pos x="connsiteX3" y="connsiteY3"/>
+                </a:cxn>
+                <a:cxn ang="0">
+                  <a:pos x="connsiteX4" y="connsiteY4"/>
+                </a:cxn>
+              </a:cxnLst>
+              <a:rect l="l" t="t" r="r" b="b"/>
+              <a:pathLst>
+                <a:path w="357121" h="2921000">
+                  <a:moveTo>
+                    <a:pt x="89346" y="2921000"/>
+                  </a:moveTo>
+                  <a:cubicBezTo>
+                    <a:pt x="230104" y="2693458"/>
+                    <a:pt x="370863" y="2465917"/>
+                    <a:pt x="356046" y="2197100"/>
+                  </a:cubicBezTo>
+                  <a:cubicBezTo>
+                    <a:pt x="341229" y="1928283"/>
+                    <a:pt x="13146" y="1583267"/>
+                    <a:pt x="446" y="1308100"/>
+                  </a:cubicBezTo>
+                  <a:cubicBezTo>
+                    <a:pt x="-12254" y="1032933"/>
+                    <a:pt x="250213" y="764117"/>
+                    <a:pt x="279846" y="546100"/>
+                  </a:cubicBezTo>
+                  <a:cubicBezTo>
+                    <a:pt x="309479" y="328083"/>
+                    <a:pt x="243862" y="164041"/>
+                    <a:pt x="178246" y="0"/>
+                  </a:cubicBezTo>
+                </a:path>
+              </a:pathLst>
+            </a:custGeom>
+            <a:solidFill>
+              <a:srgbClr val="FF0000"/>
+            </a:solidFill>
+            <a:ln>
+              <a:solidFill>
+                <a:srgbClr val="FF0000"/>
+              </a:solidFill>
+            </a:ln>
+          </p:spPr>
+          <p:style>
+            <a:lnRef idx="2">
+              <a:schemeClr val="accent1">
+                <a:shade val="50000"/>
+              </a:schemeClr>
+            </a:lnRef>
+            <a:fillRef idx="1">
+              <a:schemeClr val="accent1"/>
+            </a:fillRef>
+            <a:effectRef idx="0">
+              <a:schemeClr val="accent1"/>
+            </a:effectRef>
+            <a:fontRef idx="minor">
+              <a:schemeClr val="lt1"/>
+            </a:fontRef>
+          </p:style>
+          <p:txBody>
+            <a:bodyPr rtlCol="0" anchor="ctr"/>
+            <a:lstStyle/>
+            <a:p>
+              <a:pPr algn="ctr"/>
+              <a:endParaRPr lang="en-GB"/>
+            </a:p>
+          </p:txBody>
+        </p:sp>
+        <p:cxnSp>
+          <p:nvCxnSpPr>
+            <p:cNvPr id="19" name="Straight Arrow Connector 18">
+              <a:extLst>
+                <a:ext uri="{FF2B5EF4-FFF2-40B4-BE49-F238E27FC236}">
+                  <a16:creationId xmlns:a16="http://schemas.microsoft.com/office/drawing/2014/main" id="{D08262B0-4443-4B1B-A5BF-02085788C2E5}"/>
+                </a:ext>
+              </a:extLst>
+            </p:cNvPr>
+            <p:cNvCxnSpPr>
+              <a:cxnSpLocks/>
+            </p:cNvCxnSpPr>
+            <p:nvPr/>
+          </p:nvCxnSpPr>
+          <p:spPr>
+            <a:xfrm>
+              <a:off x="4604465" y="2839067"/>
+              <a:ext cx="780974" cy="303946"/>
+            </a:xfrm>
+            <a:prstGeom prst="straightConnector1">
+              <a:avLst/>
+            </a:prstGeom>
+            <a:ln w="38100">
+              <a:solidFill>
+                <a:schemeClr val="tx1"/>
+              </a:solidFill>
+              <a:tailEnd type="triangle" w="lg" len="lg"/>
+            </a:ln>
+          </p:spPr>
+          <p:style>
+            <a:lnRef idx="1">
+              <a:schemeClr val="accent1"/>
+            </a:lnRef>
+            <a:fillRef idx="0">
+              <a:schemeClr val="accent1"/>
+            </a:fillRef>
+            <a:effectRef idx="0">
+              <a:schemeClr val="accent1"/>
+            </a:effectRef>
+            <a:fontRef idx="minor">
+              <a:schemeClr val="tx1"/>
+            </a:fontRef>
+          </p:style>
+        </p:cxnSp>
+        <p:cxnSp>
+          <p:nvCxnSpPr>
+            <p:cNvPr id="31" name="Straight Arrow Connector 30">
+              <a:extLst>
+                <a:ext uri="{FF2B5EF4-FFF2-40B4-BE49-F238E27FC236}">
+                  <a16:creationId xmlns:a16="http://schemas.microsoft.com/office/drawing/2014/main" id="{EA370AC1-675D-4BFA-B667-4D5EC46E2F69}"/>
+                </a:ext>
+              </a:extLst>
+            </p:cNvPr>
+            <p:cNvCxnSpPr>
+              <a:cxnSpLocks/>
+            </p:cNvCxnSpPr>
+            <p:nvPr/>
+          </p:nvCxnSpPr>
+          <p:spPr>
+            <a:xfrm>
+              <a:off x="6935717" y="3730547"/>
+              <a:ext cx="706396" cy="277345"/>
+            </a:xfrm>
+            <a:prstGeom prst="straightConnector1">
+              <a:avLst/>
+            </a:prstGeom>
+            <a:ln w="38100">
+              <a:solidFill>
+                <a:schemeClr val="tx1"/>
+              </a:solidFill>
+              <a:tailEnd type="triangle" w="lg" len="lg"/>
+            </a:ln>
+          </p:spPr>
+          <p:style>
+            <a:lnRef idx="1">
+              <a:schemeClr val="accent1"/>
+            </a:lnRef>
+            <a:fillRef idx="0">
+              <a:schemeClr val="accent1"/>
+            </a:fillRef>
+            <a:effectRef idx="0">
+              <a:schemeClr val="accent1"/>
+            </a:effectRef>
+            <a:fontRef idx="minor">
+              <a:schemeClr val="tx1"/>
+            </a:fontRef>
+          </p:style>
+        </p:cxnSp>
+        <p:cxnSp>
+          <p:nvCxnSpPr>
+            <p:cNvPr id="79" name="Straight Arrow Connector 78">
+              <a:extLst>
+                <a:ext uri="{FF2B5EF4-FFF2-40B4-BE49-F238E27FC236}">
+                  <a16:creationId xmlns:a16="http://schemas.microsoft.com/office/drawing/2014/main" id="{0A037CA0-8CED-41F1-8809-BC8B10D92E7B}"/>
+                </a:ext>
+              </a:extLst>
+            </p:cNvPr>
+            <p:cNvCxnSpPr>
+              <a:cxnSpLocks/>
+            </p:cNvCxnSpPr>
+            <p:nvPr/>
+          </p:nvCxnSpPr>
+          <p:spPr>
+            <a:xfrm flipV="1">
+              <a:off x="6921701" y="2805734"/>
+              <a:ext cx="653977" cy="340598"/>
+            </a:xfrm>
+            <a:prstGeom prst="straightConnector1">
+              <a:avLst/>
+            </a:prstGeom>
+            <a:ln w="38100">
+              <a:solidFill>
+                <a:schemeClr val="tx1"/>
+              </a:solidFill>
+              <a:tailEnd type="triangle" w="lg" len="lg"/>
+            </a:ln>
+          </p:spPr>
+          <p:style>
+            <a:lnRef idx="1">
+              <a:schemeClr val="accent1"/>
+            </a:lnRef>
+            <a:fillRef idx="0">
+              <a:schemeClr val="accent1"/>
+            </a:fillRef>
+            <a:effectRef idx="0">
+              <a:schemeClr val="accent1"/>
+            </a:effectRef>
+            <a:fontRef idx="minor">
+              <a:schemeClr val="tx1"/>
+            </a:fontRef>
+          </p:style>
+        </p:cxnSp>
+        <p:cxnSp>
+          <p:nvCxnSpPr>
+            <p:cNvPr id="81" name="Straight Arrow Connector 80">
+              <a:extLst>
+                <a:ext uri="{FF2B5EF4-FFF2-40B4-BE49-F238E27FC236}">
+                  <a16:creationId xmlns:a16="http://schemas.microsoft.com/office/drawing/2014/main" id="{8CE99B14-6D8F-4F1E-B3DD-AF510E6B6E2A}"/>
+                </a:ext>
+              </a:extLst>
+            </p:cNvPr>
+            <p:cNvCxnSpPr>
+              <a:cxnSpLocks/>
+            </p:cNvCxnSpPr>
+            <p:nvPr/>
+          </p:nvCxnSpPr>
+          <p:spPr>
+            <a:xfrm flipV="1">
+              <a:off x="4599572" y="3929100"/>
+              <a:ext cx="776249" cy="361892"/>
+            </a:xfrm>
+            <a:prstGeom prst="straightConnector1">
+              <a:avLst/>
+            </a:prstGeom>
+            <a:ln w="38100">
+              <a:solidFill>
+                <a:schemeClr val="tx1"/>
+              </a:solidFill>
+              <a:tailEnd type="triangle" w="lg" len="lg"/>
+            </a:ln>
+          </p:spPr>
+          <p:style>
+            <a:lnRef idx="1">
+              <a:schemeClr val="accent1"/>
+            </a:lnRef>
+            <a:fillRef idx="0">
+              <a:schemeClr val="accent1"/>
+            </a:fillRef>
+            <a:effectRef idx="0">
+              <a:schemeClr val="accent1"/>
+            </a:effectRef>
+            <a:fontRef idx="minor">
+              <a:schemeClr val="tx1"/>
+            </a:fontRef>
+          </p:style>
+        </p:cxnSp>
+        <p:pic>
+          <p:nvPicPr>
+            <p:cNvPr id="1028" name="Picture 4" descr="Image result for thermometer">
+              <a:extLst>
+                <a:ext uri="{FF2B5EF4-FFF2-40B4-BE49-F238E27FC236}">
+                  <a16:creationId xmlns:a16="http://schemas.microsoft.com/office/drawing/2014/main" id="{8D1DAC91-93FB-4281-B019-40944E207E2C}"/>
+                </a:ext>
+              </a:extLst>
+            </p:cNvPr>
+            <p:cNvPicPr>
+              <a:picLocks noChangeAspect="1" noChangeArrowheads="1"/>
+            </p:cNvPicPr>
+            <p:nvPr/>
+          </p:nvPicPr>
+          <p:blipFill>
+            <a:blip r:embed="rId3">
+              <a:extLst>
+                <a:ext uri="{28A0092B-C50C-407E-A947-70E740481C1C}">
+                  <a14:useLocalDpi xmlns:a14="http://schemas.microsoft.com/office/drawing/2010/main" val="0"/>
+                </a:ext>
+              </a:extLst>
+            </a:blip>
+            <a:srcRect/>
+            <a:stretch>
+              <a:fillRect/>
+            </a:stretch>
+          </p:blipFill>
+          <p:spPr bwMode="auto">
+            <a:xfrm>
+              <a:off x="4124370" y="3431878"/>
+              <a:ext cx="329467" cy="1404000"/>
+            </a:xfrm>
+            <a:prstGeom prst="rect">
+              <a:avLst/>
+            </a:prstGeom>
+            <a:noFill/>
+            <a:extLst>
+              <a:ext uri="{909E8E84-426E-40DD-AFC4-6F175D3DCCD1}">
+                <a14:hiddenFill xmlns:a14="http://schemas.microsoft.com/office/drawing/2010/main">
+                  <a:solidFill>
+                    <a:srgbClr val="FFFFFF"/>
+                  </a:solidFill>
+                </a14:hiddenFill>
+              </a:ext>
+            </a:extLst>
+          </p:spPr>
+        </p:pic>
+        <p:pic>
+          <p:nvPicPr>
+            <p:cNvPr id="88" name="Picture 4" descr="Image result for thermometer">
+              <a:extLst>
+                <a:ext uri="{FF2B5EF4-FFF2-40B4-BE49-F238E27FC236}">
+                  <a16:creationId xmlns:a16="http://schemas.microsoft.com/office/drawing/2014/main" id="{35DC82BA-2570-4F34-83FF-33EE9EF30F37}"/>
+                </a:ext>
+              </a:extLst>
+            </p:cNvPr>
+            <p:cNvPicPr>
+              <a:picLocks noChangeAspect="1" noChangeArrowheads="1"/>
+            </p:cNvPicPr>
+            <p:nvPr/>
+          </p:nvPicPr>
+          <p:blipFill>
+            <a:blip r:embed="rId3">
+              <a:extLst>
+                <a:ext uri="{28A0092B-C50C-407E-A947-70E740481C1C}">
+                  <a14:useLocalDpi xmlns:a14="http://schemas.microsoft.com/office/drawing/2010/main" val="0"/>
+                </a:ext>
+              </a:extLst>
+            </a:blip>
+            <a:srcRect/>
+            <a:stretch>
+              <a:fillRect/>
+            </a:stretch>
+          </p:blipFill>
+          <p:spPr bwMode="auto">
+            <a:xfrm>
+              <a:off x="4127803" y="1836801"/>
+              <a:ext cx="329467" cy="1404000"/>
             </a:xfrm>
             <a:prstGeom prst="rect">
               <a:avLst/>
@@ -4117,10 +6838,10 @@
         </p:pic>
         <p:grpSp>
           <p:nvGrpSpPr>
-            <p:cNvPr id="1033" name="Group 1032">
+            <p:cNvPr id="33" name="Group 32">
               <a:extLst>
                 <a:ext uri="{FF2B5EF4-FFF2-40B4-BE49-F238E27FC236}">
-                  <a16:creationId xmlns:a16="http://schemas.microsoft.com/office/drawing/2014/main" id="{2F96AACA-D403-493D-9C60-E31451413CE5}"/>
+                  <a16:creationId xmlns:a16="http://schemas.microsoft.com/office/drawing/2014/main" id="{5C380D10-F197-490B-A42D-5883461B7C2E}"/>
                 </a:ext>
               </a:extLst>
             </p:cNvPr>
@@ -4128,19 +6849,25 @@
             <p:nvPr/>
           </p:nvGrpSpPr>
           <p:grpSpPr>
-            <a:xfrm>
-              <a:off x="5134672" y="896949"/>
-              <a:ext cx="1152702" cy="1152701"/>
-              <a:chOff x="8720225" y="1314738"/>
-              <a:chExt cx="1800000" cy="1800000"/>
+            <a:xfrm rot="5400000">
+              <a:off x="8834817" y="2285356"/>
+              <a:ext cx="758543" cy="593722"/>
+              <a:chOff x="9817666" y="2070271"/>
+              <a:chExt cx="758543" cy="593722"/>
             </a:xfrm>
+            <a:solidFill>
+              <a:schemeClr val="tx2">
+                <a:lumMod val="20000"/>
+                <a:lumOff val="80000"/>
+              </a:schemeClr>
+            </a:solidFill>
           </p:grpSpPr>
           <p:sp>
             <p:nvSpPr>
-              <p:cNvPr id="4" name="Rectangle 3">
+              <p:cNvPr id="90" name="Freeform: Shape 89">
                 <a:extLst>
                   <a:ext uri="{FF2B5EF4-FFF2-40B4-BE49-F238E27FC236}">
-                    <a16:creationId xmlns:a16="http://schemas.microsoft.com/office/drawing/2014/main" id="{9D34CC54-906C-4F1F-BC4E-0F1A88ADE73A}"/>
+                    <a16:creationId xmlns:a16="http://schemas.microsoft.com/office/drawing/2014/main" id="{6ECB0990-64BF-4BFE-B813-4F24F9C8A14D}"/>
                   </a:ext>
                 </a:extLst>
               </p:cNvPr>
@@ -4149,1198 +6876,8 @@
             </p:nvSpPr>
             <p:spPr>
               <a:xfrm>
-                <a:off x="8720225" y="1314738"/>
-                <a:ext cx="1800000" cy="1800000"/>
-              </a:xfrm>
-              <a:prstGeom prst="rect">
-                <a:avLst/>
-              </a:prstGeom>
-              <a:solidFill>
-                <a:srgbClr val="AE3818"/>
-              </a:solidFill>
-              <a:ln>
-                <a:solidFill>
-                  <a:srgbClr val="F6C3A6"/>
-                </a:solidFill>
-              </a:ln>
-            </p:spPr>
-            <p:style>
-              <a:lnRef idx="2">
-                <a:schemeClr val="accent1">
-                  <a:shade val="50000"/>
-                </a:schemeClr>
-              </a:lnRef>
-              <a:fillRef idx="1">
-                <a:schemeClr val="accent1"/>
-              </a:fillRef>
-              <a:effectRef idx="0">
-                <a:schemeClr val="accent1"/>
-              </a:effectRef>
-              <a:fontRef idx="minor">
-                <a:schemeClr val="lt1"/>
-              </a:fontRef>
-            </p:style>
-            <p:txBody>
-              <a:bodyPr rtlCol="0" anchor="ctr"/>
-              <a:lstStyle/>
-              <a:p>
-                <a:pPr algn="ctr"/>
-                <a:endParaRPr lang="en-GB"/>
-              </a:p>
-            </p:txBody>
-          </p:sp>
-          <p:sp>
-            <p:nvSpPr>
-              <p:cNvPr id="5" name="Oval 4">
-                <a:extLst>
-                  <a:ext uri="{FF2B5EF4-FFF2-40B4-BE49-F238E27FC236}">
-                    <a16:creationId xmlns:a16="http://schemas.microsoft.com/office/drawing/2014/main" id="{CCE2D353-91CE-477F-8DD3-D53C4A73D706}"/>
-                  </a:ext>
-                </a:extLst>
-              </p:cNvPr>
-              <p:cNvSpPr/>
-              <p:nvPr/>
-            </p:nvSpPr>
-            <p:spPr>
-              <a:xfrm>
-                <a:off x="8789456" y="1383969"/>
-                <a:ext cx="1661538" cy="1661538"/>
-              </a:xfrm>
-              <a:prstGeom prst="ellipse">
-                <a:avLst/>
-              </a:prstGeom>
-              <a:solidFill>
-                <a:schemeClr val="bg2">
-                  <a:lumMod val="75000"/>
-                </a:schemeClr>
-              </a:solidFill>
-              <a:ln>
-                <a:noFill/>
-              </a:ln>
-            </p:spPr>
-            <p:style>
-              <a:lnRef idx="2">
-                <a:schemeClr val="accent1">
-                  <a:shade val="50000"/>
-                </a:schemeClr>
-              </a:lnRef>
-              <a:fillRef idx="1">
-                <a:schemeClr val="accent1"/>
-              </a:fillRef>
-              <a:effectRef idx="0">
-                <a:schemeClr val="accent1"/>
-              </a:effectRef>
-              <a:fontRef idx="minor">
-                <a:schemeClr val="lt1"/>
-              </a:fontRef>
-            </p:style>
-            <p:txBody>
-              <a:bodyPr rtlCol="0" anchor="ctr"/>
-              <a:lstStyle/>
-              <a:p>
-                <a:pPr algn="ctr"/>
-                <a:endParaRPr lang="en-GB"/>
-              </a:p>
-            </p:txBody>
-          </p:sp>
-          <p:sp>
-            <p:nvSpPr>
-              <p:cNvPr id="6" name="Freeform: Shape 5">
-                <a:extLst>
-                  <a:ext uri="{FF2B5EF4-FFF2-40B4-BE49-F238E27FC236}">
-                    <a16:creationId xmlns:a16="http://schemas.microsoft.com/office/drawing/2014/main" id="{0A630551-DB5A-4486-81A0-EB07DEB3D67F}"/>
-                  </a:ext>
-                </a:extLst>
-              </p:cNvPr>
-              <p:cNvSpPr/>
-              <p:nvPr/>
-            </p:nvSpPr>
-            <p:spPr>
-              <a:xfrm>
-                <a:off x="9659476" y="1502217"/>
-                <a:ext cx="496711" cy="638705"/>
-              </a:xfrm>
-              <a:custGeom>
-                <a:avLst/>
-                <a:gdLst>
-                  <a:gd name="connsiteX0" fmla="*/ 12875 w 1099774"/>
-                  <a:gd name="connsiteY0" fmla="*/ 864848 h 970151"/>
-                  <a:gd name="connsiteX1" fmla="*/ 289100 w 1099774"/>
-                  <a:gd name="connsiteY1" fmla="*/ 45698 h 970151"/>
-                  <a:gd name="connsiteX2" fmla="*/ 870125 w 1099774"/>
-                  <a:gd name="connsiteY2" fmla="*/ 136185 h 970151"/>
-                  <a:gd name="connsiteX3" fmla="*/ 1060625 w 1099774"/>
-                  <a:gd name="connsiteY3" fmla="*/ 402885 h 970151"/>
-                  <a:gd name="connsiteX4" fmla="*/ 150988 w 1099774"/>
-                  <a:gd name="connsiteY4" fmla="*/ 912473 h 970151"/>
-                  <a:gd name="connsiteX5" fmla="*/ 12875 w 1099774"/>
-                  <a:gd name="connsiteY5" fmla="*/ 864848 h 970151"/>
-                </a:gdLst>
-                <a:ahLst/>
-                <a:cxnLst>
-                  <a:cxn ang="0">
-                    <a:pos x="connsiteX0" y="connsiteY0"/>
-                  </a:cxn>
-                  <a:cxn ang="0">
-                    <a:pos x="connsiteX1" y="connsiteY1"/>
-                  </a:cxn>
-                  <a:cxn ang="0">
-                    <a:pos x="connsiteX2" y="connsiteY2"/>
-                  </a:cxn>
-                  <a:cxn ang="0">
-                    <a:pos x="connsiteX3" y="connsiteY3"/>
-                  </a:cxn>
-                  <a:cxn ang="0">
-                    <a:pos x="connsiteX4" y="connsiteY4"/>
-                  </a:cxn>
-                  <a:cxn ang="0">
-                    <a:pos x="connsiteX5" y="connsiteY5"/>
-                  </a:cxn>
-                </a:cxnLst>
-                <a:rect l="l" t="t" r="r" b="b"/>
-                <a:pathLst>
-                  <a:path w="1099774" h="970151">
-                    <a:moveTo>
-                      <a:pt x="12875" y="864848"/>
-                    </a:moveTo>
-                    <a:cubicBezTo>
-                      <a:pt x="35894" y="720386"/>
-                      <a:pt x="146225" y="167142"/>
-                      <a:pt x="289100" y="45698"/>
-                    </a:cubicBezTo>
-                    <a:cubicBezTo>
-                      <a:pt x="431975" y="-75746"/>
-                      <a:pt x="741538" y="76654"/>
-                      <a:pt x="870125" y="136185"/>
-                    </a:cubicBezTo>
-                    <a:cubicBezTo>
-                      <a:pt x="998712" y="195716"/>
-                      <a:pt x="1180481" y="273504"/>
-                      <a:pt x="1060625" y="402885"/>
-                    </a:cubicBezTo>
-                    <a:cubicBezTo>
-                      <a:pt x="940769" y="532266"/>
-                      <a:pt x="323232" y="840242"/>
-                      <a:pt x="150988" y="912473"/>
-                    </a:cubicBezTo>
-                    <a:cubicBezTo>
-                      <a:pt x="-21256" y="984704"/>
-                      <a:pt x="-10144" y="1009310"/>
-                      <a:pt x="12875" y="864848"/>
-                    </a:cubicBezTo>
-                    <a:close/>
-                  </a:path>
-                </a:pathLst>
-              </a:custGeom>
-              <a:solidFill>
-                <a:srgbClr val="AE3818"/>
-              </a:solidFill>
-              <a:ln>
-                <a:noFill/>
-              </a:ln>
-            </p:spPr>
-            <p:style>
-              <a:lnRef idx="2">
-                <a:schemeClr val="accent1">
-                  <a:shade val="50000"/>
-                </a:schemeClr>
-              </a:lnRef>
-              <a:fillRef idx="1">
-                <a:schemeClr val="accent1"/>
-              </a:fillRef>
-              <a:effectRef idx="0">
-                <a:schemeClr val="accent1"/>
-              </a:effectRef>
-              <a:fontRef idx="minor">
-                <a:schemeClr val="lt1"/>
-              </a:fontRef>
-            </p:style>
-            <p:txBody>
-              <a:bodyPr rtlCol="0" anchor="ctr"/>
-              <a:lstStyle/>
-              <a:p>
-                <a:pPr algn="ctr"/>
-                <a:endParaRPr lang="en-GB"/>
-              </a:p>
-            </p:txBody>
-          </p:sp>
-          <p:sp>
-            <p:nvSpPr>
-              <p:cNvPr id="12" name="Freeform: Shape 11">
-                <a:extLst>
-                  <a:ext uri="{FF2B5EF4-FFF2-40B4-BE49-F238E27FC236}">
-                    <a16:creationId xmlns:a16="http://schemas.microsoft.com/office/drawing/2014/main" id="{57D1A95A-B9FF-4220-AC27-BDFFE5B9010D}"/>
-                  </a:ext>
-                </a:extLst>
-              </p:cNvPr>
-              <p:cNvSpPr/>
-              <p:nvPr/>
-            </p:nvSpPr>
-            <p:spPr>
-              <a:xfrm rot="6128668">
-                <a:off x="9674245" y="2249991"/>
-                <a:ext cx="496711" cy="638705"/>
-              </a:xfrm>
-              <a:custGeom>
-                <a:avLst/>
-                <a:gdLst>
-                  <a:gd name="connsiteX0" fmla="*/ 12875 w 1099774"/>
-                  <a:gd name="connsiteY0" fmla="*/ 864848 h 970151"/>
-                  <a:gd name="connsiteX1" fmla="*/ 289100 w 1099774"/>
-                  <a:gd name="connsiteY1" fmla="*/ 45698 h 970151"/>
-                  <a:gd name="connsiteX2" fmla="*/ 870125 w 1099774"/>
-                  <a:gd name="connsiteY2" fmla="*/ 136185 h 970151"/>
-                  <a:gd name="connsiteX3" fmla="*/ 1060625 w 1099774"/>
-                  <a:gd name="connsiteY3" fmla="*/ 402885 h 970151"/>
-                  <a:gd name="connsiteX4" fmla="*/ 150988 w 1099774"/>
-                  <a:gd name="connsiteY4" fmla="*/ 912473 h 970151"/>
-                  <a:gd name="connsiteX5" fmla="*/ 12875 w 1099774"/>
-                  <a:gd name="connsiteY5" fmla="*/ 864848 h 970151"/>
-                </a:gdLst>
-                <a:ahLst/>
-                <a:cxnLst>
-                  <a:cxn ang="0">
-                    <a:pos x="connsiteX0" y="connsiteY0"/>
-                  </a:cxn>
-                  <a:cxn ang="0">
-                    <a:pos x="connsiteX1" y="connsiteY1"/>
-                  </a:cxn>
-                  <a:cxn ang="0">
-                    <a:pos x="connsiteX2" y="connsiteY2"/>
-                  </a:cxn>
-                  <a:cxn ang="0">
-                    <a:pos x="connsiteX3" y="connsiteY3"/>
-                  </a:cxn>
-                  <a:cxn ang="0">
-                    <a:pos x="connsiteX4" y="connsiteY4"/>
-                  </a:cxn>
-                  <a:cxn ang="0">
-                    <a:pos x="connsiteX5" y="connsiteY5"/>
-                  </a:cxn>
-                </a:cxnLst>
-                <a:rect l="l" t="t" r="r" b="b"/>
-                <a:pathLst>
-                  <a:path w="1099774" h="970151">
-                    <a:moveTo>
-                      <a:pt x="12875" y="864848"/>
-                    </a:moveTo>
-                    <a:cubicBezTo>
-                      <a:pt x="35894" y="720386"/>
-                      <a:pt x="146225" y="167142"/>
-                      <a:pt x="289100" y="45698"/>
-                    </a:cubicBezTo>
-                    <a:cubicBezTo>
-                      <a:pt x="431975" y="-75746"/>
-                      <a:pt x="741538" y="76654"/>
-                      <a:pt x="870125" y="136185"/>
-                    </a:cubicBezTo>
-                    <a:cubicBezTo>
-                      <a:pt x="998712" y="195716"/>
-                      <a:pt x="1180481" y="273504"/>
-                      <a:pt x="1060625" y="402885"/>
-                    </a:cubicBezTo>
-                    <a:cubicBezTo>
-                      <a:pt x="940769" y="532266"/>
-                      <a:pt x="323232" y="840242"/>
-                      <a:pt x="150988" y="912473"/>
-                    </a:cubicBezTo>
-                    <a:cubicBezTo>
-                      <a:pt x="-21256" y="984704"/>
-                      <a:pt x="-10144" y="1009310"/>
-                      <a:pt x="12875" y="864848"/>
-                    </a:cubicBezTo>
-                    <a:close/>
-                  </a:path>
-                </a:pathLst>
-              </a:custGeom>
-              <a:solidFill>
-                <a:srgbClr val="AE3818"/>
-              </a:solidFill>
-              <a:ln>
-                <a:noFill/>
-              </a:ln>
-            </p:spPr>
-            <p:style>
-              <a:lnRef idx="2">
-                <a:schemeClr val="accent1">
-                  <a:shade val="50000"/>
-                </a:schemeClr>
-              </a:lnRef>
-              <a:fillRef idx="1">
-                <a:schemeClr val="accent1"/>
-              </a:fillRef>
-              <a:effectRef idx="0">
-                <a:schemeClr val="accent1"/>
-              </a:effectRef>
-              <a:fontRef idx="minor">
-                <a:schemeClr val="lt1"/>
-              </a:fontRef>
-            </p:style>
-            <p:txBody>
-              <a:bodyPr rtlCol="0" anchor="ctr"/>
-              <a:lstStyle/>
-              <a:p>
-                <a:pPr algn="ctr"/>
-                <a:endParaRPr lang="en-GB"/>
-              </a:p>
-            </p:txBody>
-          </p:sp>
-          <p:sp>
-            <p:nvSpPr>
-              <p:cNvPr id="13" name="Freeform: Shape 12">
-                <a:extLst>
-                  <a:ext uri="{FF2B5EF4-FFF2-40B4-BE49-F238E27FC236}">
-                    <a16:creationId xmlns:a16="http://schemas.microsoft.com/office/drawing/2014/main" id="{0699604E-00F3-483B-A51B-04A0AA99DCD0}"/>
-                  </a:ext>
-                </a:extLst>
-              </p:cNvPr>
-              <p:cNvSpPr/>
-              <p:nvPr/>
-            </p:nvSpPr>
-            <p:spPr>
-              <a:xfrm rot="3009767">
-                <a:off x="9864914" y="1856931"/>
-                <a:ext cx="496711" cy="638705"/>
-              </a:xfrm>
-              <a:custGeom>
-                <a:avLst/>
-                <a:gdLst>
-                  <a:gd name="connsiteX0" fmla="*/ 12875 w 1099774"/>
-                  <a:gd name="connsiteY0" fmla="*/ 864848 h 970151"/>
-                  <a:gd name="connsiteX1" fmla="*/ 289100 w 1099774"/>
-                  <a:gd name="connsiteY1" fmla="*/ 45698 h 970151"/>
-                  <a:gd name="connsiteX2" fmla="*/ 870125 w 1099774"/>
-                  <a:gd name="connsiteY2" fmla="*/ 136185 h 970151"/>
-                  <a:gd name="connsiteX3" fmla="*/ 1060625 w 1099774"/>
-                  <a:gd name="connsiteY3" fmla="*/ 402885 h 970151"/>
-                  <a:gd name="connsiteX4" fmla="*/ 150988 w 1099774"/>
-                  <a:gd name="connsiteY4" fmla="*/ 912473 h 970151"/>
-                  <a:gd name="connsiteX5" fmla="*/ 12875 w 1099774"/>
-                  <a:gd name="connsiteY5" fmla="*/ 864848 h 970151"/>
-                </a:gdLst>
-                <a:ahLst/>
-                <a:cxnLst>
-                  <a:cxn ang="0">
-                    <a:pos x="connsiteX0" y="connsiteY0"/>
-                  </a:cxn>
-                  <a:cxn ang="0">
-                    <a:pos x="connsiteX1" y="connsiteY1"/>
-                  </a:cxn>
-                  <a:cxn ang="0">
-                    <a:pos x="connsiteX2" y="connsiteY2"/>
-                  </a:cxn>
-                  <a:cxn ang="0">
-                    <a:pos x="connsiteX3" y="connsiteY3"/>
-                  </a:cxn>
-                  <a:cxn ang="0">
-                    <a:pos x="connsiteX4" y="connsiteY4"/>
-                  </a:cxn>
-                  <a:cxn ang="0">
-                    <a:pos x="connsiteX5" y="connsiteY5"/>
-                  </a:cxn>
-                </a:cxnLst>
-                <a:rect l="l" t="t" r="r" b="b"/>
-                <a:pathLst>
-                  <a:path w="1099774" h="970151">
-                    <a:moveTo>
-                      <a:pt x="12875" y="864848"/>
-                    </a:moveTo>
-                    <a:cubicBezTo>
-                      <a:pt x="35894" y="720386"/>
-                      <a:pt x="146225" y="167142"/>
-                      <a:pt x="289100" y="45698"/>
-                    </a:cubicBezTo>
-                    <a:cubicBezTo>
-                      <a:pt x="431975" y="-75746"/>
-                      <a:pt x="741538" y="76654"/>
-                      <a:pt x="870125" y="136185"/>
-                    </a:cubicBezTo>
-                    <a:cubicBezTo>
-                      <a:pt x="998712" y="195716"/>
-                      <a:pt x="1180481" y="273504"/>
-                      <a:pt x="1060625" y="402885"/>
-                    </a:cubicBezTo>
-                    <a:cubicBezTo>
-                      <a:pt x="940769" y="532266"/>
-                      <a:pt x="323232" y="840242"/>
-                      <a:pt x="150988" y="912473"/>
-                    </a:cubicBezTo>
-                    <a:cubicBezTo>
-                      <a:pt x="-21256" y="984704"/>
-                      <a:pt x="-10144" y="1009310"/>
-                      <a:pt x="12875" y="864848"/>
-                    </a:cubicBezTo>
-                    <a:close/>
-                  </a:path>
-                </a:pathLst>
-              </a:custGeom>
-              <a:solidFill>
-                <a:srgbClr val="AE3818"/>
-              </a:solidFill>
-              <a:ln>
-                <a:noFill/>
-              </a:ln>
-            </p:spPr>
-            <p:style>
-              <a:lnRef idx="2">
-                <a:schemeClr val="accent1">
-                  <a:shade val="50000"/>
-                </a:schemeClr>
-              </a:lnRef>
-              <a:fillRef idx="1">
-                <a:schemeClr val="accent1"/>
-              </a:fillRef>
-              <a:effectRef idx="0">
-                <a:schemeClr val="accent1"/>
-              </a:effectRef>
-              <a:fontRef idx="minor">
-                <a:schemeClr val="lt1"/>
-              </a:fontRef>
-            </p:style>
-            <p:txBody>
-              <a:bodyPr rtlCol="0" anchor="ctr"/>
-              <a:lstStyle/>
-              <a:p>
-                <a:pPr algn="ctr"/>
-                <a:endParaRPr lang="en-GB"/>
-              </a:p>
-            </p:txBody>
-          </p:sp>
-          <p:sp>
-            <p:nvSpPr>
-              <p:cNvPr id="14" name="Freeform: Shape 13">
-                <a:extLst>
-                  <a:ext uri="{FF2B5EF4-FFF2-40B4-BE49-F238E27FC236}">
-                    <a16:creationId xmlns:a16="http://schemas.microsoft.com/office/drawing/2014/main" id="{8BA31EA9-BB17-4854-9629-119BD63E744D}"/>
-                  </a:ext>
-                </a:extLst>
-              </p:cNvPr>
-              <p:cNvSpPr/>
-              <p:nvPr/>
-            </p:nvSpPr>
-            <p:spPr>
-              <a:xfrm rot="9139227">
-                <a:off x="9272442" y="2357621"/>
-                <a:ext cx="496711" cy="638705"/>
-              </a:xfrm>
-              <a:custGeom>
-                <a:avLst/>
-                <a:gdLst>
-                  <a:gd name="connsiteX0" fmla="*/ 12875 w 1099774"/>
-                  <a:gd name="connsiteY0" fmla="*/ 864848 h 970151"/>
-                  <a:gd name="connsiteX1" fmla="*/ 289100 w 1099774"/>
-                  <a:gd name="connsiteY1" fmla="*/ 45698 h 970151"/>
-                  <a:gd name="connsiteX2" fmla="*/ 870125 w 1099774"/>
-                  <a:gd name="connsiteY2" fmla="*/ 136185 h 970151"/>
-                  <a:gd name="connsiteX3" fmla="*/ 1060625 w 1099774"/>
-                  <a:gd name="connsiteY3" fmla="*/ 402885 h 970151"/>
-                  <a:gd name="connsiteX4" fmla="*/ 150988 w 1099774"/>
-                  <a:gd name="connsiteY4" fmla="*/ 912473 h 970151"/>
-                  <a:gd name="connsiteX5" fmla="*/ 12875 w 1099774"/>
-                  <a:gd name="connsiteY5" fmla="*/ 864848 h 970151"/>
-                </a:gdLst>
-                <a:ahLst/>
-                <a:cxnLst>
-                  <a:cxn ang="0">
-                    <a:pos x="connsiteX0" y="connsiteY0"/>
-                  </a:cxn>
-                  <a:cxn ang="0">
-                    <a:pos x="connsiteX1" y="connsiteY1"/>
-                  </a:cxn>
-                  <a:cxn ang="0">
-                    <a:pos x="connsiteX2" y="connsiteY2"/>
-                  </a:cxn>
-                  <a:cxn ang="0">
-                    <a:pos x="connsiteX3" y="connsiteY3"/>
-                  </a:cxn>
-                  <a:cxn ang="0">
-                    <a:pos x="connsiteX4" y="connsiteY4"/>
-                  </a:cxn>
-                  <a:cxn ang="0">
-                    <a:pos x="connsiteX5" y="connsiteY5"/>
-                  </a:cxn>
-                </a:cxnLst>
-                <a:rect l="l" t="t" r="r" b="b"/>
-                <a:pathLst>
-                  <a:path w="1099774" h="970151">
-                    <a:moveTo>
-                      <a:pt x="12875" y="864848"/>
-                    </a:moveTo>
-                    <a:cubicBezTo>
-                      <a:pt x="35894" y="720386"/>
-                      <a:pt x="146225" y="167142"/>
-                      <a:pt x="289100" y="45698"/>
-                    </a:cubicBezTo>
-                    <a:cubicBezTo>
-                      <a:pt x="431975" y="-75746"/>
-                      <a:pt x="741538" y="76654"/>
-                      <a:pt x="870125" y="136185"/>
-                    </a:cubicBezTo>
-                    <a:cubicBezTo>
-                      <a:pt x="998712" y="195716"/>
-                      <a:pt x="1180481" y="273504"/>
-                      <a:pt x="1060625" y="402885"/>
-                    </a:cubicBezTo>
-                    <a:cubicBezTo>
-                      <a:pt x="940769" y="532266"/>
-                      <a:pt x="323232" y="840242"/>
-                      <a:pt x="150988" y="912473"/>
-                    </a:cubicBezTo>
-                    <a:cubicBezTo>
-                      <a:pt x="-21256" y="984704"/>
-                      <a:pt x="-10144" y="1009310"/>
-                      <a:pt x="12875" y="864848"/>
-                    </a:cubicBezTo>
-                    <a:close/>
-                  </a:path>
-                </a:pathLst>
-              </a:custGeom>
-              <a:solidFill>
-                <a:srgbClr val="AE3818"/>
-              </a:solidFill>
-              <a:ln>
-                <a:noFill/>
-              </a:ln>
-            </p:spPr>
-            <p:style>
-              <a:lnRef idx="2">
-                <a:schemeClr val="accent1">
-                  <a:shade val="50000"/>
-                </a:schemeClr>
-              </a:lnRef>
-              <a:fillRef idx="1">
-                <a:schemeClr val="accent1"/>
-              </a:fillRef>
-              <a:effectRef idx="0">
-                <a:schemeClr val="accent1"/>
-              </a:effectRef>
-              <a:fontRef idx="minor">
-                <a:schemeClr val="lt1"/>
-              </a:fontRef>
-            </p:style>
-            <p:txBody>
-              <a:bodyPr rtlCol="0" anchor="ctr"/>
-              <a:lstStyle/>
-              <a:p>
-                <a:pPr algn="ctr"/>
-                <a:endParaRPr lang="en-GB"/>
-              </a:p>
-            </p:txBody>
-          </p:sp>
-          <p:sp>
-            <p:nvSpPr>
-              <p:cNvPr id="15" name="Freeform: Shape 14">
-                <a:extLst>
-                  <a:ext uri="{FF2B5EF4-FFF2-40B4-BE49-F238E27FC236}">
-                    <a16:creationId xmlns:a16="http://schemas.microsoft.com/office/drawing/2014/main" id="{E398F5A6-8392-45F1-8AA2-9ED6D3B14C08}"/>
-                  </a:ext>
-                </a:extLst>
-              </p:cNvPr>
-              <p:cNvSpPr/>
-              <p:nvPr/>
-            </p:nvSpPr>
-            <p:spPr>
-              <a:xfrm rot="18398267">
-                <a:off x="9253693" y="1437837"/>
-                <a:ext cx="496711" cy="638705"/>
-              </a:xfrm>
-              <a:custGeom>
-                <a:avLst/>
-                <a:gdLst>
-                  <a:gd name="connsiteX0" fmla="*/ 12875 w 1099774"/>
-                  <a:gd name="connsiteY0" fmla="*/ 864848 h 970151"/>
-                  <a:gd name="connsiteX1" fmla="*/ 289100 w 1099774"/>
-                  <a:gd name="connsiteY1" fmla="*/ 45698 h 970151"/>
-                  <a:gd name="connsiteX2" fmla="*/ 870125 w 1099774"/>
-                  <a:gd name="connsiteY2" fmla="*/ 136185 h 970151"/>
-                  <a:gd name="connsiteX3" fmla="*/ 1060625 w 1099774"/>
-                  <a:gd name="connsiteY3" fmla="*/ 402885 h 970151"/>
-                  <a:gd name="connsiteX4" fmla="*/ 150988 w 1099774"/>
-                  <a:gd name="connsiteY4" fmla="*/ 912473 h 970151"/>
-                  <a:gd name="connsiteX5" fmla="*/ 12875 w 1099774"/>
-                  <a:gd name="connsiteY5" fmla="*/ 864848 h 970151"/>
-                </a:gdLst>
-                <a:ahLst/>
-                <a:cxnLst>
-                  <a:cxn ang="0">
-                    <a:pos x="connsiteX0" y="connsiteY0"/>
-                  </a:cxn>
-                  <a:cxn ang="0">
-                    <a:pos x="connsiteX1" y="connsiteY1"/>
-                  </a:cxn>
-                  <a:cxn ang="0">
-                    <a:pos x="connsiteX2" y="connsiteY2"/>
-                  </a:cxn>
-                  <a:cxn ang="0">
-                    <a:pos x="connsiteX3" y="connsiteY3"/>
-                  </a:cxn>
-                  <a:cxn ang="0">
-                    <a:pos x="connsiteX4" y="connsiteY4"/>
-                  </a:cxn>
-                  <a:cxn ang="0">
-                    <a:pos x="connsiteX5" y="connsiteY5"/>
-                  </a:cxn>
-                </a:cxnLst>
-                <a:rect l="l" t="t" r="r" b="b"/>
-                <a:pathLst>
-                  <a:path w="1099774" h="970151">
-                    <a:moveTo>
-                      <a:pt x="12875" y="864848"/>
-                    </a:moveTo>
-                    <a:cubicBezTo>
-                      <a:pt x="35894" y="720386"/>
-                      <a:pt x="146225" y="167142"/>
-                      <a:pt x="289100" y="45698"/>
-                    </a:cubicBezTo>
-                    <a:cubicBezTo>
-                      <a:pt x="431975" y="-75746"/>
-                      <a:pt x="741538" y="76654"/>
-                      <a:pt x="870125" y="136185"/>
-                    </a:cubicBezTo>
-                    <a:cubicBezTo>
-                      <a:pt x="998712" y="195716"/>
-                      <a:pt x="1180481" y="273504"/>
-                      <a:pt x="1060625" y="402885"/>
-                    </a:cubicBezTo>
-                    <a:cubicBezTo>
-                      <a:pt x="940769" y="532266"/>
-                      <a:pt x="323232" y="840242"/>
-                      <a:pt x="150988" y="912473"/>
-                    </a:cubicBezTo>
-                    <a:cubicBezTo>
-                      <a:pt x="-21256" y="984704"/>
-                      <a:pt x="-10144" y="1009310"/>
-                      <a:pt x="12875" y="864848"/>
-                    </a:cubicBezTo>
-                    <a:close/>
-                  </a:path>
-                </a:pathLst>
-              </a:custGeom>
-              <a:solidFill>
-                <a:srgbClr val="AE3818"/>
-              </a:solidFill>
-              <a:ln>
-                <a:noFill/>
-              </a:ln>
-            </p:spPr>
-            <p:style>
-              <a:lnRef idx="2">
-                <a:schemeClr val="accent1">
-                  <a:shade val="50000"/>
-                </a:schemeClr>
-              </a:lnRef>
-              <a:fillRef idx="1">
-                <a:schemeClr val="accent1"/>
-              </a:fillRef>
-              <a:effectRef idx="0">
-                <a:schemeClr val="accent1"/>
-              </a:effectRef>
-              <a:fontRef idx="minor">
-                <a:schemeClr val="lt1"/>
-              </a:fontRef>
-            </p:style>
-            <p:txBody>
-              <a:bodyPr rtlCol="0" anchor="ctr"/>
-              <a:lstStyle/>
-              <a:p>
-                <a:pPr algn="ctr"/>
-                <a:endParaRPr lang="en-GB"/>
-              </a:p>
-            </p:txBody>
-          </p:sp>
-          <p:sp>
-            <p:nvSpPr>
-              <p:cNvPr id="16" name="Freeform: Shape 15">
-                <a:extLst>
-                  <a:ext uri="{FF2B5EF4-FFF2-40B4-BE49-F238E27FC236}">
-                    <a16:creationId xmlns:a16="http://schemas.microsoft.com/office/drawing/2014/main" id="{F4CEB1E4-4F2A-476B-AB5D-01C8522C61DC}"/>
-                  </a:ext>
-                </a:extLst>
-              </p:cNvPr>
-              <p:cNvSpPr/>
-              <p:nvPr/>
-            </p:nvSpPr>
-            <p:spPr>
-              <a:xfrm rot="12352910">
-                <a:off x="8944439" y="2083423"/>
-                <a:ext cx="496711" cy="638705"/>
-              </a:xfrm>
-              <a:custGeom>
-                <a:avLst/>
-                <a:gdLst>
-                  <a:gd name="connsiteX0" fmla="*/ 12875 w 1099774"/>
-                  <a:gd name="connsiteY0" fmla="*/ 864848 h 970151"/>
-                  <a:gd name="connsiteX1" fmla="*/ 289100 w 1099774"/>
-                  <a:gd name="connsiteY1" fmla="*/ 45698 h 970151"/>
-                  <a:gd name="connsiteX2" fmla="*/ 870125 w 1099774"/>
-                  <a:gd name="connsiteY2" fmla="*/ 136185 h 970151"/>
-                  <a:gd name="connsiteX3" fmla="*/ 1060625 w 1099774"/>
-                  <a:gd name="connsiteY3" fmla="*/ 402885 h 970151"/>
-                  <a:gd name="connsiteX4" fmla="*/ 150988 w 1099774"/>
-                  <a:gd name="connsiteY4" fmla="*/ 912473 h 970151"/>
-                  <a:gd name="connsiteX5" fmla="*/ 12875 w 1099774"/>
-                  <a:gd name="connsiteY5" fmla="*/ 864848 h 970151"/>
-                </a:gdLst>
-                <a:ahLst/>
-                <a:cxnLst>
-                  <a:cxn ang="0">
-                    <a:pos x="connsiteX0" y="connsiteY0"/>
-                  </a:cxn>
-                  <a:cxn ang="0">
-                    <a:pos x="connsiteX1" y="connsiteY1"/>
-                  </a:cxn>
-                  <a:cxn ang="0">
-                    <a:pos x="connsiteX2" y="connsiteY2"/>
-                  </a:cxn>
-                  <a:cxn ang="0">
-                    <a:pos x="connsiteX3" y="connsiteY3"/>
-                  </a:cxn>
-                  <a:cxn ang="0">
-                    <a:pos x="connsiteX4" y="connsiteY4"/>
-                  </a:cxn>
-                  <a:cxn ang="0">
-                    <a:pos x="connsiteX5" y="connsiteY5"/>
-                  </a:cxn>
-                </a:cxnLst>
-                <a:rect l="l" t="t" r="r" b="b"/>
-                <a:pathLst>
-                  <a:path w="1099774" h="970151">
-                    <a:moveTo>
-                      <a:pt x="12875" y="864848"/>
-                    </a:moveTo>
-                    <a:cubicBezTo>
-                      <a:pt x="35894" y="720386"/>
-                      <a:pt x="146225" y="167142"/>
-                      <a:pt x="289100" y="45698"/>
-                    </a:cubicBezTo>
-                    <a:cubicBezTo>
-                      <a:pt x="431975" y="-75746"/>
-                      <a:pt x="741538" y="76654"/>
-                      <a:pt x="870125" y="136185"/>
-                    </a:cubicBezTo>
-                    <a:cubicBezTo>
-                      <a:pt x="998712" y="195716"/>
-                      <a:pt x="1180481" y="273504"/>
-                      <a:pt x="1060625" y="402885"/>
-                    </a:cubicBezTo>
-                    <a:cubicBezTo>
-                      <a:pt x="940769" y="532266"/>
-                      <a:pt x="323232" y="840242"/>
-                      <a:pt x="150988" y="912473"/>
-                    </a:cubicBezTo>
-                    <a:cubicBezTo>
-                      <a:pt x="-21256" y="984704"/>
-                      <a:pt x="-10144" y="1009310"/>
-                      <a:pt x="12875" y="864848"/>
-                    </a:cubicBezTo>
-                    <a:close/>
-                  </a:path>
-                </a:pathLst>
-              </a:custGeom>
-              <a:solidFill>
-                <a:srgbClr val="AE3818"/>
-              </a:solidFill>
-              <a:ln>
-                <a:noFill/>
-              </a:ln>
-            </p:spPr>
-            <p:style>
-              <a:lnRef idx="2">
-                <a:schemeClr val="accent1">
-                  <a:shade val="50000"/>
-                </a:schemeClr>
-              </a:lnRef>
-              <a:fillRef idx="1">
-                <a:schemeClr val="accent1"/>
-              </a:fillRef>
-              <a:effectRef idx="0">
-                <a:schemeClr val="accent1"/>
-              </a:effectRef>
-              <a:fontRef idx="minor">
-                <a:schemeClr val="lt1"/>
-              </a:fontRef>
-            </p:style>
-            <p:txBody>
-              <a:bodyPr rtlCol="0" anchor="ctr"/>
-              <a:lstStyle/>
-              <a:p>
-                <a:pPr algn="ctr"/>
-                <a:endParaRPr lang="en-GB"/>
-              </a:p>
-            </p:txBody>
-          </p:sp>
-          <p:sp>
-            <p:nvSpPr>
-              <p:cNvPr id="17" name="Freeform: Shape 16">
-                <a:extLst>
-                  <a:ext uri="{FF2B5EF4-FFF2-40B4-BE49-F238E27FC236}">
-                    <a16:creationId xmlns:a16="http://schemas.microsoft.com/office/drawing/2014/main" id="{856EDF26-AB88-4745-908F-BD8742D584F6}"/>
-                  </a:ext>
-                </a:extLst>
-              </p:cNvPr>
-              <p:cNvSpPr/>
-              <p:nvPr/>
-            </p:nvSpPr>
-            <p:spPr>
-              <a:xfrm rot="15304341">
-                <a:off x="8934603" y="1693499"/>
-                <a:ext cx="496711" cy="638705"/>
-              </a:xfrm>
-              <a:custGeom>
-                <a:avLst/>
-                <a:gdLst>
-                  <a:gd name="connsiteX0" fmla="*/ 12875 w 1099774"/>
-                  <a:gd name="connsiteY0" fmla="*/ 864848 h 970151"/>
-                  <a:gd name="connsiteX1" fmla="*/ 289100 w 1099774"/>
-                  <a:gd name="connsiteY1" fmla="*/ 45698 h 970151"/>
-                  <a:gd name="connsiteX2" fmla="*/ 870125 w 1099774"/>
-                  <a:gd name="connsiteY2" fmla="*/ 136185 h 970151"/>
-                  <a:gd name="connsiteX3" fmla="*/ 1060625 w 1099774"/>
-                  <a:gd name="connsiteY3" fmla="*/ 402885 h 970151"/>
-                  <a:gd name="connsiteX4" fmla="*/ 150988 w 1099774"/>
-                  <a:gd name="connsiteY4" fmla="*/ 912473 h 970151"/>
-                  <a:gd name="connsiteX5" fmla="*/ 12875 w 1099774"/>
-                  <a:gd name="connsiteY5" fmla="*/ 864848 h 970151"/>
-                </a:gdLst>
-                <a:ahLst/>
-                <a:cxnLst>
-                  <a:cxn ang="0">
-                    <a:pos x="connsiteX0" y="connsiteY0"/>
-                  </a:cxn>
-                  <a:cxn ang="0">
-                    <a:pos x="connsiteX1" y="connsiteY1"/>
-                  </a:cxn>
-                  <a:cxn ang="0">
-                    <a:pos x="connsiteX2" y="connsiteY2"/>
-                  </a:cxn>
-                  <a:cxn ang="0">
-                    <a:pos x="connsiteX3" y="connsiteY3"/>
-                  </a:cxn>
-                  <a:cxn ang="0">
-                    <a:pos x="connsiteX4" y="connsiteY4"/>
-                  </a:cxn>
-                  <a:cxn ang="0">
-                    <a:pos x="connsiteX5" y="connsiteY5"/>
-                  </a:cxn>
-                </a:cxnLst>
-                <a:rect l="l" t="t" r="r" b="b"/>
-                <a:pathLst>
-                  <a:path w="1099774" h="970151">
-                    <a:moveTo>
-                      <a:pt x="12875" y="864848"/>
-                    </a:moveTo>
-                    <a:cubicBezTo>
-                      <a:pt x="35894" y="720386"/>
-                      <a:pt x="146225" y="167142"/>
-                      <a:pt x="289100" y="45698"/>
-                    </a:cubicBezTo>
-                    <a:cubicBezTo>
-                      <a:pt x="431975" y="-75746"/>
-                      <a:pt x="741538" y="76654"/>
-                      <a:pt x="870125" y="136185"/>
-                    </a:cubicBezTo>
-                    <a:cubicBezTo>
-                      <a:pt x="998712" y="195716"/>
-                      <a:pt x="1180481" y="273504"/>
-                      <a:pt x="1060625" y="402885"/>
-                    </a:cubicBezTo>
-                    <a:cubicBezTo>
-                      <a:pt x="940769" y="532266"/>
-                      <a:pt x="323232" y="840242"/>
-                      <a:pt x="150988" y="912473"/>
-                    </a:cubicBezTo>
-                    <a:cubicBezTo>
-                      <a:pt x="-21256" y="984704"/>
-                      <a:pt x="-10144" y="1009310"/>
-                      <a:pt x="12875" y="864848"/>
-                    </a:cubicBezTo>
-                    <a:close/>
-                  </a:path>
-                </a:pathLst>
-              </a:custGeom>
-              <a:solidFill>
-                <a:srgbClr val="AE3818"/>
-              </a:solidFill>
-              <a:ln>
-                <a:noFill/>
-              </a:ln>
-            </p:spPr>
-            <p:style>
-              <a:lnRef idx="2">
-                <a:schemeClr val="accent1">
-                  <a:shade val="50000"/>
-                </a:schemeClr>
-              </a:lnRef>
-              <a:fillRef idx="1">
-                <a:schemeClr val="accent1"/>
-              </a:fillRef>
-              <a:effectRef idx="0">
-                <a:schemeClr val="accent1"/>
-              </a:effectRef>
-              <a:fontRef idx="minor">
-                <a:schemeClr val="lt1"/>
-              </a:fontRef>
-            </p:style>
-            <p:txBody>
-              <a:bodyPr rtlCol="0" anchor="ctr"/>
-              <a:lstStyle/>
-              <a:p>
-                <a:pPr algn="ctr"/>
-                <a:endParaRPr lang="en-GB"/>
-              </a:p>
-            </p:txBody>
-          </p:sp>
-          <p:sp>
-            <p:nvSpPr>
-              <p:cNvPr id="10" name="Oval 9">
-                <a:extLst>
-                  <a:ext uri="{FF2B5EF4-FFF2-40B4-BE49-F238E27FC236}">
-                    <a16:creationId xmlns:a16="http://schemas.microsoft.com/office/drawing/2014/main" id="{57158B9D-DDAE-4364-B52A-E66C7BCA2C1D}"/>
-                  </a:ext>
-                </a:extLst>
-              </p:cNvPr>
-              <p:cNvSpPr/>
-              <p:nvPr/>
-            </p:nvSpPr>
-            <p:spPr>
-              <a:xfrm>
-                <a:off x="9412533" y="2007046"/>
-                <a:ext cx="415385" cy="415385"/>
-              </a:xfrm>
-              <a:prstGeom prst="ellipse">
-                <a:avLst/>
-              </a:prstGeom>
-              <a:solidFill>
-                <a:srgbClr val="EC8080"/>
-              </a:solidFill>
-              <a:ln>
-                <a:noFill/>
-              </a:ln>
-            </p:spPr>
-            <p:style>
-              <a:lnRef idx="2">
-                <a:schemeClr val="accent1">
-                  <a:shade val="50000"/>
-                </a:schemeClr>
-              </a:lnRef>
-              <a:fillRef idx="1">
-                <a:schemeClr val="accent1"/>
-              </a:fillRef>
-              <a:effectRef idx="0">
-                <a:schemeClr val="accent1"/>
-              </a:effectRef>
-              <a:fontRef idx="minor">
-                <a:schemeClr val="lt1"/>
-              </a:fontRef>
-            </p:style>
-            <p:txBody>
-              <a:bodyPr rtlCol="0" anchor="ctr"/>
-              <a:lstStyle/>
-              <a:p>
-                <a:pPr algn="ctr"/>
-                <a:endParaRPr lang="en-GB"/>
-              </a:p>
-            </p:txBody>
-          </p:sp>
-        </p:grpSp>
-        <p:grpSp>
-          <p:nvGrpSpPr>
-            <p:cNvPr id="1024" name="Group 1023">
-              <a:extLst>
-                <a:ext uri="{FF2B5EF4-FFF2-40B4-BE49-F238E27FC236}">
-                  <a16:creationId xmlns:a16="http://schemas.microsoft.com/office/drawing/2014/main" id="{9FC0BA8D-585E-48BF-9611-53C9382D585D}"/>
-                </a:ext>
-              </a:extLst>
-            </p:cNvPr>
-            <p:cNvGrpSpPr/>
-            <p:nvPr/>
-          </p:nvGrpSpPr>
-          <p:grpSpPr>
-            <a:xfrm>
-              <a:off x="5116662" y="2389840"/>
-              <a:ext cx="1238839" cy="1018124"/>
-              <a:chOff x="9609138" y="3282735"/>
-              <a:chExt cx="1779746" cy="1462664"/>
-            </a:xfrm>
-          </p:grpSpPr>
-          <p:sp>
-            <p:nvSpPr>
-              <p:cNvPr id="20" name="Flowchart: Alternate Process 19">
-                <a:extLst>
-                  <a:ext uri="{FF2B5EF4-FFF2-40B4-BE49-F238E27FC236}">
-                    <a16:creationId xmlns:a16="http://schemas.microsoft.com/office/drawing/2014/main" id="{F532A59D-CD33-46D0-BAD0-1AA15CCDF501}"/>
-                  </a:ext>
-                </a:extLst>
-              </p:cNvPr>
-              <p:cNvSpPr/>
-              <p:nvPr/>
-            </p:nvSpPr>
-            <p:spPr>
-              <a:xfrm>
-                <a:off x="9815011" y="4234091"/>
-                <a:ext cx="1368000" cy="239554"/>
-              </a:xfrm>
-              <a:prstGeom prst="flowChartAlternateProcess">
-                <a:avLst/>
-              </a:prstGeom>
-              <a:solidFill>
-                <a:srgbClr val="AE3818"/>
-              </a:solidFill>
-              <a:ln>
-                <a:solidFill>
-                  <a:srgbClr val="F6C3A6"/>
-                </a:solidFill>
-              </a:ln>
-            </p:spPr>
-            <p:style>
-              <a:lnRef idx="2">
-                <a:schemeClr val="accent1">
-                  <a:shade val="50000"/>
-                </a:schemeClr>
-              </a:lnRef>
-              <a:fillRef idx="1">
-                <a:schemeClr val="accent1"/>
-              </a:fillRef>
-              <a:effectRef idx="0">
-                <a:schemeClr val="accent1"/>
-              </a:effectRef>
-              <a:fontRef idx="minor">
-                <a:schemeClr val="lt1"/>
-              </a:fontRef>
-            </p:style>
-            <p:txBody>
-              <a:bodyPr rtlCol="0" anchor="ctr"/>
-              <a:lstStyle/>
-              <a:p>
-                <a:pPr algn="ctr"/>
-                <a:endParaRPr lang="en-GB"/>
-              </a:p>
-            </p:txBody>
-          </p:sp>
-          <p:sp>
-            <p:nvSpPr>
-              <p:cNvPr id="21" name="Flowchart: Alternate Process 20">
-                <a:extLst>
-                  <a:ext uri="{FF2B5EF4-FFF2-40B4-BE49-F238E27FC236}">
-                    <a16:creationId xmlns:a16="http://schemas.microsoft.com/office/drawing/2014/main" id="{220739E6-04CD-42C2-A4F3-77075DE49083}"/>
-                  </a:ext>
-                </a:extLst>
-              </p:cNvPr>
-              <p:cNvSpPr/>
-              <p:nvPr/>
-            </p:nvSpPr>
-            <p:spPr>
-              <a:xfrm>
-                <a:off x="9707011" y="4342015"/>
-                <a:ext cx="1584000" cy="239554"/>
-              </a:xfrm>
-              <a:prstGeom prst="flowChartAlternateProcess">
-                <a:avLst/>
-              </a:prstGeom>
-              <a:solidFill>
-                <a:srgbClr val="AE3818"/>
-              </a:solidFill>
-              <a:ln>
-                <a:solidFill>
-                  <a:srgbClr val="F6C3A6"/>
-                </a:solidFill>
-              </a:ln>
-            </p:spPr>
-            <p:style>
-              <a:lnRef idx="2">
-                <a:schemeClr val="accent1">
-                  <a:shade val="50000"/>
-                </a:schemeClr>
-              </a:lnRef>
-              <a:fillRef idx="1">
-                <a:schemeClr val="accent1"/>
-              </a:fillRef>
-              <a:effectRef idx="0">
-                <a:schemeClr val="accent1"/>
-              </a:effectRef>
-              <a:fontRef idx="minor">
-                <a:schemeClr val="lt1"/>
-              </a:fontRef>
-            </p:style>
-            <p:txBody>
-              <a:bodyPr rtlCol="0" anchor="ctr"/>
-              <a:lstStyle/>
-              <a:p>
-                <a:pPr algn="ctr"/>
-                <a:endParaRPr lang="en-GB"/>
-              </a:p>
-            </p:txBody>
-          </p:sp>
-          <p:sp>
-            <p:nvSpPr>
-              <p:cNvPr id="8" name="Flowchart: Alternate Process 7">
-                <a:extLst>
-                  <a:ext uri="{FF2B5EF4-FFF2-40B4-BE49-F238E27FC236}">
-                    <a16:creationId xmlns:a16="http://schemas.microsoft.com/office/drawing/2014/main" id="{AD386DC8-DBCF-4AE4-A846-141B43CA6C56}"/>
-                  </a:ext>
-                </a:extLst>
-              </p:cNvPr>
-              <p:cNvSpPr/>
-              <p:nvPr/>
-            </p:nvSpPr>
-            <p:spPr>
-              <a:xfrm>
-                <a:off x="9609138" y="4505845"/>
-                <a:ext cx="1779746" cy="239554"/>
-              </a:xfrm>
-              <a:prstGeom prst="flowChartAlternateProcess">
-                <a:avLst/>
-              </a:prstGeom>
-              <a:solidFill>
-                <a:srgbClr val="AE3818"/>
-              </a:solidFill>
-              <a:ln>
-                <a:solidFill>
-                  <a:srgbClr val="F6C3A6"/>
-                </a:solidFill>
-              </a:ln>
-            </p:spPr>
-            <p:style>
-              <a:lnRef idx="2">
-                <a:schemeClr val="accent1">
-                  <a:shade val="50000"/>
-                </a:schemeClr>
-              </a:lnRef>
-              <a:fillRef idx="1">
-                <a:schemeClr val="accent1"/>
-              </a:fillRef>
-              <a:effectRef idx="0">
-                <a:schemeClr val="accent1"/>
-              </a:effectRef>
-              <a:fontRef idx="minor">
-                <a:schemeClr val="lt1"/>
-              </a:fontRef>
-            </p:style>
-            <p:txBody>
-              <a:bodyPr rtlCol="0" anchor="ctr"/>
-              <a:lstStyle/>
-              <a:p>
-                <a:pPr algn="ctr"/>
-                <a:endParaRPr lang="en-GB"/>
-              </a:p>
-            </p:txBody>
-          </p:sp>
-          <p:sp>
-            <p:nvSpPr>
-              <p:cNvPr id="9" name="Freeform: Shape 8">
-                <a:extLst>
-                  <a:ext uri="{FF2B5EF4-FFF2-40B4-BE49-F238E27FC236}">
-                    <a16:creationId xmlns:a16="http://schemas.microsoft.com/office/drawing/2014/main" id="{89D96E77-C4A4-4271-896A-12B658AB2596}"/>
-                  </a:ext>
-                </a:extLst>
-              </p:cNvPr>
-              <p:cNvSpPr/>
-              <p:nvPr/>
-            </p:nvSpPr>
-            <p:spPr>
-              <a:xfrm>
-                <a:off x="10001078" y="3562368"/>
-                <a:ext cx="45719" cy="559266"/>
+                <a:off x="9817666" y="2264917"/>
+                <a:ext cx="31824" cy="389291"/>
               </a:xfrm>
               <a:custGeom>
                 <a:avLst/>
@@ -5403,12 +6940,13 @@
                   </a:path>
                 </a:pathLst>
               </a:custGeom>
-              <a:solidFill>
-                <a:srgbClr val="FF0000"/>
-              </a:solidFill>
+              <a:grpFill/>
               <a:ln>
                 <a:solidFill>
-                  <a:srgbClr val="FF0000"/>
+                  <a:schemeClr val="accent1">
+                    <a:lumMod val="20000"/>
+                    <a:lumOff val="80000"/>
+                  </a:schemeClr>
                 </a:solidFill>
               </a:ln>
             </p:spPr>
@@ -5439,10 +6977,10 @@
           </p:sp>
           <p:sp>
             <p:nvSpPr>
-              <p:cNvPr id="23" name="Freeform: Shape 22">
+              <p:cNvPr id="91" name="Freeform: Shape 90">
                 <a:extLst>
                   <a:ext uri="{FF2B5EF4-FFF2-40B4-BE49-F238E27FC236}">
-                    <a16:creationId xmlns:a16="http://schemas.microsoft.com/office/drawing/2014/main" id="{B3A10F57-91AA-4825-B8B1-8D5CFC763005}"/>
+                    <a16:creationId xmlns:a16="http://schemas.microsoft.com/office/drawing/2014/main" id="{3C41154C-03E0-4D4A-B172-57B7FBABCA12}"/>
                   </a:ext>
                 </a:extLst>
               </p:cNvPr>
@@ -5451,8 +6989,8 @@
             </p:nvSpPr>
             <p:spPr>
               <a:xfrm>
-                <a:off x="10523089" y="3576426"/>
-                <a:ext cx="45719" cy="559266"/>
+                <a:off x="10181026" y="2274702"/>
+                <a:ext cx="31824" cy="389291"/>
               </a:xfrm>
               <a:custGeom>
                 <a:avLst/>
@@ -5515,12 +7053,13 @@
                   </a:path>
                 </a:pathLst>
               </a:custGeom>
-              <a:solidFill>
-                <a:srgbClr val="FF0000"/>
-              </a:solidFill>
+              <a:grpFill/>
               <a:ln>
                 <a:solidFill>
-                  <a:srgbClr val="FF0000"/>
+                  <a:schemeClr val="accent1">
+                    <a:lumMod val="20000"/>
+                    <a:lumOff val="80000"/>
+                  </a:schemeClr>
                 </a:solidFill>
               </a:ln>
             </p:spPr>
@@ -5551,10 +7090,10 @@
           </p:sp>
           <p:sp>
             <p:nvSpPr>
-              <p:cNvPr id="24" name="Freeform: Shape 23">
+              <p:cNvPr id="92" name="Freeform: Shape 91">
                 <a:extLst>
                   <a:ext uri="{FF2B5EF4-FFF2-40B4-BE49-F238E27FC236}">
-                    <a16:creationId xmlns:a16="http://schemas.microsoft.com/office/drawing/2014/main" id="{B9093827-570D-4F5E-BB88-D3E393A5C510}"/>
+                    <a16:creationId xmlns:a16="http://schemas.microsoft.com/office/drawing/2014/main" id="{00569142-3083-4FD1-A16B-F4C43DB87F02}"/>
                   </a:ext>
                 </a:extLst>
               </p:cNvPr>
@@ -5563,8 +7102,8 @@
             </p:nvSpPr>
             <p:spPr>
               <a:xfrm>
-                <a:off x="10278586" y="3326539"/>
-                <a:ext cx="45719" cy="559266"/>
+                <a:off x="10010833" y="2100762"/>
+                <a:ext cx="31824" cy="389291"/>
               </a:xfrm>
               <a:custGeom>
                 <a:avLst/>
@@ -5627,12 +7166,13 @@
                   </a:path>
                 </a:pathLst>
               </a:custGeom>
-              <a:solidFill>
-                <a:srgbClr val="FF0000"/>
-              </a:solidFill>
+              <a:grpFill/>
               <a:ln>
                 <a:solidFill>
-                  <a:srgbClr val="FF0000"/>
+                  <a:schemeClr val="accent1">
+                    <a:lumMod val="20000"/>
+                    <a:lumOff val="80000"/>
+                  </a:schemeClr>
                 </a:solidFill>
               </a:ln>
             </p:spPr>
@@ -5663,10 +7203,10 @@
           </p:sp>
           <p:sp>
             <p:nvSpPr>
-              <p:cNvPr id="25" name="Freeform: Shape 24">
+              <p:cNvPr id="93" name="Freeform: Shape 92">
                 <a:extLst>
                   <a:ext uri="{FF2B5EF4-FFF2-40B4-BE49-F238E27FC236}">
-                    <a16:creationId xmlns:a16="http://schemas.microsoft.com/office/drawing/2014/main" id="{D71939AB-C4EB-428E-82EC-01641732A88A}"/>
+                    <a16:creationId xmlns:a16="http://schemas.microsoft.com/office/drawing/2014/main" id="{2CFFD9C1-8CB9-4C92-922E-E7F2FBBFB48F}"/>
                   </a:ext>
                 </a:extLst>
               </p:cNvPr>
@@ -5675,8 +7215,8 @@
             </p:nvSpPr>
             <p:spPr>
               <a:xfrm>
-                <a:off x="10778181" y="3282735"/>
-                <a:ext cx="45719" cy="559266"/>
+                <a:off x="10358589" y="2070271"/>
+                <a:ext cx="31824" cy="389291"/>
               </a:xfrm>
               <a:custGeom>
                 <a:avLst/>
@@ -5739,12 +7279,13 @@
                   </a:path>
                 </a:pathLst>
               </a:custGeom>
-              <a:solidFill>
-                <a:srgbClr val="FF0000"/>
-              </a:solidFill>
+              <a:grpFill/>
               <a:ln>
                 <a:solidFill>
-                  <a:srgbClr val="FF0000"/>
+                  <a:schemeClr val="accent1">
+                    <a:lumMod val="20000"/>
+                    <a:lumOff val="80000"/>
+                  </a:schemeClr>
                 </a:solidFill>
               </a:ln>
             </p:spPr>
@@ -5775,10 +7316,10 @@
           </p:sp>
           <p:sp>
             <p:nvSpPr>
-              <p:cNvPr id="26" name="Freeform: Shape 25">
+              <p:cNvPr id="94" name="Freeform: Shape 93">
                 <a:extLst>
                   <a:ext uri="{FF2B5EF4-FFF2-40B4-BE49-F238E27FC236}">
-                    <a16:creationId xmlns:a16="http://schemas.microsoft.com/office/drawing/2014/main" id="{A70754AD-E39E-4257-8250-DEAF345BF927}"/>
+                    <a16:creationId xmlns:a16="http://schemas.microsoft.com/office/drawing/2014/main" id="{1A37D762-B9F5-4157-81B3-F7A1DDF6DA21}"/>
                   </a:ext>
                 </a:extLst>
               </p:cNvPr>
@@ -5787,8 +7328,8 @@
             </p:nvSpPr>
             <p:spPr>
               <a:xfrm>
-                <a:off x="11045100" y="3562368"/>
-                <a:ext cx="45719" cy="559266"/>
+                <a:off x="10544385" y="2264917"/>
+                <a:ext cx="31824" cy="389291"/>
               </a:xfrm>
               <a:custGeom>
                 <a:avLst/>
@@ -5851,12 +7392,13 @@
                   </a:path>
                 </a:pathLst>
               </a:custGeom>
-              <a:solidFill>
-                <a:srgbClr val="FF0000"/>
-              </a:solidFill>
+              <a:grpFill/>
               <a:ln>
                 <a:solidFill>
-                  <a:srgbClr val="FF0000"/>
+                  <a:schemeClr val="accent1">
+                    <a:lumMod val="20000"/>
+                    <a:lumOff val="80000"/>
+                  </a:schemeClr>
                 </a:solidFill>
               </a:ln>
             </p:spPr>
@@ -5886,2037 +7428,6 @@
             </p:txBody>
           </p:sp>
         </p:grpSp>
-        <p:cxnSp>
-          <p:nvCxnSpPr>
-            <p:cNvPr id="19" name="Straight Arrow Connector 18">
-              <a:extLst>
-                <a:ext uri="{FF2B5EF4-FFF2-40B4-BE49-F238E27FC236}">
-                  <a16:creationId xmlns:a16="http://schemas.microsoft.com/office/drawing/2014/main" id="{D08262B0-4443-4B1B-A5BF-02085788C2E5}"/>
-                </a:ext>
-              </a:extLst>
-            </p:cNvPr>
-            <p:cNvCxnSpPr>
-              <a:cxnSpLocks/>
-            </p:cNvCxnSpPr>
-            <p:nvPr/>
-          </p:nvCxnSpPr>
-          <p:spPr>
-            <a:xfrm>
-              <a:off x="1972923" y="1708327"/>
-              <a:ext cx="780974" cy="303946"/>
-            </a:xfrm>
-            <a:prstGeom prst="straightConnector1">
-              <a:avLst/>
-            </a:prstGeom>
-            <a:ln w="38100">
-              <a:solidFill>
-                <a:schemeClr val="tx1"/>
-              </a:solidFill>
-              <a:tailEnd type="triangle" w="lg" len="lg"/>
-            </a:ln>
-          </p:spPr>
-          <p:style>
-            <a:lnRef idx="1">
-              <a:schemeClr val="accent1"/>
-            </a:lnRef>
-            <a:fillRef idx="0">
-              <a:schemeClr val="accent1"/>
-            </a:fillRef>
-            <a:effectRef idx="0">
-              <a:schemeClr val="accent1"/>
-            </a:effectRef>
-            <a:fontRef idx="minor">
-              <a:schemeClr val="tx1"/>
-            </a:fontRef>
-          </p:style>
-        </p:cxnSp>
-        <p:cxnSp>
-          <p:nvCxnSpPr>
-            <p:cNvPr id="31" name="Straight Arrow Connector 30">
-              <a:extLst>
-                <a:ext uri="{FF2B5EF4-FFF2-40B4-BE49-F238E27FC236}">
-                  <a16:creationId xmlns:a16="http://schemas.microsoft.com/office/drawing/2014/main" id="{EA370AC1-675D-4BFA-B667-4D5EC46E2F69}"/>
-                </a:ext>
-              </a:extLst>
-            </p:cNvPr>
-            <p:cNvCxnSpPr>
-              <a:cxnSpLocks/>
-            </p:cNvCxnSpPr>
-            <p:nvPr/>
-          </p:nvCxnSpPr>
-          <p:spPr>
-            <a:xfrm>
-              <a:off x="4304175" y="2599807"/>
-              <a:ext cx="706396" cy="277345"/>
-            </a:xfrm>
-            <a:prstGeom prst="straightConnector1">
-              <a:avLst/>
-            </a:prstGeom>
-            <a:ln w="38100">
-              <a:solidFill>
-                <a:schemeClr val="tx1"/>
-              </a:solidFill>
-              <a:tailEnd type="triangle" w="lg" len="lg"/>
-            </a:ln>
-          </p:spPr>
-          <p:style>
-            <a:lnRef idx="1">
-              <a:schemeClr val="accent1"/>
-            </a:lnRef>
-            <a:fillRef idx="0">
-              <a:schemeClr val="accent1"/>
-            </a:fillRef>
-            <a:effectRef idx="0">
-              <a:schemeClr val="accent1"/>
-            </a:effectRef>
-            <a:fontRef idx="minor">
-              <a:schemeClr val="tx1"/>
-            </a:fontRef>
-          </p:style>
-        </p:cxnSp>
-        <p:grpSp>
-          <p:nvGrpSpPr>
-            <p:cNvPr id="1034" name="Group 1033">
-              <a:extLst>
-                <a:ext uri="{FF2B5EF4-FFF2-40B4-BE49-F238E27FC236}">
-                  <a16:creationId xmlns:a16="http://schemas.microsoft.com/office/drawing/2014/main" id="{62678918-0171-47DB-AD72-B0DF2057B8D4}"/>
-                </a:ext>
-              </a:extLst>
-            </p:cNvPr>
-            <p:cNvGrpSpPr/>
-            <p:nvPr/>
-          </p:nvGrpSpPr>
-          <p:grpSpPr>
-            <a:xfrm>
-              <a:off x="1059720" y="1268761"/>
-              <a:ext cx="709679" cy="332977"/>
-              <a:chOff x="1736358" y="1780998"/>
-              <a:chExt cx="1019542" cy="478363"/>
-            </a:xfrm>
-          </p:grpSpPr>
-          <p:sp>
-            <p:nvSpPr>
-              <p:cNvPr id="42" name="Rectangle 41">
-                <a:extLst>
-                  <a:ext uri="{FF2B5EF4-FFF2-40B4-BE49-F238E27FC236}">
-                    <a16:creationId xmlns:a16="http://schemas.microsoft.com/office/drawing/2014/main" id="{AF7804EC-ADC0-4FB4-941C-1A3518F79995}"/>
-                  </a:ext>
-                </a:extLst>
-              </p:cNvPr>
-              <p:cNvSpPr/>
-              <p:nvPr/>
-            </p:nvSpPr>
-            <p:spPr>
-              <a:xfrm>
-                <a:off x="1736358" y="1780998"/>
-                <a:ext cx="1019542" cy="478363"/>
-              </a:xfrm>
-              <a:prstGeom prst="rect">
-                <a:avLst/>
-              </a:prstGeom>
-              <a:solidFill>
-                <a:srgbClr val="AE3818"/>
-              </a:solidFill>
-              <a:ln>
-                <a:solidFill>
-                  <a:srgbClr val="F6C3A6"/>
-                </a:solidFill>
-              </a:ln>
-            </p:spPr>
-            <p:style>
-              <a:lnRef idx="2">
-                <a:schemeClr val="accent1">
-                  <a:shade val="50000"/>
-                </a:schemeClr>
-              </a:lnRef>
-              <a:fillRef idx="1">
-                <a:schemeClr val="accent1"/>
-              </a:fillRef>
-              <a:effectRef idx="0">
-                <a:schemeClr val="accent1"/>
-              </a:effectRef>
-              <a:fontRef idx="minor">
-                <a:schemeClr val="lt1"/>
-              </a:fontRef>
-            </p:style>
-            <p:txBody>
-              <a:bodyPr rtlCol="0" anchor="ctr"/>
-              <a:lstStyle/>
-              <a:p>
-                <a:pPr algn="ctr"/>
-                <a:endParaRPr lang="en-GB"/>
-              </a:p>
-            </p:txBody>
-          </p:sp>
-          <p:sp>
-            <p:nvSpPr>
-              <p:cNvPr id="43" name="Rectangle 42">
-                <a:extLst>
-                  <a:ext uri="{FF2B5EF4-FFF2-40B4-BE49-F238E27FC236}">
-                    <a16:creationId xmlns:a16="http://schemas.microsoft.com/office/drawing/2014/main" id="{E8C83465-FDFB-43C3-BDEF-63A903B5EA39}"/>
-                  </a:ext>
-                </a:extLst>
-              </p:cNvPr>
-              <p:cNvSpPr/>
-              <p:nvPr/>
-            </p:nvSpPr>
-            <p:spPr>
-              <a:xfrm>
-                <a:off x="1918984" y="1930843"/>
-                <a:ext cx="233657" cy="152400"/>
-              </a:xfrm>
-              <a:prstGeom prst="rect">
-                <a:avLst/>
-              </a:prstGeom>
-              <a:solidFill>
-                <a:srgbClr val="F6C3A6"/>
-              </a:solidFill>
-              <a:ln>
-                <a:noFill/>
-              </a:ln>
-            </p:spPr>
-            <p:style>
-              <a:lnRef idx="2">
-                <a:schemeClr val="accent1">
-                  <a:shade val="50000"/>
-                </a:schemeClr>
-              </a:lnRef>
-              <a:fillRef idx="1">
-                <a:schemeClr val="accent1"/>
-              </a:fillRef>
-              <a:effectRef idx="0">
-                <a:schemeClr val="accent1"/>
-              </a:effectRef>
-              <a:fontRef idx="minor">
-                <a:schemeClr val="lt1"/>
-              </a:fontRef>
-            </p:style>
-            <p:txBody>
-              <a:bodyPr rtlCol="0" anchor="ctr"/>
-              <a:lstStyle/>
-              <a:p>
-                <a:pPr algn="ctr"/>
-                <a:endParaRPr lang="en-GB"/>
-              </a:p>
-            </p:txBody>
-          </p:sp>
-          <p:sp>
-            <p:nvSpPr>
-              <p:cNvPr id="44" name="Rectangle 43">
-                <a:extLst>
-                  <a:ext uri="{FF2B5EF4-FFF2-40B4-BE49-F238E27FC236}">
-                    <a16:creationId xmlns:a16="http://schemas.microsoft.com/office/drawing/2014/main" id="{82C44001-4098-4516-95DC-23C75E8C05D8}"/>
-                  </a:ext>
-                </a:extLst>
-              </p:cNvPr>
-              <p:cNvSpPr/>
-              <p:nvPr/>
-            </p:nvSpPr>
-            <p:spPr>
-              <a:xfrm>
-                <a:off x="2303450" y="1930843"/>
-                <a:ext cx="72000" cy="144000"/>
-              </a:xfrm>
-              <a:prstGeom prst="rect">
-                <a:avLst/>
-              </a:prstGeom>
-              <a:solidFill>
-                <a:srgbClr val="F6C3A6"/>
-              </a:solidFill>
-              <a:ln>
-                <a:noFill/>
-              </a:ln>
-            </p:spPr>
-            <p:style>
-              <a:lnRef idx="2">
-                <a:schemeClr val="accent1">
-                  <a:shade val="50000"/>
-                </a:schemeClr>
-              </a:lnRef>
-              <a:fillRef idx="1">
-                <a:schemeClr val="accent1"/>
-              </a:fillRef>
-              <a:effectRef idx="0">
-                <a:schemeClr val="accent1"/>
-              </a:effectRef>
-              <a:fontRef idx="minor">
-                <a:schemeClr val="lt1"/>
-              </a:fontRef>
-            </p:style>
-            <p:txBody>
-              <a:bodyPr rtlCol="0" anchor="ctr"/>
-              <a:lstStyle/>
-              <a:p>
-                <a:pPr algn="ctr"/>
-                <a:endParaRPr lang="en-GB"/>
-              </a:p>
-            </p:txBody>
-          </p:sp>
-          <p:sp>
-            <p:nvSpPr>
-              <p:cNvPr id="45" name="Rectangle 44">
-                <a:extLst>
-                  <a:ext uri="{FF2B5EF4-FFF2-40B4-BE49-F238E27FC236}">
-                    <a16:creationId xmlns:a16="http://schemas.microsoft.com/office/drawing/2014/main" id="{8339A790-17EA-4BA2-8AB4-1F6171638E8A}"/>
-                  </a:ext>
-                </a:extLst>
-              </p:cNvPr>
-              <p:cNvSpPr/>
-              <p:nvPr/>
-            </p:nvSpPr>
-            <p:spPr>
-              <a:xfrm>
-                <a:off x="1938270" y="2113850"/>
-                <a:ext cx="18000" cy="36000"/>
-              </a:xfrm>
-              <a:prstGeom prst="rect">
-                <a:avLst/>
-              </a:prstGeom>
-              <a:solidFill>
-                <a:srgbClr val="F6C3A6"/>
-              </a:solidFill>
-              <a:ln>
-                <a:noFill/>
-              </a:ln>
-            </p:spPr>
-            <p:style>
-              <a:lnRef idx="2">
-                <a:schemeClr val="accent1">
-                  <a:shade val="50000"/>
-                </a:schemeClr>
-              </a:lnRef>
-              <a:fillRef idx="1">
-                <a:schemeClr val="accent1"/>
-              </a:fillRef>
-              <a:effectRef idx="0">
-                <a:schemeClr val="accent1"/>
-              </a:effectRef>
-              <a:fontRef idx="minor">
-                <a:schemeClr val="lt1"/>
-              </a:fontRef>
-            </p:style>
-            <p:txBody>
-              <a:bodyPr rtlCol="0" anchor="ctr"/>
-              <a:lstStyle/>
-              <a:p>
-                <a:pPr algn="ctr"/>
-                <a:endParaRPr lang="en-GB"/>
-              </a:p>
-            </p:txBody>
-          </p:sp>
-          <p:sp>
-            <p:nvSpPr>
-              <p:cNvPr id="46" name="Rectangle 45">
-                <a:extLst>
-                  <a:ext uri="{FF2B5EF4-FFF2-40B4-BE49-F238E27FC236}">
-                    <a16:creationId xmlns:a16="http://schemas.microsoft.com/office/drawing/2014/main" id="{4E63EF07-3F94-44AB-BDD2-D78C86F4AEB6}"/>
-                  </a:ext>
-                </a:extLst>
-              </p:cNvPr>
-              <p:cNvSpPr/>
-              <p:nvPr/>
-            </p:nvSpPr>
-            <p:spPr>
-              <a:xfrm>
-                <a:off x="2055149" y="2113432"/>
-                <a:ext cx="18000" cy="36000"/>
-              </a:xfrm>
-              <a:prstGeom prst="rect">
-                <a:avLst/>
-              </a:prstGeom>
-              <a:solidFill>
-                <a:srgbClr val="F6C3A6"/>
-              </a:solidFill>
-              <a:ln>
-                <a:noFill/>
-              </a:ln>
-            </p:spPr>
-            <p:style>
-              <a:lnRef idx="2">
-                <a:schemeClr val="accent1">
-                  <a:shade val="50000"/>
-                </a:schemeClr>
-              </a:lnRef>
-              <a:fillRef idx="1">
-                <a:schemeClr val="accent1"/>
-              </a:fillRef>
-              <a:effectRef idx="0">
-                <a:schemeClr val="accent1"/>
-              </a:effectRef>
-              <a:fontRef idx="minor">
-                <a:schemeClr val="lt1"/>
-              </a:fontRef>
-            </p:style>
-            <p:txBody>
-              <a:bodyPr rtlCol="0" anchor="ctr"/>
-              <a:lstStyle/>
-              <a:p>
-                <a:pPr algn="ctr"/>
-                <a:endParaRPr lang="en-GB"/>
-              </a:p>
-            </p:txBody>
-          </p:sp>
-          <p:sp>
-            <p:nvSpPr>
-              <p:cNvPr id="47" name="Rectangle 46">
-                <a:extLst>
-                  <a:ext uri="{FF2B5EF4-FFF2-40B4-BE49-F238E27FC236}">
-                    <a16:creationId xmlns:a16="http://schemas.microsoft.com/office/drawing/2014/main" id="{1D98386C-C906-4B9A-B94C-BCB6213304B6}"/>
-                  </a:ext>
-                </a:extLst>
-              </p:cNvPr>
-              <p:cNvSpPr/>
-              <p:nvPr/>
-            </p:nvSpPr>
-            <p:spPr>
-              <a:xfrm>
-                <a:off x="1996369" y="2113432"/>
-                <a:ext cx="18000" cy="36000"/>
-              </a:xfrm>
-              <a:prstGeom prst="rect">
-                <a:avLst/>
-              </a:prstGeom>
-              <a:solidFill>
-                <a:srgbClr val="F6C3A6"/>
-              </a:solidFill>
-              <a:ln>
-                <a:noFill/>
-              </a:ln>
-            </p:spPr>
-            <p:style>
-              <a:lnRef idx="2">
-                <a:schemeClr val="accent1">
-                  <a:shade val="50000"/>
-                </a:schemeClr>
-              </a:lnRef>
-              <a:fillRef idx="1">
-                <a:schemeClr val="accent1"/>
-              </a:fillRef>
-              <a:effectRef idx="0">
-                <a:schemeClr val="accent1"/>
-              </a:effectRef>
-              <a:fontRef idx="minor">
-                <a:schemeClr val="lt1"/>
-              </a:fontRef>
-            </p:style>
-            <p:txBody>
-              <a:bodyPr rtlCol="0" anchor="ctr"/>
-              <a:lstStyle/>
-              <a:p>
-                <a:pPr algn="ctr"/>
-                <a:endParaRPr lang="en-GB"/>
-              </a:p>
-            </p:txBody>
-          </p:sp>
-          <p:sp>
-            <p:nvSpPr>
-              <p:cNvPr id="48" name="Rectangle 47">
-                <a:extLst>
-                  <a:ext uri="{FF2B5EF4-FFF2-40B4-BE49-F238E27FC236}">
-                    <a16:creationId xmlns:a16="http://schemas.microsoft.com/office/drawing/2014/main" id="{0212259D-BB55-4876-9A6E-A50146AAE36B}"/>
-                  </a:ext>
-                </a:extLst>
-              </p:cNvPr>
-              <p:cNvSpPr/>
-              <p:nvPr/>
-            </p:nvSpPr>
-            <p:spPr>
-              <a:xfrm>
-                <a:off x="2113623" y="2113850"/>
-                <a:ext cx="18000" cy="36000"/>
-              </a:xfrm>
-              <a:prstGeom prst="rect">
-                <a:avLst/>
-              </a:prstGeom>
-              <a:solidFill>
-                <a:srgbClr val="F6C3A6"/>
-              </a:solidFill>
-              <a:ln>
-                <a:noFill/>
-              </a:ln>
-            </p:spPr>
-            <p:style>
-              <a:lnRef idx="2">
-                <a:schemeClr val="accent1">
-                  <a:shade val="50000"/>
-                </a:schemeClr>
-              </a:lnRef>
-              <a:fillRef idx="1">
-                <a:schemeClr val="accent1"/>
-              </a:fillRef>
-              <a:effectRef idx="0">
-                <a:schemeClr val="accent1"/>
-              </a:effectRef>
-              <a:fontRef idx="minor">
-                <a:schemeClr val="lt1"/>
-              </a:fontRef>
-            </p:style>
-            <p:txBody>
-              <a:bodyPr rtlCol="0" anchor="ctr"/>
-              <a:lstStyle/>
-              <a:p>
-                <a:pPr algn="ctr"/>
-                <a:endParaRPr lang="en-GB"/>
-              </a:p>
-            </p:txBody>
-          </p:sp>
-          <p:sp>
-            <p:nvSpPr>
-              <p:cNvPr id="49" name="Rectangle 48">
-                <a:extLst>
-                  <a:ext uri="{FF2B5EF4-FFF2-40B4-BE49-F238E27FC236}">
-                    <a16:creationId xmlns:a16="http://schemas.microsoft.com/office/drawing/2014/main" id="{EDEF1AA8-41BB-42E9-AA0D-EEFC6E45C7B7}"/>
-                  </a:ext>
-                </a:extLst>
-              </p:cNvPr>
-              <p:cNvSpPr/>
-              <p:nvPr/>
-            </p:nvSpPr>
-            <p:spPr>
-              <a:xfrm>
-                <a:off x="1938270" y="1863806"/>
-                <a:ext cx="18000" cy="36000"/>
-              </a:xfrm>
-              <a:prstGeom prst="rect">
-                <a:avLst/>
-              </a:prstGeom>
-              <a:solidFill>
-                <a:srgbClr val="F6C3A6"/>
-              </a:solidFill>
-              <a:ln>
-                <a:noFill/>
-              </a:ln>
-            </p:spPr>
-            <p:style>
-              <a:lnRef idx="2">
-                <a:schemeClr val="accent1">
-                  <a:shade val="50000"/>
-                </a:schemeClr>
-              </a:lnRef>
-              <a:fillRef idx="1">
-                <a:schemeClr val="accent1"/>
-              </a:fillRef>
-              <a:effectRef idx="0">
-                <a:schemeClr val="accent1"/>
-              </a:effectRef>
-              <a:fontRef idx="minor">
-                <a:schemeClr val="lt1"/>
-              </a:fontRef>
-            </p:style>
-            <p:txBody>
-              <a:bodyPr rtlCol="0" anchor="ctr"/>
-              <a:lstStyle/>
-              <a:p>
-                <a:pPr algn="ctr"/>
-                <a:endParaRPr lang="en-GB"/>
-              </a:p>
-            </p:txBody>
-          </p:sp>
-          <p:sp>
-            <p:nvSpPr>
-              <p:cNvPr id="50" name="Rectangle 49">
-                <a:extLst>
-                  <a:ext uri="{FF2B5EF4-FFF2-40B4-BE49-F238E27FC236}">
-                    <a16:creationId xmlns:a16="http://schemas.microsoft.com/office/drawing/2014/main" id="{C5BFD6D0-F3DE-476F-A4D9-60145001D8FA}"/>
-                  </a:ext>
-                </a:extLst>
-              </p:cNvPr>
-              <p:cNvSpPr/>
-              <p:nvPr/>
-            </p:nvSpPr>
-            <p:spPr>
-              <a:xfrm>
-                <a:off x="2055149" y="1863388"/>
-                <a:ext cx="18000" cy="36000"/>
-              </a:xfrm>
-              <a:prstGeom prst="rect">
-                <a:avLst/>
-              </a:prstGeom>
-              <a:solidFill>
-                <a:srgbClr val="F6C3A6"/>
-              </a:solidFill>
-              <a:ln>
-                <a:noFill/>
-              </a:ln>
-            </p:spPr>
-            <p:style>
-              <a:lnRef idx="2">
-                <a:schemeClr val="accent1">
-                  <a:shade val="50000"/>
-                </a:schemeClr>
-              </a:lnRef>
-              <a:fillRef idx="1">
-                <a:schemeClr val="accent1"/>
-              </a:fillRef>
-              <a:effectRef idx="0">
-                <a:schemeClr val="accent1"/>
-              </a:effectRef>
-              <a:fontRef idx="minor">
-                <a:schemeClr val="lt1"/>
-              </a:fontRef>
-            </p:style>
-            <p:txBody>
-              <a:bodyPr rtlCol="0" anchor="ctr"/>
-              <a:lstStyle/>
-              <a:p>
-                <a:pPr algn="ctr"/>
-                <a:endParaRPr lang="en-GB"/>
-              </a:p>
-            </p:txBody>
-          </p:sp>
-          <p:sp>
-            <p:nvSpPr>
-              <p:cNvPr id="51" name="Rectangle 50">
-                <a:extLst>
-                  <a:ext uri="{FF2B5EF4-FFF2-40B4-BE49-F238E27FC236}">
-                    <a16:creationId xmlns:a16="http://schemas.microsoft.com/office/drawing/2014/main" id="{DB3E6E80-7EBF-462B-A72B-7A208BFD5BD3}"/>
-                  </a:ext>
-                </a:extLst>
-              </p:cNvPr>
-              <p:cNvSpPr/>
-              <p:nvPr/>
-            </p:nvSpPr>
-            <p:spPr>
-              <a:xfrm>
-                <a:off x="1996369" y="1863388"/>
-                <a:ext cx="18000" cy="36000"/>
-              </a:xfrm>
-              <a:prstGeom prst="rect">
-                <a:avLst/>
-              </a:prstGeom>
-              <a:solidFill>
-                <a:srgbClr val="F6C3A6"/>
-              </a:solidFill>
-              <a:ln>
-                <a:noFill/>
-              </a:ln>
-            </p:spPr>
-            <p:style>
-              <a:lnRef idx="2">
-                <a:schemeClr val="accent1">
-                  <a:shade val="50000"/>
-                </a:schemeClr>
-              </a:lnRef>
-              <a:fillRef idx="1">
-                <a:schemeClr val="accent1"/>
-              </a:fillRef>
-              <a:effectRef idx="0">
-                <a:schemeClr val="accent1"/>
-              </a:effectRef>
-              <a:fontRef idx="minor">
-                <a:schemeClr val="lt1"/>
-              </a:fontRef>
-            </p:style>
-            <p:txBody>
-              <a:bodyPr rtlCol="0" anchor="ctr"/>
-              <a:lstStyle/>
-              <a:p>
-                <a:pPr algn="ctr"/>
-                <a:endParaRPr lang="en-GB"/>
-              </a:p>
-            </p:txBody>
-          </p:sp>
-          <p:sp>
-            <p:nvSpPr>
-              <p:cNvPr id="52" name="Rectangle 51">
-                <a:extLst>
-                  <a:ext uri="{FF2B5EF4-FFF2-40B4-BE49-F238E27FC236}">
-                    <a16:creationId xmlns:a16="http://schemas.microsoft.com/office/drawing/2014/main" id="{7A1F051E-6F6E-4F2F-9667-737895138E37}"/>
-                  </a:ext>
-                </a:extLst>
-              </p:cNvPr>
-              <p:cNvSpPr/>
-              <p:nvPr/>
-            </p:nvSpPr>
-            <p:spPr>
-              <a:xfrm>
-                <a:off x="2113623" y="1863806"/>
-                <a:ext cx="18000" cy="36000"/>
-              </a:xfrm>
-              <a:prstGeom prst="rect">
-                <a:avLst/>
-              </a:prstGeom>
-              <a:solidFill>
-                <a:srgbClr val="F6C3A6"/>
-              </a:solidFill>
-              <a:ln>
-                <a:noFill/>
-              </a:ln>
-            </p:spPr>
-            <p:style>
-              <a:lnRef idx="2">
-                <a:schemeClr val="accent1">
-                  <a:shade val="50000"/>
-                </a:schemeClr>
-              </a:lnRef>
-              <a:fillRef idx="1">
-                <a:schemeClr val="accent1"/>
-              </a:fillRef>
-              <a:effectRef idx="0">
-                <a:schemeClr val="accent1"/>
-              </a:effectRef>
-              <a:fontRef idx="minor">
-                <a:schemeClr val="lt1"/>
-              </a:fontRef>
-            </p:style>
-            <p:txBody>
-              <a:bodyPr rtlCol="0" anchor="ctr"/>
-              <a:lstStyle/>
-              <a:p>
-                <a:pPr algn="ctr"/>
-                <a:endParaRPr lang="en-GB"/>
-              </a:p>
-            </p:txBody>
-          </p:sp>
-        </p:grpSp>
-        <p:grpSp>
-          <p:nvGrpSpPr>
-            <p:cNvPr id="54" name="Group 53">
-              <a:extLst>
-                <a:ext uri="{FF2B5EF4-FFF2-40B4-BE49-F238E27FC236}">
-                  <a16:creationId xmlns:a16="http://schemas.microsoft.com/office/drawing/2014/main" id="{A40EB6EE-A57F-4A7E-8C65-20B92FF873D6}"/>
-                </a:ext>
-              </a:extLst>
-            </p:cNvPr>
-            <p:cNvGrpSpPr/>
-            <p:nvPr/>
-          </p:nvGrpSpPr>
-          <p:grpSpPr>
-            <a:xfrm>
-              <a:off x="1123928" y="1416961"/>
-              <a:ext cx="709679" cy="332977"/>
-              <a:chOff x="1736358" y="1780998"/>
-              <a:chExt cx="1019542" cy="478363"/>
-            </a:xfrm>
-          </p:grpSpPr>
-          <p:sp>
-            <p:nvSpPr>
-              <p:cNvPr id="55" name="Rectangle 54">
-                <a:extLst>
-                  <a:ext uri="{FF2B5EF4-FFF2-40B4-BE49-F238E27FC236}">
-                    <a16:creationId xmlns:a16="http://schemas.microsoft.com/office/drawing/2014/main" id="{4C2DDCD2-9327-4F84-99E5-750AAC1A2778}"/>
-                  </a:ext>
-                </a:extLst>
-              </p:cNvPr>
-              <p:cNvSpPr/>
-              <p:nvPr/>
-            </p:nvSpPr>
-            <p:spPr>
-              <a:xfrm>
-                <a:off x="1736358" y="1780998"/>
-                <a:ext cx="1019542" cy="478363"/>
-              </a:xfrm>
-              <a:prstGeom prst="rect">
-                <a:avLst/>
-              </a:prstGeom>
-              <a:solidFill>
-                <a:srgbClr val="AE3818"/>
-              </a:solidFill>
-              <a:ln>
-                <a:solidFill>
-                  <a:srgbClr val="F6C3A6"/>
-                </a:solidFill>
-              </a:ln>
-            </p:spPr>
-            <p:style>
-              <a:lnRef idx="2">
-                <a:schemeClr val="accent1">
-                  <a:shade val="50000"/>
-                </a:schemeClr>
-              </a:lnRef>
-              <a:fillRef idx="1">
-                <a:schemeClr val="accent1"/>
-              </a:fillRef>
-              <a:effectRef idx="0">
-                <a:schemeClr val="accent1"/>
-              </a:effectRef>
-              <a:fontRef idx="minor">
-                <a:schemeClr val="lt1"/>
-              </a:fontRef>
-            </p:style>
-            <p:txBody>
-              <a:bodyPr rtlCol="0" anchor="ctr"/>
-              <a:lstStyle/>
-              <a:p>
-                <a:pPr algn="ctr"/>
-                <a:endParaRPr lang="en-GB"/>
-              </a:p>
-            </p:txBody>
-          </p:sp>
-          <p:sp>
-            <p:nvSpPr>
-              <p:cNvPr id="56" name="Rectangle 55">
-                <a:extLst>
-                  <a:ext uri="{FF2B5EF4-FFF2-40B4-BE49-F238E27FC236}">
-                    <a16:creationId xmlns:a16="http://schemas.microsoft.com/office/drawing/2014/main" id="{B58BF23C-2694-4070-B587-3F9B1E416E0F}"/>
-                  </a:ext>
-                </a:extLst>
-              </p:cNvPr>
-              <p:cNvSpPr/>
-              <p:nvPr/>
-            </p:nvSpPr>
-            <p:spPr>
-              <a:xfrm>
-                <a:off x="1918984" y="1930843"/>
-                <a:ext cx="233657" cy="152400"/>
-              </a:xfrm>
-              <a:prstGeom prst="rect">
-                <a:avLst/>
-              </a:prstGeom>
-              <a:solidFill>
-                <a:srgbClr val="F6C3A6"/>
-              </a:solidFill>
-              <a:ln>
-                <a:noFill/>
-              </a:ln>
-            </p:spPr>
-            <p:style>
-              <a:lnRef idx="2">
-                <a:schemeClr val="accent1">
-                  <a:shade val="50000"/>
-                </a:schemeClr>
-              </a:lnRef>
-              <a:fillRef idx="1">
-                <a:schemeClr val="accent1"/>
-              </a:fillRef>
-              <a:effectRef idx="0">
-                <a:schemeClr val="accent1"/>
-              </a:effectRef>
-              <a:fontRef idx="minor">
-                <a:schemeClr val="lt1"/>
-              </a:fontRef>
-            </p:style>
-            <p:txBody>
-              <a:bodyPr rtlCol="0" anchor="ctr"/>
-              <a:lstStyle/>
-              <a:p>
-                <a:pPr algn="ctr"/>
-                <a:endParaRPr lang="en-GB"/>
-              </a:p>
-            </p:txBody>
-          </p:sp>
-          <p:sp>
-            <p:nvSpPr>
-              <p:cNvPr id="57" name="Rectangle 56">
-                <a:extLst>
-                  <a:ext uri="{FF2B5EF4-FFF2-40B4-BE49-F238E27FC236}">
-                    <a16:creationId xmlns:a16="http://schemas.microsoft.com/office/drawing/2014/main" id="{42759A6D-E423-4318-9265-265CD5781D05}"/>
-                  </a:ext>
-                </a:extLst>
-              </p:cNvPr>
-              <p:cNvSpPr/>
-              <p:nvPr/>
-            </p:nvSpPr>
-            <p:spPr>
-              <a:xfrm>
-                <a:off x="2303450" y="1930843"/>
-                <a:ext cx="72000" cy="144000"/>
-              </a:xfrm>
-              <a:prstGeom prst="rect">
-                <a:avLst/>
-              </a:prstGeom>
-              <a:solidFill>
-                <a:srgbClr val="F6C3A6"/>
-              </a:solidFill>
-              <a:ln>
-                <a:noFill/>
-              </a:ln>
-            </p:spPr>
-            <p:style>
-              <a:lnRef idx="2">
-                <a:schemeClr val="accent1">
-                  <a:shade val="50000"/>
-                </a:schemeClr>
-              </a:lnRef>
-              <a:fillRef idx="1">
-                <a:schemeClr val="accent1"/>
-              </a:fillRef>
-              <a:effectRef idx="0">
-                <a:schemeClr val="accent1"/>
-              </a:effectRef>
-              <a:fontRef idx="minor">
-                <a:schemeClr val="lt1"/>
-              </a:fontRef>
-            </p:style>
-            <p:txBody>
-              <a:bodyPr rtlCol="0" anchor="ctr"/>
-              <a:lstStyle/>
-              <a:p>
-                <a:pPr algn="ctr"/>
-                <a:endParaRPr lang="en-GB"/>
-              </a:p>
-            </p:txBody>
-          </p:sp>
-          <p:sp>
-            <p:nvSpPr>
-              <p:cNvPr id="58" name="Rectangle 57">
-                <a:extLst>
-                  <a:ext uri="{FF2B5EF4-FFF2-40B4-BE49-F238E27FC236}">
-                    <a16:creationId xmlns:a16="http://schemas.microsoft.com/office/drawing/2014/main" id="{781FBC02-6023-4568-99DB-15B3FFEA16C4}"/>
-                  </a:ext>
-                </a:extLst>
-              </p:cNvPr>
-              <p:cNvSpPr/>
-              <p:nvPr/>
-            </p:nvSpPr>
-            <p:spPr>
-              <a:xfrm>
-                <a:off x="1938270" y="2113850"/>
-                <a:ext cx="18000" cy="36000"/>
-              </a:xfrm>
-              <a:prstGeom prst="rect">
-                <a:avLst/>
-              </a:prstGeom>
-              <a:solidFill>
-                <a:srgbClr val="F6C3A6"/>
-              </a:solidFill>
-              <a:ln>
-                <a:noFill/>
-              </a:ln>
-            </p:spPr>
-            <p:style>
-              <a:lnRef idx="2">
-                <a:schemeClr val="accent1">
-                  <a:shade val="50000"/>
-                </a:schemeClr>
-              </a:lnRef>
-              <a:fillRef idx="1">
-                <a:schemeClr val="accent1"/>
-              </a:fillRef>
-              <a:effectRef idx="0">
-                <a:schemeClr val="accent1"/>
-              </a:effectRef>
-              <a:fontRef idx="minor">
-                <a:schemeClr val="lt1"/>
-              </a:fontRef>
-            </p:style>
-            <p:txBody>
-              <a:bodyPr rtlCol="0" anchor="ctr"/>
-              <a:lstStyle/>
-              <a:p>
-                <a:pPr algn="ctr"/>
-                <a:endParaRPr lang="en-GB"/>
-              </a:p>
-            </p:txBody>
-          </p:sp>
-          <p:sp>
-            <p:nvSpPr>
-              <p:cNvPr id="59" name="Rectangle 58">
-                <a:extLst>
-                  <a:ext uri="{FF2B5EF4-FFF2-40B4-BE49-F238E27FC236}">
-                    <a16:creationId xmlns:a16="http://schemas.microsoft.com/office/drawing/2014/main" id="{181A802D-A469-48A3-985D-AA1F67C1AC36}"/>
-                  </a:ext>
-                </a:extLst>
-              </p:cNvPr>
-              <p:cNvSpPr/>
-              <p:nvPr/>
-            </p:nvSpPr>
-            <p:spPr>
-              <a:xfrm>
-                <a:off x="2055149" y="2113432"/>
-                <a:ext cx="18000" cy="36000"/>
-              </a:xfrm>
-              <a:prstGeom prst="rect">
-                <a:avLst/>
-              </a:prstGeom>
-              <a:solidFill>
-                <a:srgbClr val="F6C3A6"/>
-              </a:solidFill>
-              <a:ln>
-                <a:noFill/>
-              </a:ln>
-            </p:spPr>
-            <p:style>
-              <a:lnRef idx="2">
-                <a:schemeClr val="accent1">
-                  <a:shade val="50000"/>
-                </a:schemeClr>
-              </a:lnRef>
-              <a:fillRef idx="1">
-                <a:schemeClr val="accent1"/>
-              </a:fillRef>
-              <a:effectRef idx="0">
-                <a:schemeClr val="accent1"/>
-              </a:effectRef>
-              <a:fontRef idx="minor">
-                <a:schemeClr val="lt1"/>
-              </a:fontRef>
-            </p:style>
-            <p:txBody>
-              <a:bodyPr rtlCol="0" anchor="ctr"/>
-              <a:lstStyle/>
-              <a:p>
-                <a:pPr algn="ctr"/>
-                <a:endParaRPr lang="en-GB"/>
-              </a:p>
-            </p:txBody>
-          </p:sp>
-          <p:sp>
-            <p:nvSpPr>
-              <p:cNvPr id="60" name="Rectangle 59">
-                <a:extLst>
-                  <a:ext uri="{FF2B5EF4-FFF2-40B4-BE49-F238E27FC236}">
-                    <a16:creationId xmlns:a16="http://schemas.microsoft.com/office/drawing/2014/main" id="{89896698-73E9-4321-9955-D934226A7D52}"/>
-                  </a:ext>
-                </a:extLst>
-              </p:cNvPr>
-              <p:cNvSpPr/>
-              <p:nvPr/>
-            </p:nvSpPr>
-            <p:spPr>
-              <a:xfrm>
-                <a:off x="1996369" y="2113432"/>
-                <a:ext cx="18000" cy="36000"/>
-              </a:xfrm>
-              <a:prstGeom prst="rect">
-                <a:avLst/>
-              </a:prstGeom>
-              <a:solidFill>
-                <a:srgbClr val="F6C3A6"/>
-              </a:solidFill>
-              <a:ln>
-                <a:noFill/>
-              </a:ln>
-            </p:spPr>
-            <p:style>
-              <a:lnRef idx="2">
-                <a:schemeClr val="accent1">
-                  <a:shade val="50000"/>
-                </a:schemeClr>
-              </a:lnRef>
-              <a:fillRef idx="1">
-                <a:schemeClr val="accent1"/>
-              </a:fillRef>
-              <a:effectRef idx="0">
-                <a:schemeClr val="accent1"/>
-              </a:effectRef>
-              <a:fontRef idx="minor">
-                <a:schemeClr val="lt1"/>
-              </a:fontRef>
-            </p:style>
-            <p:txBody>
-              <a:bodyPr rtlCol="0" anchor="ctr"/>
-              <a:lstStyle/>
-              <a:p>
-                <a:pPr algn="ctr"/>
-                <a:endParaRPr lang="en-GB"/>
-              </a:p>
-            </p:txBody>
-          </p:sp>
-          <p:sp>
-            <p:nvSpPr>
-              <p:cNvPr id="61" name="Rectangle 60">
-                <a:extLst>
-                  <a:ext uri="{FF2B5EF4-FFF2-40B4-BE49-F238E27FC236}">
-                    <a16:creationId xmlns:a16="http://schemas.microsoft.com/office/drawing/2014/main" id="{3D9D5FD0-18AB-416E-9BB7-C7D7398870D4}"/>
-                  </a:ext>
-                </a:extLst>
-              </p:cNvPr>
-              <p:cNvSpPr/>
-              <p:nvPr/>
-            </p:nvSpPr>
-            <p:spPr>
-              <a:xfrm>
-                <a:off x="2113623" y="2113850"/>
-                <a:ext cx="18000" cy="36000"/>
-              </a:xfrm>
-              <a:prstGeom prst="rect">
-                <a:avLst/>
-              </a:prstGeom>
-              <a:solidFill>
-                <a:srgbClr val="F6C3A6"/>
-              </a:solidFill>
-              <a:ln>
-                <a:noFill/>
-              </a:ln>
-            </p:spPr>
-            <p:style>
-              <a:lnRef idx="2">
-                <a:schemeClr val="accent1">
-                  <a:shade val="50000"/>
-                </a:schemeClr>
-              </a:lnRef>
-              <a:fillRef idx="1">
-                <a:schemeClr val="accent1"/>
-              </a:fillRef>
-              <a:effectRef idx="0">
-                <a:schemeClr val="accent1"/>
-              </a:effectRef>
-              <a:fontRef idx="minor">
-                <a:schemeClr val="lt1"/>
-              </a:fontRef>
-            </p:style>
-            <p:txBody>
-              <a:bodyPr rtlCol="0" anchor="ctr"/>
-              <a:lstStyle/>
-              <a:p>
-                <a:pPr algn="ctr"/>
-                <a:endParaRPr lang="en-GB"/>
-              </a:p>
-            </p:txBody>
-          </p:sp>
-          <p:sp>
-            <p:nvSpPr>
-              <p:cNvPr id="62" name="Rectangle 61">
-                <a:extLst>
-                  <a:ext uri="{FF2B5EF4-FFF2-40B4-BE49-F238E27FC236}">
-                    <a16:creationId xmlns:a16="http://schemas.microsoft.com/office/drawing/2014/main" id="{57B772D4-957D-424B-BF94-4E1DDDEAE115}"/>
-                  </a:ext>
-                </a:extLst>
-              </p:cNvPr>
-              <p:cNvSpPr/>
-              <p:nvPr/>
-            </p:nvSpPr>
-            <p:spPr>
-              <a:xfrm>
-                <a:off x="1938270" y="1863806"/>
-                <a:ext cx="18000" cy="36000"/>
-              </a:xfrm>
-              <a:prstGeom prst="rect">
-                <a:avLst/>
-              </a:prstGeom>
-              <a:solidFill>
-                <a:srgbClr val="F6C3A6"/>
-              </a:solidFill>
-              <a:ln>
-                <a:noFill/>
-              </a:ln>
-            </p:spPr>
-            <p:style>
-              <a:lnRef idx="2">
-                <a:schemeClr val="accent1">
-                  <a:shade val="50000"/>
-                </a:schemeClr>
-              </a:lnRef>
-              <a:fillRef idx="1">
-                <a:schemeClr val="accent1"/>
-              </a:fillRef>
-              <a:effectRef idx="0">
-                <a:schemeClr val="accent1"/>
-              </a:effectRef>
-              <a:fontRef idx="minor">
-                <a:schemeClr val="lt1"/>
-              </a:fontRef>
-            </p:style>
-            <p:txBody>
-              <a:bodyPr rtlCol="0" anchor="ctr"/>
-              <a:lstStyle/>
-              <a:p>
-                <a:pPr algn="ctr"/>
-                <a:endParaRPr lang="en-GB"/>
-              </a:p>
-            </p:txBody>
-          </p:sp>
-          <p:sp>
-            <p:nvSpPr>
-              <p:cNvPr id="63" name="Rectangle 62">
-                <a:extLst>
-                  <a:ext uri="{FF2B5EF4-FFF2-40B4-BE49-F238E27FC236}">
-                    <a16:creationId xmlns:a16="http://schemas.microsoft.com/office/drawing/2014/main" id="{3E193476-5476-467A-9996-D09188B87107}"/>
-                  </a:ext>
-                </a:extLst>
-              </p:cNvPr>
-              <p:cNvSpPr/>
-              <p:nvPr/>
-            </p:nvSpPr>
-            <p:spPr>
-              <a:xfrm>
-                <a:off x="2055149" y="1863388"/>
-                <a:ext cx="18000" cy="36000"/>
-              </a:xfrm>
-              <a:prstGeom prst="rect">
-                <a:avLst/>
-              </a:prstGeom>
-              <a:solidFill>
-                <a:srgbClr val="F6C3A6"/>
-              </a:solidFill>
-              <a:ln>
-                <a:noFill/>
-              </a:ln>
-            </p:spPr>
-            <p:style>
-              <a:lnRef idx="2">
-                <a:schemeClr val="accent1">
-                  <a:shade val="50000"/>
-                </a:schemeClr>
-              </a:lnRef>
-              <a:fillRef idx="1">
-                <a:schemeClr val="accent1"/>
-              </a:fillRef>
-              <a:effectRef idx="0">
-                <a:schemeClr val="accent1"/>
-              </a:effectRef>
-              <a:fontRef idx="minor">
-                <a:schemeClr val="lt1"/>
-              </a:fontRef>
-            </p:style>
-            <p:txBody>
-              <a:bodyPr rtlCol="0" anchor="ctr"/>
-              <a:lstStyle/>
-              <a:p>
-                <a:pPr algn="ctr"/>
-                <a:endParaRPr lang="en-GB"/>
-              </a:p>
-            </p:txBody>
-          </p:sp>
-          <p:sp>
-            <p:nvSpPr>
-              <p:cNvPr id="64" name="Rectangle 63">
-                <a:extLst>
-                  <a:ext uri="{FF2B5EF4-FFF2-40B4-BE49-F238E27FC236}">
-                    <a16:creationId xmlns:a16="http://schemas.microsoft.com/office/drawing/2014/main" id="{C33FA728-45F8-4057-A4B9-06F1A33E59BC}"/>
-                  </a:ext>
-                </a:extLst>
-              </p:cNvPr>
-              <p:cNvSpPr/>
-              <p:nvPr/>
-            </p:nvSpPr>
-            <p:spPr>
-              <a:xfrm>
-                <a:off x="1996369" y="1863388"/>
-                <a:ext cx="18000" cy="36000"/>
-              </a:xfrm>
-              <a:prstGeom prst="rect">
-                <a:avLst/>
-              </a:prstGeom>
-              <a:solidFill>
-                <a:srgbClr val="F6C3A6"/>
-              </a:solidFill>
-              <a:ln>
-                <a:noFill/>
-              </a:ln>
-            </p:spPr>
-            <p:style>
-              <a:lnRef idx="2">
-                <a:schemeClr val="accent1">
-                  <a:shade val="50000"/>
-                </a:schemeClr>
-              </a:lnRef>
-              <a:fillRef idx="1">
-                <a:schemeClr val="accent1"/>
-              </a:fillRef>
-              <a:effectRef idx="0">
-                <a:schemeClr val="accent1"/>
-              </a:effectRef>
-              <a:fontRef idx="minor">
-                <a:schemeClr val="lt1"/>
-              </a:fontRef>
-            </p:style>
-            <p:txBody>
-              <a:bodyPr rtlCol="0" anchor="ctr"/>
-              <a:lstStyle/>
-              <a:p>
-                <a:pPr algn="ctr"/>
-                <a:endParaRPr lang="en-GB"/>
-              </a:p>
-            </p:txBody>
-          </p:sp>
-          <p:sp>
-            <p:nvSpPr>
-              <p:cNvPr id="65" name="Rectangle 64">
-                <a:extLst>
-                  <a:ext uri="{FF2B5EF4-FFF2-40B4-BE49-F238E27FC236}">
-                    <a16:creationId xmlns:a16="http://schemas.microsoft.com/office/drawing/2014/main" id="{1B4A01BF-478D-4D96-80CC-70FA89F9FEA3}"/>
-                  </a:ext>
-                </a:extLst>
-              </p:cNvPr>
-              <p:cNvSpPr/>
-              <p:nvPr/>
-            </p:nvSpPr>
-            <p:spPr>
-              <a:xfrm>
-                <a:off x="2113623" y="1863806"/>
-                <a:ext cx="18000" cy="36000"/>
-              </a:xfrm>
-              <a:prstGeom prst="rect">
-                <a:avLst/>
-              </a:prstGeom>
-              <a:solidFill>
-                <a:srgbClr val="F6C3A6"/>
-              </a:solidFill>
-              <a:ln>
-                <a:noFill/>
-              </a:ln>
-            </p:spPr>
-            <p:style>
-              <a:lnRef idx="2">
-                <a:schemeClr val="accent1">
-                  <a:shade val="50000"/>
-                </a:schemeClr>
-              </a:lnRef>
-              <a:fillRef idx="1">
-                <a:schemeClr val="accent1"/>
-              </a:fillRef>
-              <a:effectRef idx="0">
-                <a:schemeClr val="accent1"/>
-              </a:effectRef>
-              <a:fontRef idx="minor">
-                <a:schemeClr val="lt1"/>
-              </a:fontRef>
-            </p:style>
-            <p:txBody>
-              <a:bodyPr rtlCol="0" anchor="ctr"/>
-              <a:lstStyle/>
-              <a:p>
-                <a:pPr algn="ctr"/>
-                <a:endParaRPr lang="en-GB"/>
-              </a:p>
-            </p:txBody>
-          </p:sp>
-        </p:grpSp>
-        <p:grpSp>
-          <p:nvGrpSpPr>
-            <p:cNvPr id="66" name="Group 65">
-              <a:extLst>
-                <a:ext uri="{FF2B5EF4-FFF2-40B4-BE49-F238E27FC236}">
-                  <a16:creationId xmlns:a16="http://schemas.microsoft.com/office/drawing/2014/main" id="{1446C1C1-5919-4B25-B97D-267572BCAA5D}"/>
-                </a:ext>
-              </a:extLst>
-            </p:cNvPr>
-            <p:cNvGrpSpPr/>
-            <p:nvPr/>
-          </p:nvGrpSpPr>
-          <p:grpSpPr>
-            <a:xfrm>
-              <a:off x="1123562" y="3115155"/>
-              <a:ext cx="709679" cy="332977"/>
-              <a:chOff x="1736358" y="1780998"/>
-              <a:chExt cx="1019542" cy="478363"/>
-            </a:xfrm>
-          </p:grpSpPr>
-          <p:sp>
-            <p:nvSpPr>
-              <p:cNvPr id="67" name="Rectangle 66">
-                <a:extLst>
-                  <a:ext uri="{FF2B5EF4-FFF2-40B4-BE49-F238E27FC236}">
-                    <a16:creationId xmlns:a16="http://schemas.microsoft.com/office/drawing/2014/main" id="{A9B3D98D-E31F-46B5-A3A6-37809A4E950C}"/>
-                  </a:ext>
-                </a:extLst>
-              </p:cNvPr>
-              <p:cNvSpPr/>
-              <p:nvPr/>
-            </p:nvSpPr>
-            <p:spPr>
-              <a:xfrm>
-                <a:off x="1736358" y="1780998"/>
-                <a:ext cx="1019542" cy="478363"/>
-              </a:xfrm>
-              <a:prstGeom prst="rect">
-                <a:avLst/>
-              </a:prstGeom>
-              <a:solidFill>
-                <a:srgbClr val="AE3818"/>
-              </a:solidFill>
-              <a:ln>
-                <a:solidFill>
-                  <a:srgbClr val="F6C3A6"/>
-                </a:solidFill>
-              </a:ln>
-            </p:spPr>
-            <p:style>
-              <a:lnRef idx="2">
-                <a:schemeClr val="accent1">
-                  <a:shade val="50000"/>
-                </a:schemeClr>
-              </a:lnRef>
-              <a:fillRef idx="1">
-                <a:schemeClr val="accent1"/>
-              </a:fillRef>
-              <a:effectRef idx="0">
-                <a:schemeClr val="accent1"/>
-              </a:effectRef>
-              <a:fontRef idx="minor">
-                <a:schemeClr val="lt1"/>
-              </a:fontRef>
-            </p:style>
-            <p:txBody>
-              <a:bodyPr rtlCol="0" anchor="ctr"/>
-              <a:lstStyle/>
-              <a:p>
-                <a:pPr algn="ctr"/>
-                <a:endParaRPr lang="en-GB"/>
-              </a:p>
-            </p:txBody>
-          </p:sp>
-          <p:sp>
-            <p:nvSpPr>
-              <p:cNvPr id="68" name="Rectangle 67">
-                <a:extLst>
-                  <a:ext uri="{FF2B5EF4-FFF2-40B4-BE49-F238E27FC236}">
-                    <a16:creationId xmlns:a16="http://schemas.microsoft.com/office/drawing/2014/main" id="{42004ECF-8945-47DC-9309-169CDB50011E}"/>
-                  </a:ext>
-                </a:extLst>
-              </p:cNvPr>
-              <p:cNvSpPr/>
-              <p:nvPr/>
-            </p:nvSpPr>
-            <p:spPr>
-              <a:xfrm>
-                <a:off x="1918984" y="1930843"/>
-                <a:ext cx="233657" cy="152400"/>
-              </a:xfrm>
-              <a:prstGeom prst="rect">
-                <a:avLst/>
-              </a:prstGeom>
-              <a:solidFill>
-                <a:srgbClr val="F6C3A6"/>
-              </a:solidFill>
-              <a:ln>
-                <a:noFill/>
-              </a:ln>
-            </p:spPr>
-            <p:style>
-              <a:lnRef idx="2">
-                <a:schemeClr val="accent1">
-                  <a:shade val="50000"/>
-                </a:schemeClr>
-              </a:lnRef>
-              <a:fillRef idx="1">
-                <a:schemeClr val="accent1"/>
-              </a:fillRef>
-              <a:effectRef idx="0">
-                <a:schemeClr val="accent1"/>
-              </a:effectRef>
-              <a:fontRef idx="minor">
-                <a:schemeClr val="lt1"/>
-              </a:fontRef>
-            </p:style>
-            <p:txBody>
-              <a:bodyPr rtlCol="0" anchor="ctr"/>
-              <a:lstStyle/>
-              <a:p>
-                <a:pPr algn="ctr"/>
-                <a:endParaRPr lang="en-GB"/>
-              </a:p>
-            </p:txBody>
-          </p:sp>
-          <p:sp>
-            <p:nvSpPr>
-              <p:cNvPr id="69" name="Rectangle 68">
-                <a:extLst>
-                  <a:ext uri="{FF2B5EF4-FFF2-40B4-BE49-F238E27FC236}">
-                    <a16:creationId xmlns:a16="http://schemas.microsoft.com/office/drawing/2014/main" id="{1BD94D88-C49D-4478-AF40-D61373760C2A}"/>
-                  </a:ext>
-                </a:extLst>
-              </p:cNvPr>
-              <p:cNvSpPr/>
-              <p:nvPr/>
-            </p:nvSpPr>
-            <p:spPr>
-              <a:xfrm>
-                <a:off x="2303450" y="1930843"/>
-                <a:ext cx="72000" cy="144000"/>
-              </a:xfrm>
-              <a:prstGeom prst="rect">
-                <a:avLst/>
-              </a:prstGeom>
-              <a:solidFill>
-                <a:srgbClr val="F6C3A6"/>
-              </a:solidFill>
-              <a:ln>
-                <a:noFill/>
-              </a:ln>
-            </p:spPr>
-            <p:style>
-              <a:lnRef idx="2">
-                <a:schemeClr val="accent1">
-                  <a:shade val="50000"/>
-                </a:schemeClr>
-              </a:lnRef>
-              <a:fillRef idx="1">
-                <a:schemeClr val="accent1"/>
-              </a:fillRef>
-              <a:effectRef idx="0">
-                <a:schemeClr val="accent1"/>
-              </a:effectRef>
-              <a:fontRef idx="minor">
-                <a:schemeClr val="lt1"/>
-              </a:fontRef>
-            </p:style>
-            <p:txBody>
-              <a:bodyPr rtlCol="0" anchor="ctr"/>
-              <a:lstStyle/>
-              <a:p>
-                <a:pPr algn="ctr"/>
-                <a:endParaRPr lang="en-GB"/>
-              </a:p>
-            </p:txBody>
-          </p:sp>
-          <p:sp>
-            <p:nvSpPr>
-              <p:cNvPr id="70" name="Rectangle 69">
-                <a:extLst>
-                  <a:ext uri="{FF2B5EF4-FFF2-40B4-BE49-F238E27FC236}">
-                    <a16:creationId xmlns:a16="http://schemas.microsoft.com/office/drawing/2014/main" id="{B0051944-9ACE-4E84-8C1D-496CBB8DB076}"/>
-                  </a:ext>
-                </a:extLst>
-              </p:cNvPr>
-              <p:cNvSpPr/>
-              <p:nvPr/>
-            </p:nvSpPr>
-            <p:spPr>
-              <a:xfrm>
-                <a:off x="1938270" y="2113850"/>
-                <a:ext cx="18000" cy="36000"/>
-              </a:xfrm>
-              <a:prstGeom prst="rect">
-                <a:avLst/>
-              </a:prstGeom>
-              <a:solidFill>
-                <a:srgbClr val="F6C3A6"/>
-              </a:solidFill>
-              <a:ln>
-                <a:noFill/>
-              </a:ln>
-            </p:spPr>
-            <p:style>
-              <a:lnRef idx="2">
-                <a:schemeClr val="accent1">
-                  <a:shade val="50000"/>
-                </a:schemeClr>
-              </a:lnRef>
-              <a:fillRef idx="1">
-                <a:schemeClr val="accent1"/>
-              </a:fillRef>
-              <a:effectRef idx="0">
-                <a:schemeClr val="accent1"/>
-              </a:effectRef>
-              <a:fontRef idx="minor">
-                <a:schemeClr val="lt1"/>
-              </a:fontRef>
-            </p:style>
-            <p:txBody>
-              <a:bodyPr rtlCol="0" anchor="ctr"/>
-              <a:lstStyle/>
-              <a:p>
-                <a:pPr algn="ctr"/>
-                <a:endParaRPr lang="en-GB"/>
-              </a:p>
-            </p:txBody>
-          </p:sp>
-          <p:sp>
-            <p:nvSpPr>
-              <p:cNvPr id="71" name="Rectangle 70">
-                <a:extLst>
-                  <a:ext uri="{FF2B5EF4-FFF2-40B4-BE49-F238E27FC236}">
-                    <a16:creationId xmlns:a16="http://schemas.microsoft.com/office/drawing/2014/main" id="{9AF8BD8E-3B46-4D9A-B9CD-4DD0015AF1E8}"/>
-                  </a:ext>
-                </a:extLst>
-              </p:cNvPr>
-              <p:cNvSpPr/>
-              <p:nvPr/>
-            </p:nvSpPr>
-            <p:spPr>
-              <a:xfrm>
-                <a:off x="2055149" y="2113432"/>
-                <a:ext cx="18000" cy="36000"/>
-              </a:xfrm>
-              <a:prstGeom prst="rect">
-                <a:avLst/>
-              </a:prstGeom>
-              <a:solidFill>
-                <a:srgbClr val="F6C3A6"/>
-              </a:solidFill>
-              <a:ln>
-                <a:noFill/>
-              </a:ln>
-            </p:spPr>
-            <p:style>
-              <a:lnRef idx="2">
-                <a:schemeClr val="accent1">
-                  <a:shade val="50000"/>
-                </a:schemeClr>
-              </a:lnRef>
-              <a:fillRef idx="1">
-                <a:schemeClr val="accent1"/>
-              </a:fillRef>
-              <a:effectRef idx="0">
-                <a:schemeClr val="accent1"/>
-              </a:effectRef>
-              <a:fontRef idx="minor">
-                <a:schemeClr val="lt1"/>
-              </a:fontRef>
-            </p:style>
-            <p:txBody>
-              <a:bodyPr rtlCol="0" anchor="ctr"/>
-              <a:lstStyle/>
-              <a:p>
-                <a:pPr algn="ctr"/>
-                <a:endParaRPr lang="en-GB"/>
-              </a:p>
-            </p:txBody>
-          </p:sp>
-          <p:sp>
-            <p:nvSpPr>
-              <p:cNvPr id="72" name="Rectangle 71">
-                <a:extLst>
-                  <a:ext uri="{FF2B5EF4-FFF2-40B4-BE49-F238E27FC236}">
-                    <a16:creationId xmlns:a16="http://schemas.microsoft.com/office/drawing/2014/main" id="{9896D382-E891-4256-A5AF-544E7D113627}"/>
-                  </a:ext>
-                </a:extLst>
-              </p:cNvPr>
-              <p:cNvSpPr/>
-              <p:nvPr/>
-            </p:nvSpPr>
-            <p:spPr>
-              <a:xfrm>
-                <a:off x="1996369" y="2113432"/>
-                <a:ext cx="18000" cy="36000"/>
-              </a:xfrm>
-              <a:prstGeom prst="rect">
-                <a:avLst/>
-              </a:prstGeom>
-              <a:solidFill>
-                <a:srgbClr val="F6C3A6"/>
-              </a:solidFill>
-              <a:ln>
-                <a:noFill/>
-              </a:ln>
-            </p:spPr>
-            <p:style>
-              <a:lnRef idx="2">
-                <a:schemeClr val="accent1">
-                  <a:shade val="50000"/>
-                </a:schemeClr>
-              </a:lnRef>
-              <a:fillRef idx="1">
-                <a:schemeClr val="accent1"/>
-              </a:fillRef>
-              <a:effectRef idx="0">
-                <a:schemeClr val="accent1"/>
-              </a:effectRef>
-              <a:fontRef idx="minor">
-                <a:schemeClr val="lt1"/>
-              </a:fontRef>
-            </p:style>
-            <p:txBody>
-              <a:bodyPr rtlCol="0" anchor="ctr"/>
-              <a:lstStyle/>
-              <a:p>
-                <a:pPr algn="ctr"/>
-                <a:endParaRPr lang="en-GB"/>
-              </a:p>
-            </p:txBody>
-          </p:sp>
-          <p:sp>
-            <p:nvSpPr>
-              <p:cNvPr id="73" name="Rectangle 72">
-                <a:extLst>
-                  <a:ext uri="{FF2B5EF4-FFF2-40B4-BE49-F238E27FC236}">
-                    <a16:creationId xmlns:a16="http://schemas.microsoft.com/office/drawing/2014/main" id="{3F3909CD-0346-4FA0-AFA1-7AA563D4DE99}"/>
-                  </a:ext>
-                </a:extLst>
-              </p:cNvPr>
-              <p:cNvSpPr/>
-              <p:nvPr/>
-            </p:nvSpPr>
-            <p:spPr>
-              <a:xfrm>
-                <a:off x="2113623" y="2113850"/>
-                <a:ext cx="18000" cy="36000"/>
-              </a:xfrm>
-              <a:prstGeom prst="rect">
-                <a:avLst/>
-              </a:prstGeom>
-              <a:solidFill>
-                <a:srgbClr val="F6C3A6"/>
-              </a:solidFill>
-              <a:ln>
-                <a:noFill/>
-              </a:ln>
-            </p:spPr>
-            <p:style>
-              <a:lnRef idx="2">
-                <a:schemeClr val="accent1">
-                  <a:shade val="50000"/>
-                </a:schemeClr>
-              </a:lnRef>
-              <a:fillRef idx="1">
-                <a:schemeClr val="accent1"/>
-              </a:fillRef>
-              <a:effectRef idx="0">
-                <a:schemeClr val="accent1"/>
-              </a:effectRef>
-              <a:fontRef idx="minor">
-                <a:schemeClr val="lt1"/>
-              </a:fontRef>
-            </p:style>
-            <p:txBody>
-              <a:bodyPr rtlCol="0" anchor="ctr"/>
-              <a:lstStyle/>
-              <a:p>
-                <a:pPr algn="ctr"/>
-                <a:endParaRPr lang="en-GB"/>
-              </a:p>
-            </p:txBody>
-          </p:sp>
-          <p:sp>
-            <p:nvSpPr>
-              <p:cNvPr id="74" name="Rectangle 73">
-                <a:extLst>
-                  <a:ext uri="{FF2B5EF4-FFF2-40B4-BE49-F238E27FC236}">
-                    <a16:creationId xmlns:a16="http://schemas.microsoft.com/office/drawing/2014/main" id="{3202D03C-299C-462D-A4A1-4B029D40C081}"/>
-                  </a:ext>
-                </a:extLst>
-              </p:cNvPr>
-              <p:cNvSpPr/>
-              <p:nvPr/>
-            </p:nvSpPr>
-            <p:spPr>
-              <a:xfrm>
-                <a:off x="1938270" y="1863806"/>
-                <a:ext cx="18000" cy="36000"/>
-              </a:xfrm>
-              <a:prstGeom prst="rect">
-                <a:avLst/>
-              </a:prstGeom>
-              <a:solidFill>
-                <a:srgbClr val="F6C3A6"/>
-              </a:solidFill>
-              <a:ln>
-                <a:noFill/>
-              </a:ln>
-            </p:spPr>
-            <p:style>
-              <a:lnRef idx="2">
-                <a:schemeClr val="accent1">
-                  <a:shade val="50000"/>
-                </a:schemeClr>
-              </a:lnRef>
-              <a:fillRef idx="1">
-                <a:schemeClr val="accent1"/>
-              </a:fillRef>
-              <a:effectRef idx="0">
-                <a:schemeClr val="accent1"/>
-              </a:effectRef>
-              <a:fontRef idx="minor">
-                <a:schemeClr val="lt1"/>
-              </a:fontRef>
-            </p:style>
-            <p:txBody>
-              <a:bodyPr rtlCol="0" anchor="ctr"/>
-              <a:lstStyle/>
-              <a:p>
-                <a:pPr algn="ctr"/>
-                <a:endParaRPr lang="en-GB"/>
-              </a:p>
-            </p:txBody>
-          </p:sp>
-          <p:sp>
-            <p:nvSpPr>
-              <p:cNvPr id="75" name="Rectangle 74">
-                <a:extLst>
-                  <a:ext uri="{FF2B5EF4-FFF2-40B4-BE49-F238E27FC236}">
-                    <a16:creationId xmlns:a16="http://schemas.microsoft.com/office/drawing/2014/main" id="{AE411D10-D6C3-437D-B242-89AE35A9B599}"/>
-                  </a:ext>
-                </a:extLst>
-              </p:cNvPr>
-              <p:cNvSpPr/>
-              <p:nvPr/>
-            </p:nvSpPr>
-            <p:spPr>
-              <a:xfrm>
-                <a:off x="2055149" y="1863388"/>
-                <a:ext cx="18000" cy="36000"/>
-              </a:xfrm>
-              <a:prstGeom prst="rect">
-                <a:avLst/>
-              </a:prstGeom>
-              <a:solidFill>
-                <a:srgbClr val="F6C3A6"/>
-              </a:solidFill>
-              <a:ln>
-                <a:noFill/>
-              </a:ln>
-            </p:spPr>
-            <p:style>
-              <a:lnRef idx="2">
-                <a:schemeClr val="accent1">
-                  <a:shade val="50000"/>
-                </a:schemeClr>
-              </a:lnRef>
-              <a:fillRef idx="1">
-                <a:schemeClr val="accent1"/>
-              </a:fillRef>
-              <a:effectRef idx="0">
-                <a:schemeClr val="accent1"/>
-              </a:effectRef>
-              <a:fontRef idx="minor">
-                <a:schemeClr val="lt1"/>
-              </a:fontRef>
-            </p:style>
-            <p:txBody>
-              <a:bodyPr rtlCol="0" anchor="ctr"/>
-              <a:lstStyle/>
-              <a:p>
-                <a:pPr algn="ctr"/>
-                <a:endParaRPr lang="en-GB"/>
-              </a:p>
-            </p:txBody>
-          </p:sp>
-          <p:sp>
-            <p:nvSpPr>
-              <p:cNvPr id="76" name="Rectangle 75">
-                <a:extLst>
-                  <a:ext uri="{FF2B5EF4-FFF2-40B4-BE49-F238E27FC236}">
-                    <a16:creationId xmlns:a16="http://schemas.microsoft.com/office/drawing/2014/main" id="{33B1D750-D772-41FB-9A46-AEDE8E7C4A94}"/>
-                  </a:ext>
-                </a:extLst>
-              </p:cNvPr>
-              <p:cNvSpPr/>
-              <p:nvPr/>
-            </p:nvSpPr>
-            <p:spPr>
-              <a:xfrm>
-                <a:off x="1996369" y="1863388"/>
-                <a:ext cx="18000" cy="36000"/>
-              </a:xfrm>
-              <a:prstGeom prst="rect">
-                <a:avLst/>
-              </a:prstGeom>
-              <a:solidFill>
-                <a:srgbClr val="F6C3A6"/>
-              </a:solidFill>
-              <a:ln>
-                <a:noFill/>
-              </a:ln>
-            </p:spPr>
-            <p:style>
-              <a:lnRef idx="2">
-                <a:schemeClr val="accent1">
-                  <a:shade val="50000"/>
-                </a:schemeClr>
-              </a:lnRef>
-              <a:fillRef idx="1">
-                <a:schemeClr val="accent1"/>
-              </a:fillRef>
-              <a:effectRef idx="0">
-                <a:schemeClr val="accent1"/>
-              </a:effectRef>
-              <a:fontRef idx="minor">
-                <a:schemeClr val="lt1"/>
-              </a:fontRef>
-            </p:style>
-            <p:txBody>
-              <a:bodyPr rtlCol="0" anchor="ctr"/>
-              <a:lstStyle/>
-              <a:p>
-                <a:pPr algn="ctr"/>
-                <a:endParaRPr lang="en-GB"/>
-              </a:p>
-            </p:txBody>
-          </p:sp>
-          <p:sp>
-            <p:nvSpPr>
-              <p:cNvPr id="77" name="Rectangle 76">
-                <a:extLst>
-                  <a:ext uri="{FF2B5EF4-FFF2-40B4-BE49-F238E27FC236}">
-                    <a16:creationId xmlns:a16="http://schemas.microsoft.com/office/drawing/2014/main" id="{58B67CE5-F69A-4A06-B366-B3C08D5A6A91}"/>
-                  </a:ext>
-                </a:extLst>
-              </p:cNvPr>
-              <p:cNvSpPr/>
-              <p:nvPr/>
-            </p:nvSpPr>
-            <p:spPr>
-              <a:xfrm>
-                <a:off x="2113623" y="1863806"/>
-                <a:ext cx="18000" cy="36000"/>
-              </a:xfrm>
-              <a:prstGeom prst="rect">
-                <a:avLst/>
-              </a:prstGeom>
-              <a:solidFill>
-                <a:srgbClr val="F6C3A6"/>
-              </a:solidFill>
-              <a:ln>
-                <a:noFill/>
-              </a:ln>
-            </p:spPr>
-            <p:style>
-              <a:lnRef idx="2">
-                <a:schemeClr val="accent1">
-                  <a:shade val="50000"/>
-                </a:schemeClr>
-              </a:lnRef>
-              <a:fillRef idx="1">
-                <a:schemeClr val="accent1"/>
-              </a:fillRef>
-              <a:effectRef idx="0">
-                <a:schemeClr val="accent1"/>
-              </a:effectRef>
-              <a:fontRef idx="minor">
-                <a:schemeClr val="lt1"/>
-              </a:fontRef>
-            </p:style>
-            <p:txBody>
-              <a:bodyPr rtlCol="0" anchor="ctr"/>
-              <a:lstStyle/>
-              <a:p>
-                <a:pPr algn="ctr"/>
-                <a:endParaRPr lang="en-GB"/>
-              </a:p>
-            </p:txBody>
-          </p:sp>
-        </p:grpSp>
-        <p:cxnSp>
-          <p:nvCxnSpPr>
-            <p:cNvPr id="79" name="Straight Arrow Connector 78">
-              <a:extLst>
-                <a:ext uri="{FF2B5EF4-FFF2-40B4-BE49-F238E27FC236}">
-                  <a16:creationId xmlns:a16="http://schemas.microsoft.com/office/drawing/2014/main" id="{0A037CA0-8CED-41F1-8809-BC8B10D92E7B}"/>
-                </a:ext>
-              </a:extLst>
-            </p:cNvPr>
-            <p:cNvCxnSpPr>
-              <a:cxnSpLocks/>
-            </p:cNvCxnSpPr>
-            <p:nvPr/>
-          </p:nvCxnSpPr>
-          <p:spPr>
-            <a:xfrm flipV="1">
-              <a:off x="4290159" y="1674994"/>
-              <a:ext cx="653977" cy="340598"/>
-            </a:xfrm>
-            <a:prstGeom prst="straightConnector1">
-              <a:avLst/>
-            </a:prstGeom>
-            <a:ln w="38100">
-              <a:solidFill>
-                <a:schemeClr val="tx1"/>
-              </a:solidFill>
-              <a:tailEnd type="triangle" w="lg" len="lg"/>
-            </a:ln>
-          </p:spPr>
-          <p:style>
-            <a:lnRef idx="1">
-              <a:schemeClr val="accent1"/>
-            </a:lnRef>
-            <a:fillRef idx="0">
-              <a:schemeClr val="accent1"/>
-            </a:fillRef>
-            <a:effectRef idx="0">
-              <a:schemeClr val="accent1"/>
-            </a:effectRef>
-            <a:fontRef idx="minor">
-              <a:schemeClr val="tx1"/>
-            </a:fontRef>
-          </p:style>
-        </p:cxnSp>
-        <p:cxnSp>
-          <p:nvCxnSpPr>
-            <p:cNvPr id="81" name="Straight Arrow Connector 80">
-              <a:extLst>
-                <a:ext uri="{FF2B5EF4-FFF2-40B4-BE49-F238E27FC236}">
-                  <a16:creationId xmlns:a16="http://schemas.microsoft.com/office/drawing/2014/main" id="{8CE99B14-6D8F-4F1E-B3DD-AF510E6B6E2A}"/>
-                </a:ext>
-              </a:extLst>
-            </p:cNvPr>
-            <p:cNvCxnSpPr>
-              <a:cxnSpLocks/>
-            </p:cNvCxnSpPr>
-            <p:nvPr/>
-          </p:nvCxnSpPr>
-          <p:spPr>
-            <a:xfrm flipV="1">
-              <a:off x="1968030" y="2798360"/>
-              <a:ext cx="776249" cy="361892"/>
-            </a:xfrm>
-            <a:prstGeom prst="straightConnector1">
-              <a:avLst/>
-            </a:prstGeom>
-            <a:ln w="38100">
-              <a:solidFill>
-                <a:schemeClr val="tx1"/>
-              </a:solidFill>
-              <a:tailEnd type="triangle" w="lg" len="lg"/>
-            </a:ln>
-          </p:spPr>
-          <p:style>
-            <a:lnRef idx="1">
-              <a:schemeClr val="accent1"/>
-            </a:lnRef>
-            <a:fillRef idx="0">
-              <a:schemeClr val="accent1"/>
-            </a:fillRef>
-            <a:effectRef idx="0">
-              <a:schemeClr val="accent1"/>
-            </a:effectRef>
-            <a:fontRef idx="minor">
-              <a:schemeClr val="tx1"/>
-            </a:fontRef>
-          </p:style>
-        </p:cxnSp>
-        <p:sp>
-          <p:nvSpPr>
-            <p:cNvPr id="1048" name="TextBox 1047">
-              <a:extLst>
-                <a:ext uri="{FF2B5EF4-FFF2-40B4-BE49-F238E27FC236}">
-                  <a16:creationId xmlns:a16="http://schemas.microsoft.com/office/drawing/2014/main" id="{B2642B42-C3B1-44A9-8242-48F27E85415A}"/>
-                </a:ext>
-              </a:extLst>
-            </p:cNvPr>
-            <p:cNvSpPr txBox="1"/>
-            <p:nvPr/>
-          </p:nvSpPr>
-          <p:spPr>
-            <a:xfrm>
-              <a:off x="1264270" y="2803429"/>
-              <a:ext cx="283640" cy="278507"/>
-            </a:xfrm>
-            <a:prstGeom prst="rect">
-              <a:avLst/>
-            </a:prstGeom>
-            <a:noFill/>
-          </p:spPr>
-          <p:txBody>
-            <a:bodyPr wrap="none" rtlCol="0">
-              <a:spAutoFit/>
-            </a:bodyPr>
-            <a:lstStyle/>
-            <a:p>
-              <a:r>
-                <a:rPr lang="en-GB" sz="2000" dirty="0"/>
-                <a:t>°C</a:t>
-              </a:r>
-            </a:p>
-          </p:txBody>
-        </p:sp>
-        <p:sp>
-          <p:nvSpPr>
-            <p:cNvPr id="130" name="TextBox 129">
-              <a:extLst>
-                <a:ext uri="{FF2B5EF4-FFF2-40B4-BE49-F238E27FC236}">
-                  <a16:creationId xmlns:a16="http://schemas.microsoft.com/office/drawing/2014/main" id="{A37AC54D-2A50-4646-8BDE-509B0DF11158}"/>
-                </a:ext>
-              </a:extLst>
-            </p:cNvPr>
-            <p:cNvSpPr txBox="1"/>
-            <p:nvPr/>
-          </p:nvSpPr>
-          <p:spPr>
-            <a:xfrm>
-              <a:off x="1206565" y="964070"/>
-              <a:ext cx="283640" cy="278507"/>
-            </a:xfrm>
-            <a:prstGeom prst="rect">
-              <a:avLst/>
-            </a:prstGeom>
-            <a:noFill/>
-          </p:spPr>
-          <p:txBody>
-            <a:bodyPr wrap="none" rtlCol="0">
-              <a:spAutoFit/>
-            </a:bodyPr>
-            <a:lstStyle/>
-            <a:p>
-              <a:r>
-                <a:rPr lang="en-GB" sz="2000" dirty="0"/>
-                <a:t>°C</a:t>
-              </a:r>
-            </a:p>
-          </p:txBody>
-        </p:sp>
       </p:grpSp>
     </p:spTree>
     <p:extLst>
